--- a/trunk/Presentation/MS_Slide_2.0.pptx
+++ b/trunk/Presentation/MS_Slide_2.0.pptx
@@ -6,10 +6,10 @@
     <p:sldMasterId id="2147483685" r:id="rId2"/>
   </p:sldMasterIdLst>
   <p:notesMasterIdLst>
-    <p:notesMasterId r:id="rId11"/>
+    <p:notesMasterId r:id="rId12"/>
   </p:notesMasterIdLst>
   <p:handoutMasterIdLst>
-    <p:handoutMasterId r:id="rId12"/>
+    <p:handoutMasterId r:id="rId13"/>
   </p:handoutMasterIdLst>
   <p:sldIdLst>
     <p:sldId id="270" r:id="rId3"/>
@@ -17,9 +17,10 @@
     <p:sldId id="257" r:id="rId5"/>
     <p:sldId id="273" r:id="rId6"/>
     <p:sldId id="274" r:id="rId7"/>
-    <p:sldId id="271" r:id="rId8"/>
-    <p:sldId id="272" r:id="rId9"/>
-    <p:sldId id="275" r:id="rId10"/>
+    <p:sldId id="276" r:id="rId8"/>
+    <p:sldId id="271" r:id="rId9"/>
+    <p:sldId id="272" r:id="rId10"/>
+    <p:sldId id="275" r:id="rId11"/>
   </p:sldIdLst>
   <p:sldSz cx="9144000" cy="6858000" type="screen4x3"/>
   <p:notesSz cx="6858000" cy="9144000"/>
@@ -4898,7 +4899,7 @@
             <a:fld id="{0521FCE3-7D4A-4844-8F6D-60AC8CFC57BE}" type="slidenum">
               <a:rPr lang="en-US" smtClean="0"/>
               <a:pPr/>
-              <a:t>6</a:t>
+              <a:t>7</a:t>
             </a:fld>
             <a:endParaRPr lang="en-US"/>
           </a:p>
@@ -4988,7 +4989,7 @@
             <a:fld id="{0521FCE3-7D4A-4844-8F6D-60AC8CFC57BE}" type="slidenum">
               <a:rPr lang="en-US" smtClean="0"/>
               <a:pPr/>
-              <a:t>7</a:t>
+              <a:t>8</a:t>
             </a:fld>
             <a:endParaRPr lang="en-US"/>
           </a:p>
@@ -13799,11 +13800,7 @@
             </a:pPr>
             <a:r>
               <a:rPr lang="en-US" dirty="0" smtClean="0"/>
-              <a:t>Cancel </a:t>
-            </a:r>
-            <a:r>
-              <a:rPr lang="en-US" dirty="0" smtClean="0"/>
-              <a:t>applying</a:t>
+              <a:t>Cancel applying</a:t>
             </a:r>
             <a:endParaRPr lang="en-US" dirty="0"/>
           </a:p>
@@ -13814,11 +13811,7 @@
             </a:pPr>
             <a:r>
               <a:rPr lang="en-US" dirty="0" smtClean="0"/>
-              <a:t>Report </a:t>
-            </a:r>
-            <a:r>
-              <a:rPr lang="en-US" dirty="0" smtClean="0"/>
-              <a:t>maid</a:t>
+              <a:t>Report maid</a:t>
             </a:r>
             <a:endParaRPr lang="en-US" dirty="0"/>
           </a:p>
@@ -16728,6 +16721,1511 @@
           <a:p>
             <a:r>
               <a:rPr lang="en-US" dirty="0" smtClean="0"/>
+              <a:t>Register function</a:t>
+            </a:r>
+            <a:endParaRPr lang="en-US" dirty="0"/>
+          </a:p>
+        </p:txBody>
+      </p:sp>
+      <p:sp>
+        <p:nvSpPr>
+          <p:cNvPr id="4" name="Date Placeholder 3"/>
+          <p:cNvSpPr>
+            <a:spLocks noGrp="1"/>
+          </p:cNvSpPr>
+          <p:nvPr>
+            <p:ph type="dt" sz="half" idx="10"/>
+          </p:nvPr>
+        </p:nvSpPr>
+        <p:spPr/>
+        <p:txBody>
+          <a:bodyPr/>
+          <a:lstStyle/>
+          <a:p>
+            <a:r>
+              <a:rPr lang="en-US" smtClean="0"/>
+              <a:t>Group 6</a:t>
+            </a:r>
+            <a:endParaRPr lang="en-US" dirty="0"/>
+          </a:p>
+        </p:txBody>
+      </p:sp>
+      <p:sp>
+        <p:nvSpPr>
+          <p:cNvPr id="5" name="Footer Placeholder 4"/>
+          <p:cNvSpPr>
+            <a:spLocks noGrp="1"/>
+          </p:cNvSpPr>
+          <p:nvPr>
+            <p:ph type="ftr" sz="quarter" idx="11"/>
+          </p:nvPr>
+        </p:nvSpPr>
+        <p:spPr/>
+        <p:txBody>
+          <a:bodyPr/>
+          <a:lstStyle/>
+          <a:p>
+            <a:r>
+              <a:rPr lang="en-US" smtClean="0"/>
+              <a:t>Maid Service</a:t>
+            </a:r>
+            <a:endParaRPr lang="en-US" dirty="0"/>
+          </a:p>
+        </p:txBody>
+      </p:sp>
+      <p:sp>
+        <p:nvSpPr>
+          <p:cNvPr id="6" name="Slide Number Placeholder 5"/>
+          <p:cNvSpPr>
+            <a:spLocks noGrp="1"/>
+          </p:cNvSpPr>
+          <p:nvPr>
+            <p:ph type="sldNum" sz="quarter" idx="12"/>
+          </p:nvPr>
+        </p:nvSpPr>
+        <p:spPr/>
+        <p:txBody>
+          <a:bodyPr/>
+          <a:lstStyle/>
+          <a:p>
+            <a:fld id="{6113E31D-E2AB-40D1-8B51-AFA5AFEF393A}" type="slidenum">
+              <a:rPr lang="en-US" smtClean="0"/>
+              <a:pPr/>
+              <a:t>6</a:t>
+            </a:fld>
+            <a:endParaRPr lang="en-US" dirty="0"/>
+          </a:p>
+        </p:txBody>
+      </p:sp>
+      <p:cxnSp>
+        <p:nvCxnSpPr>
+          <p:cNvPr id="10" name="Straight Connector 9"/>
+          <p:cNvCxnSpPr/>
+          <p:nvPr/>
+        </p:nvCxnSpPr>
+        <p:spPr>
+          <a:xfrm>
+            <a:off x="207034" y="3553267"/>
+            <a:ext cx="8695426" cy="0"/>
+          </a:xfrm>
+          <a:prstGeom prst="line">
+            <a:avLst/>
+          </a:prstGeom>
+          <a:ln>
+            <a:tailEnd type="triangle"/>
+          </a:ln>
+        </p:spPr>
+        <p:style>
+          <a:lnRef idx="3">
+            <a:schemeClr val="dk1"/>
+          </a:lnRef>
+          <a:fillRef idx="0">
+            <a:schemeClr val="dk1"/>
+          </a:fillRef>
+          <a:effectRef idx="2">
+            <a:schemeClr val="dk1"/>
+          </a:effectRef>
+          <a:fontRef idx="minor">
+            <a:schemeClr val="tx1"/>
+          </a:fontRef>
+        </p:style>
+      </p:cxnSp>
+      <p:sp>
+        <p:nvSpPr>
+          <p:cNvPr id="11" name="TextBox 10"/>
+          <p:cNvSpPr txBox="1"/>
+          <p:nvPr/>
+        </p:nvSpPr>
+        <p:spPr>
+          <a:xfrm>
+            <a:off x="207034" y="1863371"/>
+            <a:ext cx="519694" cy="369332"/>
+          </a:xfrm>
+          <a:prstGeom prst="rect">
+            <a:avLst/>
+          </a:prstGeom>
+          <a:noFill/>
+        </p:spPr>
+        <p:txBody>
+          <a:bodyPr wrap="none" rtlCol="0">
+            <a:spAutoFit/>
+          </a:bodyPr>
+          <a:lstStyle/>
+          <a:p>
+            <a:r>
+              <a:rPr lang="en-US" b="1" dirty="0" smtClean="0">
+                <a:solidFill>
+                  <a:prstClr val="black"/>
+                </a:solidFill>
+              </a:rPr>
+              <a:t>Old</a:t>
+            </a:r>
+            <a:endParaRPr lang="en-US" b="1" dirty="0">
+              <a:solidFill>
+                <a:prstClr val="black"/>
+              </a:solidFill>
+            </a:endParaRPr>
+          </a:p>
+        </p:txBody>
+      </p:sp>
+      <p:sp>
+        <p:nvSpPr>
+          <p:cNvPr id="12" name="TextBox 11"/>
+          <p:cNvSpPr txBox="1"/>
+          <p:nvPr/>
+        </p:nvSpPr>
+        <p:spPr>
+          <a:xfrm>
+            <a:off x="207034" y="3643314"/>
+            <a:ext cx="769891" cy="461665"/>
+          </a:xfrm>
+          <a:prstGeom prst="rect">
+            <a:avLst/>
+          </a:prstGeom>
+          <a:noFill/>
+        </p:spPr>
+        <p:txBody>
+          <a:bodyPr wrap="none" rtlCol="0">
+            <a:spAutoFit/>
+          </a:bodyPr>
+          <a:lstStyle/>
+          <a:p>
+            <a:r>
+              <a:rPr lang="en-US" sz="2400" b="1" dirty="0" smtClean="0">
+                <a:solidFill>
+                  <a:srgbClr val="FF0000"/>
+                </a:solidFill>
+              </a:rPr>
+              <a:t>New</a:t>
+            </a:r>
+          </a:p>
+        </p:txBody>
+      </p:sp>
+      <p:pic>
+        <p:nvPicPr>
+          <p:cNvPr id="13" name="Picture 12"/>
+          <p:cNvPicPr>
+            <a:picLocks noChangeAspect="1"/>
+          </p:cNvPicPr>
+          <p:nvPr/>
+        </p:nvPicPr>
+        <p:blipFill>
+          <a:blip r:embed="rId2">
+            <a:extLst>
+              <a:ext uri="{28A0092B-C50C-407E-A947-70E740481C1C}">
+                <a14:useLocalDpi xmlns:a14="http://schemas.microsoft.com/office/drawing/2010/main" val="0"/>
+              </a:ext>
+            </a:extLst>
+          </a:blip>
+          <a:stretch>
+            <a:fillRect/>
+          </a:stretch>
+        </p:blipFill>
+        <p:spPr>
+          <a:xfrm>
+            <a:off x="822960" y="2310795"/>
+            <a:ext cx="786898" cy="786898"/>
+          </a:xfrm>
+          <a:prstGeom prst="rect">
+            <a:avLst/>
+          </a:prstGeom>
+        </p:spPr>
+      </p:pic>
+      <p:sp>
+        <p:nvSpPr>
+          <p:cNvPr id="14" name="Oval 13"/>
+          <p:cNvSpPr/>
+          <p:nvPr/>
+        </p:nvSpPr>
+        <p:spPr>
+          <a:xfrm>
+            <a:off x="3752341" y="2331740"/>
+            <a:ext cx="1319610" cy="745007"/>
+          </a:xfrm>
+          <a:prstGeom prst="ellipse">
+            <a:avLst/>
+          </a:prstGeom>
+          <a:solidFill>
+            <a:srgbClr val="FFC000"/>
+          </a:solidFill>
+        </p:spPr>
+        <p:style>
+          <a:lnRef idx="2">
+            <a:schemeClr val="accent1">
+              <a:shade val="50000"/>
+            </a:schemeClr>
+          </a:lnRef>
+          <a:fillRef idx="1">
+            <a:schemeClr val="accent1"/>
+          </a:fillRef>
+          <a:effectRef idx="0">
+            <a:schemeClr val="accent1"/>
+          </a:effectRef>
+          <a:fontRef idx="minor">
+            <a:schemeClr val="lt1"/>
+          </a:fontRef>
+        </p:style>
+        <p:txBody>
+          <a:bodyPr rtlCol="0" anchor="ctr"/>
+          <a:lstStyle/>
+          <a:p>
+            <a:pPr algn="ctr"/>
+            <a:r>
+              <a:rPr lang="en-US" dirty="0" smtClean="0">
+                <a:solidFill>
+                  <a:prstClr val="black"/>
+                </a:solidFill>
+              </a:rPr>
+              <a:t>Job request</a:t>
+            </a:r>
+            <a:endParaRPr lang="en-US" dirty="0">
+              <a:solidFill>
+                <a:prstClr val="black"/>
+              </a:solidFill>
+            </a:endParaRPr>
+          </a:p>
+        </p:txBody>
+      </p:sp>
+      <p:sp>
+        <p:nvSpPr>
+          <p:cNvPr id="15" name="Oval 14"/>
+          <p:cNvSpPr/>
+          <p:nvPr/>
+        </p:nvSpPr>
+        <p:spPr>
+          <a:xfrm>
+            <a:off x="3752341" y="5382602"/>
+            <a:ext cx="1319610" cy="745007"/>
+          </a:xfrm>
+          <a:prstGeom prst="ellipse">
+            <a:avLst/>
+          </a:prstGeom>
+          <a:solidFill>
+            <a:schemeClr val="accent6"/>
+          </a:solidFill>
+        </p:spPr>
+        <p:style>
+          <a:lnRef idx="2">
+            <a:schemeClr val="accent1">
+              <a:shade val="50000"/>
+            </a:schemeClr>
+          </a:lnRef>
+          <a:fillRef idx="1">
+            <a:schemeClr val="accent1"/>
+          </a:fillRef>
+          <a:effectRef idx="0">
+            <a:schemeClr val="accent1"/>
+          </a:effectRef>
+          <a:fontRef idx="minor">
+            <a:schemeClr val="lt1"/>
+          </a:fontRef>
+        </p:style>
+        <p:txBody>
+          <a:bodyPr rtlCol="0" anchor="ctr"/>
+          <a:lstStyle/>
+          <a:p>
+            <a:pPr algn="ctr"/>
+            <a:r>
+              <a:rPr lang="en-US" dirty="0" smtClean="0">
+                <a:solidFill>
+                  <a:prstClr val="black"/>
+                </a:solidFill>
+              </a:rPr>
+              <a:t>Recruitment</a:t>
+            </a:r>
+            <a:endParaRPr lang="en-US" dirty="0">
+              <a:solidFill>
+                <a:prstClr val="black"/>
+              </a:solidFill>
+            </a:endParaRPr>
+          </a:p>
+        </p:txBody>
+      </p:sp>
+      <p:pic>
+        <p:nvPicPr>
+          <p:cNvPr id="16" name="Picture 15"/>
+          <p:cNvPicPr>
+            <a:picLocks noChangeAspect="1"/>
+          </p:cNvPicPr>
+          <p:nvPr/>
+        </p:nvPicPr>
+        <p:blipFill>
+          <a:blip r:embed="rId3">
+            <a:extLst>
+              <a:ext uri="{28A0092B-C50C-407E-A947-70E740481C1C}">
+                <a14:useLocalDpi xmlns:a14="http://schemas.microsoft.com/office/drawing/2010/main" val="0"/>
+              </a:ext>
+            </a:extLst>
+          </a:blip>
+          <a:stretch>
+            <a:fillRect/>
+          </a:stretch>
+        </p:blipFill>
+        <p:spPr>
+          <a:xfrm>
+            <a:off x="5491029" y="119007"/>
+            <a:ext cx="972908" cy="972908"/>
+          </a:xfrm>
+          <a:prstGeom prst="rect">
+            <a:avLst/>
+          </a:prstGeom>
+        </p:spPr>
+      </p:pic>
+      <p:cxnSp>
+        <p:nvCxnSpPr>
+          <p:cNvPr id="18" name="Straight Arrow Connector 17"/>
+          <p:cNvCxnSpPr>
+            <a:stCxn id="13" idx="3"/>
+            <a:endCxn id="14" idx="2"/>
+          </p:cNvCxnSpPr>
+          <p:nvPr/>
+        </p:nvCxnSpPr>
+        <p:spPr>
+          <a:xfrm>
+            <a:off x="1609858" y="2704244"/>
+            <a:ext cx="2142483" cy="0"/>
+          </a:xfrm>
+          <a:prstGeom prst="straightConnector1">
+            <a:avLst/>
+          </a:prstGeom>
+          <a:ln>
+            <a:tailEnd type="triangle"/>
+          </a:ln>
+        </p:spPr>
+        <p:style>
+          <a:lnRef idx="3">
+            <a:schemeClr val="accent1"/>
+          </a:lnRef>
+          <a:fillRef idx="0">
+            <a:schemeClr val="accent1"/>
+          </a:fillRef>
+          <a:effectRef idx="2">
+            <a:schemeClr val="accent1"/>
+          </a:effectRef>
+          <a:fontRef idx="minor">
+            <a:schemeClr val="tx1"/>
+          </a:fontRef>
+        </p:style>
+      </p:cxnSp>
+      <p:pic>
+        <p:nvPicPr>
+          <p:cNvPr id="19" name="Picture 18"/>
+          <p:cNvPicPr>
+            <a:picLocks noChangeAspect="1"/>
+          </p:cNvPicPr>
+          <p:nvPr/>
+        </p:nvPicPr>
+        <p:blipFill>
+          <a:blip r:embed="rId4">
+            <a:extLst>
+              <a:ext uri="{28A0092B-C50C-407E-A947-70E740481C1C}">
+                <a14:useLocalDpi xmlns:a14="http://schemas.microsoft.com/office/drawing/2010/main" val="0"/>
+              </a:ext>
+            </a:extLst>
+          </a:blip>
+          <a:stretch>
+            <a:fillRect/>
+          </a:stretch>
+        </p:blipFill>
+        <p:spPr>
+          <a:xfrm>
+            <a:off x="7123742" y="2194187"/>
+            <a:ext cx="972908" cy="972908"/>
+          </a:xfrm>
+          <a:prstGeom prst="rect">
+            <a:avLst/>
+          </a:prstGeom>
+        </p:spPr>
+      </p:pic>
+      <p:sp>
+        <p:nvSpPr>
+          <p:cNvPr id="20" name="TextBox 19"/>
+          <p:cNvSpPr txBox="1"/>
+          <p:nvPr/>
+        </p:nvSpPr>
+        <p:spPr>
+          <a:xfrm>
+            <a:off x="6878533" y="3045991"/>
+            <a:ext cx="1579728" cy="369332"/>
+          </a:xfrm>
+          <a:prstGeom prst="rect">
+            <a:avLst/>
+          </a:prstGeom>
+          <a:noFill/>
+        </p:spPr>
+        <p:txBody>
+          <a:bodyPr wrap="none" rtlCol="0">
+            <a:spAutoFit/>
+          </a:bodyPr>
+          <a:lstStyle/>
+          <a:p>
+            <a:r>
+              <a:rPr lang="en-US" dirty="0" smtClean="0">
+                <a:solidFill>
+                  <a:prstClr val="black"/>
+                </a:solidFill>
+              </a:rPr>
+              <a:t>Maid mediator</a:t>
+            </a:r>
+            <a:endParaRPr lang="en-US" dirty="0">
+              <a:solidFill>
+                <a:prstClr val="black"/>
+              </a:solidFill>
+            </a:endParaRPr>
+          </a:p>
+        </p:txBody>
+      </p:sp>
+      <p:sp>
+        <p:nvSpPr>
+          <p:cNvPr id="23" name="TextBox 22"/>
+          <p:cNvSpPr txBox="1"/>
+          <p:nvPr/>
+        </p:nvSpPr>
+        <p:spPr>
+          <a:xfrm>
+            <a:off x="669624" y="2983915"/>
+            <a:ext cx="1093569" cy="369332"/>
+          </a:xfrm>
+          <a:prstGeom prst="rect">
+            <a:avLst/>
+          </a:prstGeom>
+          <a:noFill/>
+        </p:spPr>
+        <p:txBody>
+          <a:bodyPr wrap="none" rtlCol="0">
+            <a:spAutoFit/>
+          </a:bodyPr>
+          <a:lstStyle/>
+          <a:p>
+            <a:r>
+              <a:rPr lang="en-US" dirty="0" smtClean="0">
+                <a:solidFill>
+                  <a:prstClr val="black"/>
+                </a:solidFill>
+              </a:rPr>
+              <a:t>Customer</a:t>
+            </a:r>
+            <a:endParaRPr lang="en-US" dirty="0">
+              <a:solidFill>
+                <a:prstClr val="black"/>
+              </a:solidFill>
+            </a:endParaRPr>
+          </a:p>
+        </p:txBody>
+      </p:sp>
+      <p:cxnSp>
+        <p:nvCxnSpPr>
+          <p:cNvPr id="25" name="Straight Arrow Connector 24"/>
+          <p:cNvCxnSpPr>
+            <a:stCxn id="19" idx="1"/>
+            <a:endCxn id="14" idx="6"/>
+          </p:cNvCxnSpPr>
+          <p:nvPr/>
+        </p:nvCxnSpPr>
+        <p:spPr>
+          <a:xfrm flipH="1">
+            <a:off x="5071951" y="2680641"/>
+            <a:ext cx="2051791" cy="23603"/>
+          </a:xfrm>
+          <a:prstGeom prst="straightConnector1">
+            <a:avLst/>
+          </a:prstGeom>
+          <a:ln>
+            <a:tailEnd type="triangle"/>
+          </a:ln>
+        </p:spPr>
+        <p:style>
+          <a:lnRef idx="3">
+            <a:schemeClr val="accent1"/>
+          </a:lnRef>
+          <a:fillRef idx="0">
+            <a:schemeClr val="accent1"/>
+          </a:fillRef>
+          <a:effectRef idx="2">
+            <a:schemeClr val="accent1"/>
+          </a:effectRef>
+          <a:fontRef idx="minor">
+            <a:schemeClr val="tx1"/>
+          </a:fontRef>
+        </p:style>
+      </p:cxnSp>
+      <p:sp>
+        <p:nvSpPr>
+          <p:cNvPr id="29" name="TextBox 28"/>
+          <p:cNvSpPr txBox="1"/>
+          <p:nvPr/>
+        </p:nvSpPr>
+        <p:spPr>
+          <a:xfrm>
+            <a:off x="2230954" y="2331740"/>
+            <a:ext cx="574388" cy="369332"/>
+          </a:xfrm>
+          <a:prstGeom prst="rect">
+            <a:avLst/>
+          </a:prstGeom>
+          <a:noFill/>
+        </p:spPr>
+        <p:txBody>
+          <a:bodyPr wrap="none" rtlCol="0">
+            <a:spAutoFit/>
+          </a:bodyPr>
+          <a:lstStyle/>
+          <a:p>
+            <a:r>
+              <a:rPr lang="en-US" dirty="0" smtClean="0">
+                <a:solidFill>
+                  <a:prstClr val="black"/>
+                </a:solidFill>
+              </a:rPr>
+              <a:t>Hire</a:t>
+            </a:r>
+            <a:endParaRPr lang="en-US" dirty="0">
+              <a:solidFill>
+                <a:prstClr val="black"/>
+              </a:solidFill>
+            </a:endParaRPr>
+          </a:p>
+        </p:txBody>
+      </p:sp>
+      <p:sp>
+        <p:nvSpPr>
+          <p:cNvPr id="30" name="TextBox 29"/>
+          <p:cNvSpPr txBox="1"/>
+          <p:nvPr/>
+        </p:nvSpPr>
+        <p:spPr>
+          <a:xfrm>
+            <a:off x="5806914" y="2308138"/>
+            <a:ext cx="584647" cy="369332"/>
+          </a:xfrm>
+          <a:prstGeom prst="rect">
+            <a:avLst/>
+          </a:prstGeom>
+          <a:noFill/>
+        </p:spPr>
+        <p:txBody>
+          <a:bodyPr wrap="none" rtlCol="0">
+            <a:spAutoFit/>
+          </a:bodyPr>
+          <a:lstStyle/>
+          <a:p>
+            <a:r>
+              <a:rPr lang="en-US" dirty="0" smtClean="0">
+                <a:solidFill>
+                  <a:prstClr val="black"/>
+                </a:solidFill>
+              </a:rPr>
+              <a:t>Post</a:t>
+            </a:r>
+            <a:endParaRPr lang="en-US" dirty="0">
+              <a:solidFill>
+                <a:prstClr val="black"/>
+              </a:solidFill>
+            </a:endParaRPr>
+          </a:p>
+        </p:txBody>
+      </p:sp>
+      <p:pic>
+        <p:nvPicPr>
+          <p:cNvPr id="58" name="Picture 57"/>
+          <p:cNvPicPr>
+            <a:picLocks noChangeAspect="1"/>
+          </p:cNvPicPr>
+          <p:nvPr/>
+        </p:nvPicPr>
+        <p:blipFill>
+          <a:blip r:embed="rId2">
+            <a:extLst>
+              <a:ext uri="{28A0092B-C50C-407E-A947-70E740481C1C}">
+                <a14:useLocalDpi xmlns:a14="http://schemas.microsoft.com/office/drawing/2010/main" val="0"/>
+              </a:ext>
+            </a:extLst>
+          </a:blip>
+          <a:stretch>
+            <a:fillRect/>
+          </a:stretch>
+        </p:blipFill>
+        <p:spPr>
+          <a:xfrm>
+            <a:off x="822960" y="4130196"/>
+            <a:ext cx="786898" cy="786898"/>
+          </a:xfrm>
+          <a:prstGeom prst="rect">
+            <a:avLst/>
+          </a:prstGeom>
+        </p:spPr>
+      </p:pic>
+      <p:sp>
+        <p:nvSpPr>
+          <p:cNvPr id="59" name="Oval 58"/>
+          <p:cNvSpPr/>
+          <p:nvPr/>
+        </p:nvSpPr>
+        <p:spPr>
+          <a:xfrm>
+            <a:off x="3752341" y="4151141"/>
+            <a:ext cx="1319610" cy="745007"/>
+          </a:xfrm>
+          <a:prstGeom prst="ellipse">
+            <a:avLst/>
+          </a:prstGeom>
+          <a:solidFill>
+            <a:srgbClr val="FFC000"/>
+          </a:solidFill>
+        </p:spPr>
+        <p:style>
+          <a:lnRef idx="2">
+            <a:schemeClr val="accent1">
+              <a:shade val="50000"/>
+            </a:schemeClr>
+          </a:lnRef>
+          <a:fillRef idx="1">
+            <a:schemeClr val="accent1"/>
+          </a:fillRef>
+          <a:effectRef idx="0">
+            <a:schemeClr val="accent1"/>
+          </a:effectRef>
+          <a:fontRef idx="minor">
+            <a:schemeClr val="lt1"/>
+          </a:fontRef>
+        </p:style>
+        <p:txBody>
+          <a:bodyPr rtlCol="0" anchor="ctr"/>
+          <a:lstStyle/>
+          <a:p>
+            <a:pPr algn="ctr"/>
+            <a:r>
+              <a:rPr lang="en-US" dirty="0" smtClean="0">
+                <a:solidFill>
+                  <a:prstClr val="black"/>
+                </a:solidFill>
+              </a:rPr>
+              <a:t>Job request</a:t>
+            </a:r>
+            <a:endParaRPr lang="en-US" dirty="0">
+              <a:solidFill>
+                <a:prstClr val="black"/>
+              </a:solidFill>
+            </a:endParaRPr>
+          </a:p>
+        </p:txBody>
+      </p:sp>
+      <p:cxnSp>
+        <p:nvCxnSpPr>
+          <p:cNvPr id="60" name="Straight Arrow Connector 59"/>
+          <p:cNvCxnSpPr>
+            <a:stCxn id="58" idx="3"/>
+            <a:endCxn id="59" idx="2"/>
+          </p:cNvCxnSpPr>
+          <p:nvPr/>
+        </p:nvCxnSpPr>
+        <p:spPr>
+          <a:xfrm>
+            <a:off x="1609858" y="4523645"/>
+            <a:ext cx="2142483" cy="0"/>
+          </a:xfrm>
+          <a:prstGeom prst="straightConnector1">
+            <a:avLst/>
+          </a:prstGeom>
+          <a:ln>
+            <a:tailEnd type="triangle"/>
+          </a:ln>
+        </p:spPr>
+        <p:style>
+          <a:lnRef idx="3">
+            <a:schemeClr val="accent1"/>
+          </a:lnRef>
+          <a:fillRef idx="0">
+            <a:schemeClr val="accent1"/>
+          </a:fillRef>
+          <a:effectRef idx="2">
+            <a:schemeClr val="accent1"/>
+          </a:effectRef>
+          <a:fontRef idx="minor">
+            <a:schemeClr val="tx1"/>
+          </a:fontRef>
+        </p:style>
+      </p:cxnSp>
+      <p:pic>
+        <p:nvPicPr>
+          <p:cNvPr id="61" name="Picture 60"/>
+          <p:cNvPicPr>
+            <a:picLocks noChangeAspect="1"/>
+          </p:cNvPicPr>
+          <p:nvPr/>
+        </p:nvPicPr>
+        <p:blipFill>
+          <a:blip r:embed="rId4">
+            <a:extLst>
+              <a:ext uri="{28A0092B-C50C-407E-A947-70E740481C1C}">
+                <a14:useLocalDpi xmlns:a14="http://schemas.microsoft.com/office/drawing/2010/main" val="0"/>
+              </a:ext>
+            </a:extLst>
+          </a:blip>
+          <a:stretch>
+            <a:fillRect/>
+          </a:stretch>
+        </p:blipFill>
+        <p:spPr>
+          <a:xfrm>
+            <a:off x="7123742" y="4013588"/>
+            <a:ext cx="972908" cy="972908"/>
+          </a:xfrm>
+          <a:prstGeom prst="rect">
+            <a:avLst/>
+          </a:prstGeom>
+        </p:spPr>
+      </p:pic>
+      <p:cxnSp>
+        <p:nvCxnSpPr>
+          <p:cNvPr id="63" name="Straight Arrow Connector 62"/>
+          <p:cNvCxnSpPr>
+            <a:stCxn id="61" idx="1"/>
+            <a:endCxn id="59" idx="6"/>
+          </p:cNvCxnSpPr>
+          <p:nvPr/>
+        </p:nvCxnSpPr>
+        <p:spPr>
+          <a:xfrm flipH="1">
+            <a:off x="5071951" y="4500042"/>
+            <a:ext cx="2051791" cy="23603"/>
+          </a:xfrm>
+          <a:prstGeom prst="straightConnector1">
+            <a:avLst/>
+          </a:prstGeom>
+          <a:ln>
+            <a:tailEnd type="triangle"/>
+          </a:ln>
+        </p:spPr>
+        <p:style>
+          <a:lnRef idx="3">
+            <a:schemeClr val="accent1"/>
+          </a:lnRef>
+          <a:fillRef idx="0">
+            <a:schemeClr val="accent1"/>
+          </a:fillRef>
+          <a:effectRef idx="2">
+            <a:schemeClr val="accent1"/>
+          </a:effectRef>
+          <a:fontRef idx="minor">
+            <a:schemeClr val="tx1"/>
+          </a:fontRef>
+        </p:style>
+      </p:cxnSp>
+      <p:sp>
+        <p:nvSpPr>
+          <p:cNvPr id="64" name="TextBox 63"/>
+          <p:cNvSpPr txBox="1"/>
+          <p:nvPr/>
+        </p:nvSpPr>
+        <p:spPr>
+          <a:xfrm>
+            <a:off x="2342039" y="4125990"/>
+            <a:ext cx="574388" cy="369332"/>
+          </a:xfrm>
+          <a:prstGeom prst="rect">
+            <a:avLst/>
+          </a:prstGeom>
+          <a:noFill/>
+        </p:spPr>
+        <p:txBody>
+          <a:bodyPr wrap="none" rtlCol="0">
+            <a:spAutoFit/>
+          </a:bodyPr>
+          <a:lstStyle/>
+          <a:p>
+            <a:r>
+              <a:rPr lang="en-US" dirty="0" smtClean="0">
+                <a:solidFill>
+                  <a:prstClr val="black"/>
+                </a:solidFill>
+              </a:rPr>
+              <a:t>Hire</a:t>
+            </a:r>
+            <a:endParaRPr lang="en-US" dirty="0">
+              <a:solidFill>
+                <a:prstClr val="black"/>
+              </a:solidFill>
+            </a:endParaRPr>
+          </a:p>
+        </p:txBody>
+      </p:sp>
+      <p:sp>
+        <p:nvSpPr>
+          <p:cNvPr id="65" name="TextBox 64"/>
+          <p:cNvSpPr txBox="1"/>
+          <p:nvPr/>
+        </p:nvSpPr>
+        <p:spPr>
+          <a:xfrm>
+            <a:off x="5806914" y="4127539"/>
+            <a:ext cx="584647" cy="369332"/>
+          </a:xfrm>
+          <a:prstGeom prst="rect">
+            <a:avLst/>
+          </a:prstGeom>
+          <a:noFill/>
+        </p:spPr>
+        <p:txBody>
+          <a:bodyPr wrap="none" rtlCol="0">
+            <a:spAutoFit/>
+          </a:bodyPr>
+          <a:lstStyle/>
+          <a:p>
+            <a:r>
+              <a:rPr lang="en-US" dirty="0" smtClean="0">
+                <a:solidFill>
+                  <a:prstClr val="black"/>
+                </a:solidFill>
+              </a:rPr>
+              <a:t>Post</a:t>
+            </a:r>
+            <a:endParaRPr lang="en-US" dirty="0">
+              <a:solidFill>
+                <a:prstClr val="black"/>
+              </a:solidFill>
+            </a:endParaRPr>
+          </a:p>
+        </p:txBody>
+      </p:sp>
+      <p:cxnSp>
+        <p:nvCxnSpPr>
+          <p:cNvPr id="67" name="Straight Arrow Connector 66"/>
+          <p:cNvCxnSpPr>
+            <a:stCxn id="61" idx="2"/>
+            <a:endCxn id="15" idx="6"/>
+          </p:cNvCxnSpPr>
+          <p:nvPr/>
+        </p:nvCxnSpPr>
+        <p:spPr>
+          <a:xfrm flipH="1">
+            <a:off x="5071951" y="4986496"/>
+            <a:ext cx="2538245" cy="768610"/>
+          </a:xfrm>
+          <a:prstGeom prst="straightConnector1">
+            <a:avLst/>
+          </a:prstGeom>
+          <a:ln>
+            <a:tailEnd type="triangle"/>
+          </a:ln>
+        </p:spPr>
+        <p:style>
+          <a:lnRef idx="3">
+            <a:schemeClr val="accent1"/>
+          </a:lnRef>
+          <a:fillRef idx="0">
+            <a:schemeClr val="accent1"/>
+          </a:fillRef>
+          <a:effectRef idx="2">
+            <a:schemeClr val="accent1"/>
+          </a:effectRef>
+          <a:fontRef idx="minor">
+            <a:schemeClr val="tx1"/>
+          </a:fontRef>
+        </p:style>
+      </p:cxnSp>
+      <p:cxnSp>
+        <p:nvCxnSpPr>
+          <p:cNvPr id="71" name="Straight Arrow Connector 70"/>
+          <p:cNvCxnSpPr>
+            <a:stCxn id="58" idx="2"/>
+            <a:endCxn id="15" idx="2"/>
+          </p:cNvCxnSpPr>
+          <p:nvPr/>
+        </p:nvCxnSpPr>
+        <p:spPr>
+          <a:xfrm>
+            <a:off x="1216409" y="4917094"/>
+            <a:ext cx="2535932" cy="838012"/>
+          </a:xfrm>
+          <a:prstGeom prst="straightConnector1">
+            <a:avLst/>
+          </a:prstGeom>
+          <a:ln>
+            <a:tailEnd type="triangle"/>
+          </a:ln>
+        </p:spPr>
+        <p:style>
+          <a:lnRef idx="3">
+            <a:schemeClr val="accent1"/>
+          </a:lnRef>
+          <a:fillRef idx="0">
+            <a:schemeClr val="accent1"/>
+          </a:fillRef>
+          <a:effectRef idx="2">
+            <a:schemeClr val="accent1"/>
+          </a:effectRef>
+          <a:fontRef idx="minor">
+            <a:schemeClr val="tx1"/>
+          </a:fontRef>
+        </p:style>
+      </p:cxnSp>
+      <p:sp>
+        <p:nvSpPr>
+          <p:cNvPr id="72" name="TextBox 71"/>
+          <p:cNvSpPr txBox="1"/>
+          <p:nvPr/>
+        </p:nvSpPr>
+        <p:spPr>
+          <a:xfrm rot="1122430">
+            <a:off x="2392341" y="5018962"/>
+            <a:ext cx="584647" cy="369332"/>
+          </a:xfrm>
+          <a:prstGeom prst="rect">
+            <a:avLst/>
+          </a:prstGeom>
+          <a:noFill/>
+        </p:spPr>
+        <p:txBody>
+          <a:bodyPr wrap="none" rtlCol="0">
+            <a:spAutoFit/>
+          </a:bodyPr>
+          <a:lstStyle/>
+          <a:p>
+            <a:r>
+              <a:rPr lang="en-US" dirty="0" smtClean="0">
+                <a:solidFill>
+                  <a:prstClr val="black"/>
+                </a:solidFill>
+              </a:rPr>
+              <a:t>Post</a:t>
+            </a:r>
+            <a:endParaRPr lang="en-US" dirty="0">
+              <a:solidFill>
+                <a:prstClr val="black"/>
+              </a:solidFill>
+            </a:endParaRPr>
+          </a:p>
+        </p:txBody>
+      </p:sp>
+      <p:sp>
+        <p:nvSpPr>
+          <p:cNvPr id="73" name="TextBox 72"/>
+          <p:cNvSpPr txBox="1"/>
+          <p:nvPr/>
+        </p:nvSpPr>
+        <p:spPr>
+          <a:xfrm rot="20567866">
+            <a:off x="5775196" y="5008290"/>
+            <a:ext cx="954941" cy="369332"/>
+          </a:xfrm>
+          <a:prstGeom prst="rect">
+            <a:avLst/>
+          </a:prstGeom>
+          <a:noFill/>
+        </p:spPr>
+        <p:txBody>
+          <a:bodyPr wrap="none" rtlCol="0">
+            <a:spAutoFit/>
+          </a:bodyPr>
+          <a:lstStyle/>
+          <a:p>
+            <a:r>
+              <a:rPr lang="en-US" b="1" dirty="0" smtClean="0">
+                <a:solidFill>
+                  <a:srgbClr val="FF0000"/>
+                </a:solidFill>
+              </a:rPr>
+              <a:t>Register</a:t>
+            </a:r>
+            <a:endParaRPr lang="en-US" b="1" dirty="0">
+              <a:solidFill>
+                <a:srgbClr val="FF0000"/>
+              </a:solidFill>
+            </a:endParaRPr>
+          </a:p>
+        </p:txBody>
+      </p:sp>
+    </p:spTree>
+    <p:extLst>
+      <p:ext uri="{BB962C8B-B14F-4D97-AF65-F5344CB8AC3E}">
+        <p14:creationId xmlns:p14="http://schemas.microsoft.com/office/powerpoint/2010/main" val="4287588076"/>
+      </p:ext>
+    </p:extLst>
+  </p:cSld>
+  <p:clrMapOvr>
+    <a:masterClrMapping/>
+  </p:clrMapOvr>
+  <p:timing>
+    <p:tnLst>
+      <p:par>
+        <p:cTn id="1" dur="indefinite" restart="never" nodeType="tmRoot">
+          <p:childTnLst>
+            <p:seq concurrent="1" nextAc="seek">
+              <p:cTn id="2" dur="indefinite" nodeType="mainSeq">
+                <p:childTnLst>
+                  <p:par>
+                    <p:cTn id="3" fill="hold">
+                      <p:stCondLst>
+                        <p:cond delay="indefinite"/>
+                      </p:stCondLst>
+                      <p:childTnLst>
+                        <p:par>
+                          <p:cTn id="4" fill="hold">
+                            <p:stCondLst>
+                              <p:cond delay="0"/>
+                            </p:stCondLst>
+                            <p:childTnLst>
+                              <p:par>
+                                <p:cTn id="5" presetID="22" presetClass="entr" presetSubtype="8" fill="hold" nodeType="clickEffect">
+                                  <p:stCondLst>
+                                    <p:cond delay="0"/>
+                                  </p:stCondLst>
+                                  <p:childTnLst>
+                                    <p:set>
+                                      <p:cBhvr>
+                                        <p:cTn id="6" dur="1" fill="hold">
+                                          <p:stCondLst>
+                                            <p:cond delay="0"/>
+                                          </p:stCondLst>
+                                        </p:cTn>
+                                        <p:tgtEl>
+                                          <p:spTgt spid="10"/>
+                                        </p:tgtEl>
+                                        <p:attrNameLst>
+                                          <p:attrName>style.visibility</p:attrName>
+                                        </p:attrNameLst>
+                                      </p:cBhvr>
+                                      <p:to>
+                                        <p:strVal val="visible"/>
+                                      </p:to>
+                                    </p:set>
+                                    <p:animEffect transition="in" filter="wipe(left)">
+                                      <p:cBhvr>
+                                        <p:cTn id="7" dur="500"/>
+                                        <p:tgtEl>
+                                          <p:spTgt spid="10"/>
+                                        </p:tgtEl>
+                                      </p:cBhvr>
+                                    </p:animEffect>
+                                  </p:childTnLst>
+                                </p:cTn>
+                              </p:par>
+                              <p:par>
+                                <p:cTn id="8" presetID="1" presetClass="entr" presetSubtype="0" fill="hold" grpId="0" nodeType="withEffect">
+                                  <p:stCondLst>
+                                    <p:cond delay="0"/>
+                                  </p:stCondLst>
+                                  <p:childTnLst>
+                                    <p:set>
+                                      <p:cBhvr>
+                                        <p:cTn id="9" dur="1" fill="hold">
+                                          <p:stCondLst>
+                                            <p:cond delay="0"/>
+                                          </p:stCondLst>
+                                        </p:cTn>
+                                        <p:tgtEl>
+                                          <p:spTgt spid="15"/>
+                                        </p:tgtEl>
+                                        <p:attrNameLst>
+                                          <p:attrName>style.visibility</p:attrName>
+                                        </p:attrNameLst>
+                                      </p:cBhvr>
+                                      <p:to>
+                                        <p:strVal val="visible"/>
+                                      </p:to>
+                                    </p:set>
+                                  </p:childTnLst>
+                                </p:cTn>
+                              </p:par>
+                              <p:par>
+                                <p:cTn id="10" presetID="1" presetClass="entr" presetSubtype="0" fill="hold" nodeType="withEffect">
+                                  <p:stCondLst>
+                                    <p:cond delay="0"/>
+                                  </p:stCondLst>
+                                  <p:childTnLst>
+                                    <p:set>
+                                      <p:cBhvr>
+                                        <p:cTn id="11" dur="1" fill="hold">
+                                          <p:stCondLst>
+                                            <p:cond delay="0"/>
+                                          </p:stCondLst>
+                                        </p:cTn>
+                                        <p:tgtEl>
+                                          <p:spTgt spid="58"/>
+                                        </p:tgtEl>
+                                        <p:attrNameLst>
+                                          <p:attrName>style.visibility</p:attrName>
+                                        </p:attrNameLst>
+                                      </p:cBhvr>
+                                      <p:to>
+                                        <p:strVal val="visible"/>
+                                      </p:to>
+                                    </p:set>
+                                  </p:childTnLst>
+                                </p:cTn>
+                              </p:par>
+                              <p:par>
+                                <p:cTn id="12" presetID="1" presetClass="entr" presetSubtype="0" fill="hold" grpId="0" nodeType="withEffect">
+                                  <p:stCondLst>
+                                    <p:cond delay="0"/>
+                                  </p:stCondLst>
+                                  <p:childTnLst>
+                                    <p:set>
+                                      <p:cBhvr>
+                                        <p:cTn id="13" dur="1" fill="hold">
+                                          <p:stCondLst>
+                                            <p:cond delay="0"/>
+                                          </p:stCondLst>
+                                        </p:cTn>
+                                        <p:tgtEl>
+                                          <p:spTgt spid="59"/>
+                                        </p:tgtEl>
+                                        <p:attrNameLst>
+                                          <p:attrName>style.visibility</p:attrName>
+                                        </p:attrNameLst>
+                                      </p:cBhvr>
+                                      <p:to>
+                                        <p:strVal val="visible"/>
+                                      </p:to>
+                                    </p:set>
+                                  </p:childTnLst>
+                                </p:cTn>
+                              </p:par>
+                              <p:par>
+                                <p:cTn id="14" presetID="1" presetClass="entr" presetSubtype="0" fill="hold" nodeType="withEffect">
+                                  <p:stCondLst>
+                                    <p:cond delay="0"/>
+                                  </p:stCondLst>
+                                  <p:childTnLst>
+                                    <p:set>
+                                      <p:cBhvr>
+                                        <p:cTn id="15" dur="1" fill="hold">
+                                          <p:stCondLst>
+                                            <p:cond delay="0"/>
+                                          </p:stCondLst>
+                                        </p:cTn>
+                                        <p:tgtEl>
+                                          <p:spTgt spid="60"/>
+                                        </p:tgtEl>
+                                        <p:attrNameLst>
+                                          <p:attrName>style.visibility</p:attrName>
+                                        </p:attrNameLst>
+                                      </p:cBhvr>
+                                      <p:to>
+                                        <p:strVal val="visible"/>
+                                      </p:to>
+                                    </p:set>
+                                  </p:childTnLst>
+                                </p:cTn>
+                              </p:par>
+                              <p:par>
+                                <p:cTn id="16" presetID="1" presetClass="entr" presetSubtype="0" fill="hold" nodeType="withEffect">
+                                  <p:stCondLst>
+                                    <p:cond delay="0"/>
+                                  </p:stCondLst>
+                                  <p:childTnLst>
+                                    <p:set>
+                                      <p:cBhvr>
+                                        <p:cTn id="17" dur="1" fill="hold">
+                                          <p:stCondLst>
+                                            <p:cond delay="0"/>
+                                          </p:stCondLst>
+                                        </p:cTn>
+                                        <p:tgtEl>
+                                          <p:spTgt spid="61"/>
+                                        </p:tgtEl>
+                                        <p:attrNameLst>
+                                          <p:attrName>style.visibility</p:attrName>
+                                        </p:attrNameLst>
+                                      </p:cBhvr>
+                                      <p:to>
+                                        <p:strVal val="visible"/>
+                                      </p:to>
+                                    </p:set>
+                                  </p:childTnLst>
+                                </p:cTn>
+                              </p:par>
+                              <p:par>
+                                <p:cTn id="18" presetID="1" presetClass="entr" presetSubtype="0" fill="hold" nodeType="withEffect">
+                                  <p:stCondLst>
+                                    <p:cond delay="0"/>
+                                  </p:stCondLst>
+                                  <p:childTnLst>
+                                    <p:set>
+                                      <p:cBhvr>
+                                        <p:cTn id="19" dur="1" fill="hold">
+                                          <p:stCondLst>
+                                            <p:cond delay="0"/>
+                                          </p:stCondLst>
+                                        </p:cTn>
+                                        <p:tgtEl>
+                                          <p:spTgt spid="63"/>
+                                        </p:tgtEl>
+                                        <p:attrNameLst>
+                                          <p:attrName>style.visibility</p:attrName>
+                                        </p:attrNameLst>
+                                      </p:cBhvr>
+                                      <p:to>
+                                        <p:strVal val="visible"/>
+                                      </p:to>
+                                    </p:set>
+                                  </p:childTnLst>
+                                </p:cTn>
+                              </p:par>
+                              <p:par>
+                                <p:cTn id="20" presetID="1" presetClass="entr" presetSubtype="0" fill="hold" grpId="0" nodeType="withEffect">
+                                  <p:stCondLst>
+                                    <p:cond delay="0"/>
+                                  </p:stCondLst>
+                                  <p:childTnLst>
+                                    <p:set>
+                                      <p:cBhvr>
+                                        <p:cTn id="21" dur="1" fill="hold">
+                                          <p:stCondLst>
+                                            <p:cond delay="0"/>
+                                          </p:stCondLst>
+                                        </p:cTn>
+                                        <p:tgtEl>
+                                          <p:spTgt spid="64"/>
+                                        </p:tgtEl>
+                                        <p:attrNameLst>
+                                          <p:attrName>style.visibility</p:attrName>
+                                        </p:attrNameLst>
+                                      </p:cBhvr>
+                                      <p:to>
+                                        <p:strVal val="visible"/>
+                                      </p:to>
+                                    </p:set>
+                                  </p:childTnLst>
+                                </p:cTn>
+                              </p:par>
+                              <p:par>
+                                <p:cTn id="22" presetID="1" presetClass="entr" presetSubtype="0" fill="hold" grpId="0" nodeType="withEffect">
+                                  <p:stCondLst>
+                                    <p:cond delay="0"/>
+                                  </p:stCondLst>
+                                  <p:childTnLst>
+                                    <p:set>
+                                      <p:cBhvr>
+                                        <p:cTn id="23" dur="1" fill="hold">
+                                          <p:stCondLst>
+                                            <p:cond delay="0"/>
+                                          </p:stCondLst>
+                                        </p:cTn>
+                                        <p:tgtEl>
+                                          <p:spTgt spid="65"/>
+                                        </p:tgtEl>
+                                        <p:attrNameLst>
+                                          <p:attrName>style.visibility</p:attrName>
+                                        </p:attrNameLst>
+                                      </p:cBhvr>
+                                      <p:to>
+                                        <p:strVal val="visible"/>
+                                      </p:to>
+                                    </p:set>
+                                  </p:childTnLst>
+                                </p:cTn>
+                              </p:par>
+                              <p:par>
+                                <p:cTn id="24" presetID="1" presetClass="entr" presetSubtype="0" fill="hold" nodeType="withEffect">
+                                  <p:stCondLst>
+                                    <p:cond delay="0"/>
+                                  </p:stCondLst>
+                                  <p:childTnLst>
+                                    <p:set>
+                                      <p:cBhvr>
+                                        <p:cTn id="25" dur="1" fill="hold">
+                                          <p:stCondLst>
+                                            <p:cond delay="0"/>
+                                          </p:stCondLst>
+                                        </p:cTn>
+                                        <p:tgtEl>
+                                          <p:spTgt spid="67"/>
+                                        </p:tgtEl>
+                                        <p:attrNameLst>
+                                          <p:attrName>style.visibility</p:attrName>
+                                        </p:attrNameLst>
+                                      </p:cBhvr>
+                                      <p:to>
+                                        <p:strVal val="visible"/>
+                                      </p:to>
+                                    </p:set>
+                                  </p:childTnLst>
+                                </p:cTn>
+                              </p:par>
+                              <p:par>
+                                <p:cTn id="26" presetID="1" presetClass="entr" presetSubtype="0" fill="hold" nodeType="withEffect">
+                                  <p:stCondLst>
+                                    <p:cond delay="0"/>
+                                  </p:stCondLst>
+                                  <p:childTnLst>
+                                    <p:set>
+                                      <p:cBhvr>
+                                        <p:cTn id="27" dur="1" fill="hold">
+                                          <p:stCondLst>
+                                            <p:cond delay="0"/>
+                                          </p:stCondLst>
+                                        </p:cTn>
+                                        <p:tgtEl>
+                                          <p:spTgt spid="71"/>
+                                        </p:tgtEl>
+                                        <p:attrNameLst>
+                                          <p:attrName>style.visibility</p:attrName>
+                                        </p:attrNameLst>
+                                      </p:cBhvr>
+                                      <p:to>
+                                        <p:strVal val="visible"/>
+                                      </p:to>
+                                    </p:set>
+                                  </p:childTnLst>
+                                </p:cTn>
+                              </p:par>
+                              <p:par>
+                                <p:cTn id="28" presetID="1" presetClass="entr" presetSubtype="0" fill="hold" grpId="0" nodeType="withEffect">
+                                  <p:stCondLst>
+                                    <p:cond delay="0"/>
+                                  </p:stCondLst>
+                                  <p:childTnLst>
+                                    <p:set>
+                                      <p:cBhvr>
+                                        <p:cTn id="29" dur="1" fill="hold">
+                                          <p:stCondLst>
+                                            <p:cond delay="0"/>
+                                          </p:stCondLst>
+                                        </p:cTn>
+                                        <p:tgtEl>
+                                          <p:spTgt spid="72"/>
+                                        </p:tgtEl>
+                                        <p:attrNameLst>
+                                          <p:attrName>style.visibility</p:attrName>
+                                        </p:attrNameLst>
+                                      </p:cBhvr>
+                                      <p:to>
+                                        <p:strVal val="visible"/>
+                                      </p:to>
+                                    </p:set>
+                                  </p:childTnLst>
+                                </p:cTn>
+                              </p:par>
+                              <p:par>
+                                <p:cTn id="30" presetID="1" presetClass="entr" presetSubtype="0" fill="hold" grpId="0" nodeType="withEffect">
+                                  <p:stCondLst>
+                                    <p:cond delay="0"/>
+                                  </p:stCondLst>
+                                  <p:childTnLst>
+                                    <p:set>
+                                      <p:cBhvr>
+                                        <p:cTn id="31" dur="1" fill="hold">
+                                          <p:stCondLst>
+                                            <p:cond delay="0"/>
+                                          </p:stCondLst>
+                                        </p:cTn>
+                                        <p:tgtEl>
+                                          <p:spTgt spid="73"/>
+                                        </p:tgtEl>
+                                        <p:attrNameLst>
+                                          <p:attrName>style.visibility</p:attrName>
+                                        </p:attrNameLst>
+                                      </p:cBhvr>
+                                      <p:to>
+                                        <p:strVal val="visible"/>
+                                      </p:to>
+                                    </p:set>
+                                  </p:childTnLst>
+                                </p:cTn>
+                              </p:par>
+                              <p:par>
+                                <p:cTn id="32" presetID="1" presetClass="entr" presetSubtype="0" fill="hold" grpId="0" nodeType="withEffect">
+                                  <p:stCondLst>
+                                    <p:cond delay="0"/>
+                                  </p:stCondLst>
+                                  <p:childTnLst>
+                                    <p:set>
+                                      <p:cBhvr>
+                                        <p:cTn id="33" dur="1" fill="hold">
+                                          <p:stCondLst>
+                                            <p:cond delay="0"/>
+                                          </p:stCondLst>
+                                        </p:cTn>
+                                        <p:tgtEl>
+                                          <p:spTgt spid="12"/>
+                                        </p:tgtEl>
+                                        <p:attrNameLst>
+                                          <p:attrName>style.visibility</p:attrName>
+                                        </p:attrNameLst>
+                                      </p:cBhvr>
+                                      <p:to>
+                                        <p:strVal val="visible"/>
+                                      </p:to>
+                                    </p:set>
+                                  </p:childTnLst>
+                                </p:cTn>
+                              </p:par>
+                            </p:childTnLst>
+                          </p:cTn>
+                        </p:par>
+                      </p:childTnLst>
+                    </p:cTn>
+                  </p:par>
+                </p:childTnLst>
+              </p:cTn>
+              <p:prevCondLst>
+                <p:cond evt="onPrev" delay="0">
+                  <p:tgtEl>
+                    <p:sldTgt/>
+                  </p:tgtEl>
+                </p:cond>
+              </p:prevCondLst>
+              <p:nextCondLst>
+                <p:cond evt="onNext" delay="0">
+                  <p:tgtEl>
+                    <p:sldTgt/>
+                  </p:tgtEl>
+                </p:cond>
+              </p:nextCondLst>
+            </p:seq>
+          </p:childTnLst>
+        </p:cTn>
+      </p:par>
+    </p:tnLst>
+    <p:bldLst>
+      <p:bldP spid="12" grpId="0"/>
+      <p:bldP spid="15" grpId="0" animBg="1"/>
+      <p:bldP spid="59" grpId="0" animBg="1"/>
+      <p:bldP spid="64" grpId="0"/>
+      <p:bldP spid="65" grpId="0"/>
+      <p:bldP spid="72" grpId="0"/>
+      <p:bldP spid="73" grpId="0"/>
+    </p:bldLst>
+  </p:timing>
+</p:sld>
+</file>
+
+<file path=ppt/slides/slide7.xml><?xml version="1.0" encoding="utf-8"?>
+<p:sld xmlns:a="http://schemas.openxmlformats.org/drawingml/2006/main" xmlns:r="http://schemas.openxmlformats.org/officeDocument/2006/relationships" xmlns:p="http://schemas.openxmlformats.org/presentationml/2006/main">
+  <p:cSld>
+    <p:spTree>
+      <p:nvGrpSpPr>
+        <p:cNvPr id="1" name=""/>
+        <p:cNvGrpSpPr/>
+        <p:nvPr/>
+      </p:nvGrpSpPr>
+      <p:grpSpPr>
+        <a:xfrm>
+          <a:off x="0" y="0"/>
+          <a:ext cx="0" cy="0"/>
+          <a:chOff x="0" y="0"/>
+          <a:chExt cx="0" cy="0"/>
+        </a:xfrm>
+      </p:grpSpPr>
+      <p:sp>
+        <p:nvSpPr>
+          <p:cNvPr id="2" name="Title 1"/>
+          <p:cNvSpPr>
+            <a:spLocks noGrp="1"/>
+          </p:cNvSpPr>
+          <p:nvPr>
+            <p:ph type="title"/>
+          </p:nvPr>
+        </p:nvSpPr>
+        <p:spPr/>
+        <p:txBody>
+          <a:bodyPr/>
+          <a:lstStyle/>
+          <a:p>
+            <a:r>
+              <a:rPr lang="en-US" dirty="0" smtClean="0"/>
               <a:t>Register demo</a:t>
             </a:r>
             <a:endParaRPr lang="en-US" dirty="0"/>
@@ -16798,7 +18296,7 @@
             <a:fld id="{6113E31D-E2AB-40D1-8B51-AFA5AFEF393A}" type="slidenum">
               <a:rPr lang="en-US" smtClean="0"/>
               <a:pPr/>
-              <a:t>6</a:t>
+              <a:t>7</a:t>
             </a:fld>
             <a:endParaRPr lang="en-US" dirty="0"/>
           </a:p>
@@ -18565,7 +20063,7 @@
 </p:sld>
 </file>
 
-<file path=ppt/slides/slide7.xml><?xml version="1.0" encoding="utf-8"?>
+<file path=ppt/slides/slide8.xml><?xml version="1.0" encoding="utf-8"?>
 <p:sld xmlns:a="http://schemas.openxmlformats.org/drawingml/2006/main" xmlns:r="http://schemas.openxmlformats.org/officeDocument/2006/relationships" xmlns:p="http://schemas.openxmlformats.org/presentationml/2006/main">
   <p:cSld>
     <p:spTree>
@@ -18669,7 +20167,7 @@
             <a:fld id="{6113E31D-E2AB-40D1-8B51-AFA5AFEF393A}" type="slidenum">
               <a:rPr lang="en-US" smtClean="0"/>
               <a:pPr/>
-              <a:t>7</a:t>
+              <a:t>8</a:t>
             </a:fld>
             <a:endParaRPr lang="en-US" dirty="0"/>
           </a:p>
@@ -20244,7 +21742,7 @@
 </p:sld>
 </file>
 
-<file path=ppt/slides/slide8.xml><?xml version="1.0" encoding="utf-8"?>
+<file path=ppt/slides/slide9.xml><?xml version="1.0" encoding="utf-8"?>
 <p:sld xmlns:a="http://schemas.openxmlformats.org/drawingml/2006/main" xmlns:r="http://schemas.openxmlformats.org/officeDocument/2006/relationships" xmlns:p="http://schemas.openxmlformats.org/presentationml/2006/main">
   <p:cSld>
     <p:spTree>
@@ -20397,7 +21895,7 @@
             <a:fld id="{6113E31D-E2AB-40D1-8B51-AFA5AFEF393A}" type="slidenum">
               <a:rPr lang="en-US" smtClean="0"/>
               <a:pPr/>
-              <a:t>8</a:t>
+              <a:t>9</a:t>
             </a:fld>
             <a:endParaRPr lang="en-US" dirty="0"/>
           </a:p>

--- a/trunk/Presentation/MS_Slide_2.0.pptx
+++ b/trunk/Presentation/MS_Slide_2.0.pptx
@@ -6,10 +6,10 @@
     <p:sldMasterId id="2147483685" r:id="rId2"/>
   </p:sldMasterIdLst>
   <p:notesMasterIdLst>
-    <p:notesMasterId r:id="rId12"/>
+    <p:notesMasterId r:id="rId13"/>
   </p:notesMasterIdLst>
   <p:handoutMasterIdLst>
-    <p:handoutMasterId r:id="rId13"/>
+    <p:handoutMasterId r:id="rId14"/>
   </p:handoutMasterIdLst>
   <p:sldIdLst>
     <p:sldId id="270" r:id="rId3"/>
@@ -19,8 +19,9 @@
     <p:sldId id="274" r:id="rId7"/>
     <p:sldId id="276" r:id="rId8"/>
     <p:sldId id="271" r:id="rId9"/>
-    <p:sldId id="272" r:id="rId10"/>
-    <p:sldId id="275" r:id="rId11"/>
+    <p:sldId id="277" r:id="rId10"/>
+    <p:sldId id="272" r:id="rId11"/>
+    <p:sldId id="275" r:id="rId12"/>
   </p:sldIdLst>
   <p:sldSz cx="9144000" cy="6858000" type="screen4x3"/>
   <p:notesSz cx="6858000" cy="9144000"/>
@@ -121,7 +122,7 @@
   </p:defaultTextStyle>
   <p:extLst>
     <p:ext uri="{EFAFB233-063F-42B5-8137-9DF3F51BA10A}">
-      <p15:sldGuideLst xmlns:p15="http://schemas.microsoft.com/office/powerpoint/2012/main">
+      <p15:sldGuideLst xmlns:p15="http://schemas.microsoft.com/office/powerpoint/2012/main" xmlns="">
         <p15:guide id="1" pos="2880" userDrawn="1">
           <p15:clr>
             <a:srgbClr val="A4A3A4"/>
@@ -143,7 +144,7 @@
   <p:cmAuthor id="1" name="Tuân Bùi Tiến" initials="TBT" lastIdx="1" clrIdx="0">
     <p:extLst>
       <p:ext uri="{19B8F6BF-5375-455C-9EA6-DF929625EA0E}">
-        <p15:presenceInfo xmlns:p15="http://schemas.microsoft.com/office/powerpoint/2012/main" userId="0cb1e858a0857d96" providerId="Windows Live"/>
+        <p15:presenceInfo xmlns:p15="http://schemas.microsoft.com/office/powerpoint/2012/main" xmlns="" userId="0cb1e858a0857d96" providerId="Windows Live"/>
       </p:ext>
     </p:extLst>
   </p:cmAuthor>
@@ -1405,13 +1406,13 @@
     </dgm:pt>
   </dgm:ptLst>
   <dgm:cxnLst>
+    <dgm:cxn modelId="{A13145BB-CE77-48AC-B6D8-61EF278D71B1}" srcId="{EE33058E-4366-4BC2-A582-6C3D2B104915}" destId="{1CCD80A4-7BF7-431C-9FC7-41DAA8D3FAAB}" srcOrd="0" destOrd="0" parTransId="{C2335D92-9DE4-49E7-9552-6EEC33E0A01A}" sibTransId="{3DD78082-59B8-4034-8BE7-201D5173DB5B}"/>
+    <dgm:cxn modelId="{0C36A486-7182-4981-A183-4D4AEF3BF2F4}" type="presOf" srcId="{EE33058E-4366-4BC2-A582-6C3D2B104915}" destId="{D5D63219-35F0-43D3-8417-188ADDADE577}" srcOrd="0" destOrd="0" presId="urn:microsoft.com/office/officeart/2008/layout/VerticalCurvedList"/>
+    <dgm:cxn modelId="{52AC36B5-1F1E-4B62-B656-6D2611E1FA7C}" type="presOf" srcId="{1CCD80A4-7BF7-431C-9FC7-41DAA8D3FAAB}" destId="{BA3D70A7-0CF4-42E6-ACF4-89DA1F16F828}" srcOrd="0" destOrd="0" presId="urn:microsoft.com/office/officeart/2008/layout/VerticalCurvedList"/>
+    <dgm:cxn modelId="{3FA94AE0-7B03-435F-8D37-1463BCD04C7F}" srcId="{EE33058E-4366-4BC2-A582-6C3D2B104915}" destId="{FADC98C6-B691-4235-881B-E8955DEB0F9B}" srcOrd="2" destOrd="0" parTransId="{39F86D3C-ABD6-4FF5-A2B1-F70A1F1BDC1C}" sibTransId="{02B4915D-9647-4D43-83AD-182AFFFADD11}"/>
+    <dgm:cxn modelId="{AB4A90FE-D53F-4984-977E-597B0C8DD2A1}" type="presOf" srcId="{0206C237-BA8D-47A4-8B66-1362DF45C9E6}" destId="{3426D3FF-2216-4F1C-B57C-51711950668F}" srcOrd="0" destOrd="0" presId="urn:microsoft.com/office/officeart/2008/layout/VerticalCurvedList"/>
     <dgm:cxn modelId="{A453504B-BF66-4179-9AE3-6BBA6BDE81FE}" type="presOf" srcId="{3DD78082-59B8-4034-8BE7-201D5173DB5B}" destId="{E5C74BB2-407C-4C7A-BBAC-CE09B1A53261}" srcOrd="0" destOrd="0" presId="urn:microsoft.com/office/officeart/2008/layout/VerticalCurvedList"/>
-    <dgm:cxn modelId="{0C36A486-7182-4981-A183-4D4AEF3BF2F4}" type="presOf" srcId="{EE33058E-4366-4BC2-A582-6C3D2B104915}" destId="{D5D63219-35F0-43D3-8417-188ADDADE577}" srcOrd="0" destOrd="0" presId="urn:microsoft.com/office/officeart/2008/layout/VerticalCurvedList"/>
-    <dgm:cxn modelId="{AB4A90FE-D53F-4984-977E-597B0C8DD2A1}" type="presOf" srcId="{0206C237-BA8D-47A4-8B66-1362DF45C9E6}" destId="{3426D3FF-2216-4F1C-B57C-51711950668F}" srcOrd="0" destOrd="0" presId="urn:microsoft.com/office/officeart/2008/layout/VerticalCurvedList"/>
-    <dgm:cxn modelId="{52AC36B5-1F1E-4B62-B656-6D2611E1FA7C}" type="presOf" srcId="{1CCD80A4-7BF7-431C-9FC7-41DAA8D3FAAB}" destId="{BA3D70A7-0CF4-42E6-ACF4-89DA1F16F828}" srcOrd="0" destOrd="0" presId="urn:microsoft.com/office/officeart/2008/layout/VerticalCurvedList"/>
     <dgm:cxn modelId="{ACA9514D-F2FA-4ABF-AC27-2DBF483D59F5}" type="presOf" srcId="{FADC98C6-B691-4235-881B-E8955DEB0F9B}" destId="{55BFB2CD-17F2-485E-9587-E7D0985F8E17}" srcOrd="0" destOrd="0" presId="urn:microsoft.com/office/officeart/2008/layout/VerticalCurvedList"/>
-    <dgm:cxn modelId="{A13145BB-CE77-48AC-B6D8-61EF278D71B1}" srcId="{EE33058E-4366-4BC2-A582-6C3D2B104915}" destId="{1CCD80A4-7BF7-431C-9FC7-41DAA8D3FAAB}" srcOrd="0" destOrd="0" parTransId="{C2335D92-9DE4-49E7-9552-6EEC33E0A01A}" sibTransId="{3DD78082-59B8-4034-8BE7-201D5173DB5B}"/>
-    <dgm:cxn modelId="{3FA94AE0-7B03-435F-8D37-1463BCD04C7F}" srcId="{EE33058E-4366-4BC2-A582-6C3D2B104915}" destId="{FADC98C6-B691-4235-881B-E8955DEB0F9B}" srcOrd="2" destOrd="0" parTransId="{39F86D3C-ABD6-4FF5-A2B1-F70A1F1BDC1C}" sibTransId="{02B4915D-9647-4D43-83AD-182AFFFADD11}"/>
     <dgm:cxn modelId="{ED59DA7E-CB15-4326-A756-1FED3D29C026}" srcId="{EE33058E-4366-4BC2-A582-6C3D2B104915}" destId="{0206C237-BA8D-47A4-8B66-1362DF45C9E6}" srcOrd="1" destOrd="0" parTransId="{92246644-9D70-4ECB-AD8D-9C79034093AD}" sibTransId="{C23ED707-3C96-4E9B-A24A-E838617229D8}"/>
     <dgm:cxn modelId="{852C85F2-49C6-4EFA-87CC-913F7D82CD74}" type="presParOf" srcId="{D5D63219-35F0-43D3-8417-188ADDADE577}" destId="{8BB6B3B8-F6C9-4FC0-BBAA-FD1AB9AD704F}" srcOrd="0" destOrd="0" presId="urn:microsoft.com/office/officeart/2008/layout/VerticalCurvedList"/>
     <dgm:cxn modelId="{BCE46F11-687E-437D-9D44-ED6605C79B29}" type="presParOf" srcId="{8BB6B3B8-F6C9-4FC0-BBAA-FD1AB9AD704F}" destId="{09F88E44-FB08-48E2-9AD4-AEA624B48CD1}" srcOrd="0" destOrd="0" presId="urn:microsoft.com/office/officeart/2008/layout/VerticalCurvedList"/>
@@ -1433,20 +1434,701 @@
   <dgm:whole/>
   <dgm:extLst>
     <a:ext uri="http://schemas.microsoft.com/office/drawing/2008/diagram">
-      <dsp:dataModelExt xmlns:dsp="http://schemas.microsoft.com/office/drawing/2008/diagram" relId="rId6" minVer="http://schemas.openxmlformats.org/drawingml/2006/diagram"/>
+      <dsp:dataModelExt xmlns:dsp="http://schemas.microsoft.com/office/drawing/2008/diagram" xmlns="" relId="rId6" minVer="http://schemas.openxmlformats.org/drawingml/2006/diagram"/>
     </a:ext>
   </dgm:extLst>
 </dgm:dataModel>
 </file>
 
 <file path=ppt/diagrams/drawing1.xml><?xml version="1.0" encoding="utf-8"?>
-<dsp:drawing xmlns:dgm="http://schemas.openxmlformats.org/drawingml/2006/diagram" xmlns:dsp="http://schemas.microsoft.com/office/drawing/2008/diagram" xmlns:a="http://schemas.openxmlformats.org/drawingml/2006/main">
+<dsp:drawing xmlns:dgm="http://schemas.openxmlformats.org/drawingml/2006/diagram" xmlns:a="http://schemas.openxmlformats.org/drawingml/2006/main" xmlns:dsp="http://schemas.microsoft.com/office/drawing/2008/diagram">
   <dsp:spTree>
     <dsp:nvGrpSpPr>
       <dsp:cNvPr id="0" name=""/>
       <dsp:cNvGrpSpPr/>
     </dsp:nvGrpSpPr>
     <dsp:grpSpPr/>
+    <dsp:sp modelId="{E5C74BB2-407C-4C7A-BBAC-CE09B1A53261}">
+      <dsp:nvSpPr>
+        <dsp:cNvPr id="0" name=""/>
+        <dsp:cNvSpPr/>
+      </dsp:nvSpPr>
+      <dsp:spPr>
+        <a:xfrm>
+          <a:off x="-3542262" y="-544465"/>
+          <a:ext cx="4223029" cy="4223029"/>
+        </a:xfrm>
+        <a:prstGeom prst="blockArc">
+          <a:avLst>
+            <a:gd name="adj1" fmla="val 18900000"/>
+            <a:gd name="adj2" fmla="val 2700000"/>
+            <a:gd name="adj3" fmla="val 511"/>
+          </a:avLst>
+        </a:prstGeom>
+        <a:noFill/>
+        <a:ln w="15875" cap="flat" cmpd="sng" algn="ctr">
+          <a:solidFill>
+            <a:schemeClr val="accent1">
+              <a:shade val="60000"/>
+              <a:hueOff val="0"/>
+              <a:satOff val="0"/>
+              <a:lumOff val="0"/>
+              <a:alphaOff val="0"/>
+            </a:schemeClr>
+          </a:solidFill>
+          <a:prstDash val="solid"/>
+        </a:ln>
+        <a:effectLst/>
+      </dsp:spPr>
+      <dsp:style>
+        <a:lnRef idx="2">
+          <a:scrgbClr r="0" g="0" b="0"/>
+        </a:lnRef>
+        <a:fillRef idx="0">
+          <a:scrgbClr r="0" g="0" b="0"/>
+        </a:fillRef>
+        <a:effectRef idx="0">
+          <a:scrgbClr r="0" g="0" b="0"/>
+        </a:effectRef>
+        <a:fontRef idx="minor"/>
+      </dsp:style>
+    </dsp:sp>
+    <dsp:sp modelId="{BA3D70A7-0CF4-42E6-ACF4-89DA1F16F828}">
+      <dsp:nvSpPr>
+        <dsp:cNvPr id="0" name=""/>
+        <dsp:cNvSpPr/>
+      </dsp:nvSpPr>
+      <dsp:spPr>
+        <a:xfrm>
+          <a:off x="437763" y="313409"/>
+          <a:ext cx="5381623" cy="626819"/>
+        </a:xfrm>
+        <a:prstGeom prst="rect">
+          <a:avLst/>
+        </a:prstGeom>
+        <a:solidFill>
+          <a:schemeClr val="accent1">
+            <a:hueOff val="0"/>
+            <a:satOff val="0"/>
+            <a:lumOff val="0"/>
+            <a:alphaOff val="0"/>
+          </a:schemeClr>
+        </a:solidFill>
+        <a:ln w="15875" cap="flat" cmpd="sng" algn="ctr">
+          <a:solidFill>
+            <a:schemeClr val="lt1">
+              <a:hueOff val="0"/>
+              <a:satOff val="0"/>
+              <a:lumOff val="0"/>
+              <a:alphaOff val="0"/>
+            </a:schemeClr>
+          </a:solidFill>
+          <a:prstDash val="solid"/>
+        </a:ln>
+        <a:effectLst/>
+      </dsp:spPr>
+      <dsp:style>
+        <a:lnRef idx="2">
+          <a:scrgbClr r="0" g="0" b="0"/>
+        </a:lnRef>
+        <a:fillRef idx="1">
+          <a:scrgbClr r="0" g="0" b="0"/>
+        </a:fillRef>
+        <a:effectRef idx="0">
+          <a:scrgbClr r="0" g="0" b="0"/>
+        </a:effectRef>
+        <a:fontRef idx="minor">
+          <a:schemeClr val="lt1"/>
+        </a:fontRef>
+      </dsp:style>
+      <dsp:txBody>
+        <a:bodyPr spcFirstLastPara="0" vert="horz" wrap="square" lIns="497538" tIns="81280" rIns="81280" bIns="81280" numCol="1" spcCol="1270" anchor="ctr" anchorCtr="0">
+          <a:noAutofit/>
+        </a:bodyPr>
+        <a:lstStyle/>
+        <a:p>
+          <a:pPr lvl="0" algn="l" defTabSz="1422400">
+            <a:lnSpc>
+              <a:spcPct val="90000"/>
+            </a:lnSpc>
+            <a:spcBef>
+              <a:spcPct val="0"/>
+            </a:spcBef>
+            <a:spcAft>
+              <a:spcPct val="35000"/>
+            </a:spcAft>
+          </a:pPr>
+          <a:r>
+            <a:rPr lang="en-US" sz="3200" b="0" kern="1200" cap="none" spc="0" dirty="0" err="1" smtClean="0">
+              <a:ln w="0"/>
+              <a:solidFill>
+                <a:schemeClr val="tx1"/>
+              </a:solidFill>
+              <a:effectLst>
+                <a:outerShdw blurRad="38100" dist="19050" dir="2700000" algn="tl" rotWithShape="0">
+                  <a:schemeClr val="dk1">
+                    <a:alpha val="40000"/>
+                  </a:schemeClr>
+                </a:outerShdw>
+              </a:effectLst>
+            </a:rPr>
+            <a:t>Bùi</a:t>
+          </a:r>
+          <a:r>
+            <a:rPr lang="en-US" sz="3200" b="0" kern="1200" cap="none" spc="0" dirty="0" smtClean="0">
+              <a:ln w="0"/>
+              <a:solidFill>
+                <a:schemeClr val="tx1"/>
+              </a:solidFill>
+              <a:effectLst>
+                <a:outerShdw blurRad="38100" dist="19050" dir="2700000" algn="tl" rotWithShape="0">
+                  <a:schemeClr val="dk1">
+                    <a:alpha val="40000"/>
+                  </a:schemeClr>
+                </a:outerShdw>
+              </a:effectLst>
+            </a:rPr>
+            <a:t> </a:t>
+          </a:r>
+          <a:r>
+            <a:rPr lang="en-US" sz="3200" b="0" kern="1200" cap="none" spc="0" dirty="0" err="1" smtClean="0">
+              <a:ln w="0"/>
+              <a:solidFill>
+                <a:schemeClr val="tx1"/>
+              </a:solidFill>
+              <a:effectLst>
+                <a:outerShdw blurRad="38100" dist="19050" dir="2700000" algn="tl" rotWithShape="0">
+                  <a:schemeClr val="dk1">
+                    <a:alpha val="40000"/>
+                  </a:schemeClr>
+                </a:outerShdw>
+              </a:effectLst>
+            </a:rPr>
+            <a:t>Tiến</a:t>
+          </a:r>
+          <a:r>
+            <a:rPr lang="en-US" sz="3200" b="0" kern="1200" cap="none" spc="0" dirty="0" smtClean="0">
+              <a:ln w="0"/>
+              <a:solidFill>
+                <a:schemeClr val="tx1"/>
+              </a:solidFill>
+              <a:effectLst>
+                <a:outerShdw blurRad="38100" dist="19050" dir="2700000" algn="tl" rotWithShape="0">
+                  <a:schemeClr val="dk1">
+                    <a:alpha val="40000"/>
+                  </a:schemeClr>
+                </a:outerShdw>
+              </a:effectLst>
+            </a:rPr>
+            <a:t> </a:t>
+          </a:r>
+          <a:r>
+            <a:rPr lang="en-US" sz="3200" b="0" kern="1200" cap="none" spc="0" dirty="0" err="1" smtClean="0">
+              <a:ln w="0"/>
+              <a:solidFill>
+                <a:schemeClr val="tx1"/>
+              </a:solidFill>
+              <a:effectLst>
+                <a:outerShdw blurRad="38100" dist="19050" dir="2700000" algn="tl" rotWithShape="0">
+                  <a:schemeClr val="dk1">
+                    <a:alpha val="40000"/>
+                  </a:schemeClr>
+                </a:outerShdw>
+              </a:effectLst>
+            </a:rPr>
+            <a:t>Tuân</a:t>
+          </a:r>
+          <a:endParaRPr lang="en-US" sz="3200" b="0" kern="1200" cap="none" spc="0" dirty="0" smtClean="0">
+            <a:ln w="0"/>
+            <a:solidFill>
+              <a:schemeClr val="tx1"/>
+            </a:solidFill>
+            <a:effectLst>
+              <a:outerShdw blurRad="38100" dist="19050" dir="2700000" algn="tl" rotWithShape="0">
+                <a:schemeClr val="dk1">
+                  <a:alpha val="40000"/>
+                </a:schemeClr>
+              </a:outerShdw>
+            </a:effectLst>
+          </a:endParaRPr>
+        </a:p>
+      </dsp:txBody>
+      <dsp:txXfrm>
+        <a:off x="437763" y="313409"/>
+        <a:ext cx="5381623" cy="626819"/>
+      </dsp:txXfrm>
+    </dsp:sp>
+    <dsp:sp modelId="{250B97E9-238F-4486-BD3E-CBBFE0D702C5}">
+      <dsp:nvSpPr>
+        <dsp:cNvPr id="0" name=""/>
+        <dsp:cNvSpPr/>
+      </dsp:nvSpPr>
+      <dsp:spPr>
+        <a:xfrm>
+          <a:off x="46001" y="235057"/>
+          <a:ext cx="783524" cy="783524"/>
+        </a:xfrm>
+        <a:prstGeom prst="ellipse">
+          <a:avLst/>
+        </a:prstGeom>
+        <a:solidFill>
+          <a:schemeClr val="lt1">
+            <a:hueOff val="0"/>
+            <a:satOff val="0"/>
+            <a:lumOff val="0"/>
+            <a:alphaOff val="0"/>
+          </a:schemeClr>
+        </a:solidFill>
+        <a:ln w="15875" cap="flat" cmpd="sng" algn="ctr">
+          <a:solidFill>
+            <a:schemeClr val="accent1">
+              <a:hueOff val="0"/>
+              <a:satOff val="0"/>
+              <a:lumOff val="0"/>
+              <a:alphaOff val="0"/>
+            </a:schemeClr>
+          </a:solidFill>
+          <a:prstDash val="solid"/>
+        </a:ln>
+        <a:effectLst/>
+      </dsp:spPr>
+      <dsp:style>
+        <a:lnRef idx="2">
+          <a:scrgbClr r="0" g="0" b="0"/>
+        </a:lnRef>
+        <a:fillRef idx="1">
+          <a:scrgbClr r="0" g="0" b="0"/>
+        </a:fillRef>
+        <a:effectRef idx="0">
+          <a:scrgbClr r="0" g="0" b="0"/>
+        </a:effectRef>
+        <a:fontRef idx="minor"/>
+      </dsp:style>
+    </dsp:sp>
+    <dsp:sp modelId="{3426D3FF-2216-4F1C-B57C-51711950668F}">
+      <dsp:nvSpPr>
+        <dsp:cNvPr id="0" name=""/>
+        <dsp:cNvSpPr/>
+      </dsp:nvSpPr>
+      <dsp:spPr>
+        <a:xfrm>
+          <a:off x="665612" y="1253639"/>
+          <a:ext cx="5153774" cy="626819"/>
+        </a:xfrm>
+        <a:prstGeom prst="rect">
+          <a:avLst/>
+        </a:prstGeom>
+        <a:solidFill>
+          <a:schemeClr val="accent1">
+            <a:hueOff val="0"/>
+            <a:satOff val="0"/>
+            <a:lumOff val="0"/>
+            <a:alphaOff val="0"/>
+          </a:schemeClr>
+        </a:solidFill>
+        <a:ln w="15875" cap="flat" cmpd="sng" algn="ctr">
+          <a:solidFill>
+            <a:schemeClr val="lt1">
+              <a:hueOff val="0"/>
+              <a:satOff val="0"/>
+              <a:lumOff val="0"/>
+              <a:alphaOff val="0"/>
+            </a:schemeClr>
+          </a:solidFill>
+          <a:prstDash val="solid"/>
+        </a:ln>
+        <a:effectLst/>
+      </dsp:spPr>
+      <dsp:style>
+        <a:lnRef idx="2">
+          <a:scrgbClr r="0" g="0" b="0"/>
+        </a:lnRef>
+        <a:fillRef idx="1">
+          <a:scrgbClr r="0" g="0" b="0"/>
+        </a:fillRef>
+        <a:effectRef idx="0">
+          <a:scrgbClr r="0" g="0" b="0"/>
+        </a:effectRef>
+        <a:fontRef idx="minor">
+          <a:schemeClr val="lt1"/>
+        </a:fontRef>
+      </dsp:style>
+      <dsp:txBody>
+        <a:bodyPr spcFirstLastPara="0" vert="horz" wrap="square" lIns="497538" tIns="81280" rIns="81280" bIns="81280" numCol="1" spcCol="1270" anchor="ctr" anchorCtr="0">
+          <a:noAutofit/>
+        </a:bodyPr>
+        <a:lstStyle/>
+        <a:p>
+          <a:pPr lvl="0" algn="l" defTabSz="1422400">
+            <a:lnSpc>
+              <a:spcPct val="90000"/>
+            </a:lnSpc>
+            <a:spcBef>
+              <a:spcPct val="0"/>
+            </a:spcBef>
+            <a:spcAft>
+              <a:spcPct val="35000"/>
+            </a:spcAft>
+          </a:pPr>
+          <a:r>
+            <a:rPr lang="en-US" sz="3200" b="0" kern="1200" cap="none" spc="0" dirty="0" err="1" smtClean="0">
+              <a:ln w="0"/>
+              <a:solidFill>
+                <a:schemeClr val="tx1"/>
+              </a:solidFill>
+              <a:effectLst>
+                <a:outerShdw blurRad="38100" dist="19050" dir="2700000" algn="tl" rotWithShape="0">
+                  <a:schemeClr val="dk1">
+                    <a:alpha val="40000"/>
+                  </a:schemeClr>
+                </a:outerShdw>
+              </a:effectLst>
+            </a:rPr>
+            <a:t>Mạnh</a:t>
+          </a:r>
+          <a:r>
+            <a:rPr lang="en-US" sz="3200" b="0" kern="1200" cap="none" spc="0" dirty="0" smtClean="0">
+              <a:ln w="0"/>
+              <a:solidFill>
+                <a:schemeClr val="tx1"/>
+              </a:solidFill>
+              <a:effectLst>
+                <a:outerShdw blurRad="38100" dist="19050" dir="2700000" algn="tl" rotWithShape="0">
+                  <a:schemeClr val="dk1">
+                    <a:alpha val="40000"/>
+                  </a:schemeClr>
+                </a:outerShdw>
+              </a:effectLst>
+            </a:rPr>
+            <a:t> </a:t>
+          </a:r>
+          <a:r>
+            <a:rPr lang="en-US" sz="3200" b="0" kern="1200" cap="none" spc="0" dirty="0" err="1" smtClean="0">
+              <a:ln w="0"/>
+              <a:solidFill>
+                <a:schemeClr val="tx1"/>
+              </a:solidFill>
+              <a:effectLst>
+                <a:outerShdw blurRad="38100" dist="19050" dir="2700000" algn="tl" rotWithShape="0">
+                  <a:schemeClr val="dk1">
+                    <a:alpha val="40000"/>
+                  </a:schemeClr>
+                </a:outerShdw>
+              </a:effectLst>
+            </a:rPr>
+            <a:t>Quang</a:t>
+          </a:r>
+          <a:r>
+            <a:rPr lang="en-US" sz="3200" b="0" kern="1200" cap="none" spc="0" dirty="0" smtClean="0">
+              <a:ln w="0"/>
+              <a:solidFill>
+                <a:schemeClr val="tx1"/>
+              </a:solidFill>
+              <a:effectLst>
+                <a:outerShdw blurRad="38100" dist="19050" dir="2700000" algn="tl" rotWithShape="0">
+                  <a:schemeClr val="dk1">
+                    <a:alpha val="40000"/>
+                  </a:schemeClr>
+                </a:outerShdw>
+              </a:effectLst>
+            </a:rPr>
+            <a:t> </a:t>
+          </a:r>
+          <a:r>
+            <a:rPr lang="en-US" sz="3200" b="0" kern="1200" cap="none" spc="0" dirty="0" err="1" smtClean="0">
+              <a:ln w="0"/>
+              <a:solidFill>
+                <a:schemeClr val="tx1"/>
+              </a:solidFill>
+              <a:effectLst>
+                <a:outerShdw blurRad="38100" dist="19050" dir="2700000" algn="tl" rotWithShape="0">
+                  <a:schemeClr val="dk1">
+                    <a:alpha val="40000"/>
+                  </a:schemeClr>
+                </a:outerShdw>
+              </a:effectLst>
+            </a:rPr>
+            <a:t>Tuyến</a:t>
+          </a:r>
+          <a:endParaRPr lang="en-US" sz="3200" b="0" kern="1200" cap="none" spc="0" dirty="0">
+            <a:ln w="0"/>
+            <a:solidFill>
+              <a:schemeClr val="tx1"/>
+            </a:solidFill>
+            <a:effectLst>
+              <a:outerShdw blurRad="38100" dist="19050" dir="2700000" algn="tl" rotWithShape="0">
+                <a:schemeClr val="dk1">
+                  <a:alpha val="40000"/>
+                </a:schemeClr>
+              </a:outerShdw>
+            </a:effectLst>
+          </a:endParaRPr>
+        </a:p>
+      </dsp:txBody>
+      <dsp:txXfrm>
+        <a:off x="665612" y="1253639"/>
+        <a:ext cx="5153774" cy="626819"/>
+      </dsp:txXfrm>
+    </dsp:sp>
+    <dsp:sp modelId="{50C1BC03-F5E1-43AE-9FC2-1E6B21A791BE}">
+      <dsp:nvSpPr>
+        <dsp:cNvPr id="0" name=""/>
+        <dsp:cNvSpPr/>
+      </dsp:nvSpPr>
+      <dsp:spPr>
+        <a:xfrm>
+          <a:off x="273850" y="1175287"/>
+          <a:ext cx="783524" cy="783524"/>
+        </a:xfrm>
+        <a:prstGeom prst="ellipse">
+          <a:avLst/>
+        </a:prstGeom>
+        <a:solidFill>
+          <a:schemeClr val="lt1">
+            <a:hueOff val="0"/>
+            <a:satOff val="0"/>
+            <a:lumOff val="0"/>
+            <a:alphaOff val="0"/>
+          </a:schemeClr>
+        </a:solidFill>
+        <a:ln w="15875" cap="flat" cmpd="sng" algn="ctr">
+          <a:solidFill>
+            <a:schemeClr val="accent1">
+              <a:hueOff val="0"/>
+              <a:satOff val="0"/>
+              <a:lumOff val="0"/>
+              <a:alphaOff val="0"/>
+            </a:schemeClr>
+          </a:solidFill>
+          <a:prstDash val="solid"/>
+        </a:ln>
+        <a:effectLst/>
+      </dsp:spPr>
+      <dsp:style>
+        <a:lnRef idx="2">
+          <a:scrgbClr r="0" g="0" b="0"/>
+        </a:lnRef>
+        <a:fillRef idx="1">
+          <a:scrgbClr r="0" g="0" b="0"/>
+        </a:fillRef>
+        <a:effectRef idx="0">
+          <a:scrgbClr r="0" g="0" b="0"/>
+        </a:effectRef>
+        <a:fontRef idx="minor"/>
+      </dsp:style>
+    </dsp:sp>
+    <dsp:sp modelId="{55BFB2CD-17F2-485E-9587-E7D0985F8E17}">
+      <dsp:nvSpPr>
+        <dsp:cNvPr id="0" name=""/>
+        <dsp:cNvSpPr/>
+      </dsp:nvSpPr>
+      <dsp:spPr>
+        <a:xfrm>
+          <a:off x="437763" y="2193869"/>
+          <a:ext cx="5381623" cy="626819"/>
+        </a:xfrm>
+        <a:prstGeom prst="rect">
+          <a:avLst/>
+        </a:prstGeom>
+        <a:solidFill>
+          <a:schemeClr val="accent1">
+            <a:hueOff val="0"/>
+            <a:satOff val="0"/>
+            <a:lumOff val="0"/>
+            <a:alphaOff val="0"/>
+          </a:schemeClr>
+        </a:solidFill>
+        <a:ln w="15875" cap="flat" cmpd="sng" algn="ctr">
+          <a:solidFill>
+            <a:schemeClr val="lt1">
+              <a:hueOff val="0"/>
+              <a:satOff val="0"/>
+              <a:lumOff val="0"/>
+              <a:alphaOff val="0"/>
+            </a:schemeClr>
+          </a:solidFill>
+          <a:prstDash val="solid"/>
+        </a:ln>
+        <a:effectLst/>
+      </dsp:spPr>
+      <dsp:style>
+        <a:lnRef idx="2">
+          <a:scrgbClr r="0" g="0" b="0"/>
+        </a:lnRef>
+        <a:fillRef idx="1">
+          <a:scrgbClr r="0" g="0" b="0"/>
+        </a:fillRef>
+        <a:effectRef idx="0">
+          <a:scrgbClr r="0" g="0" b="0"/>
+        </a:effectRef>
+        <a:fontRef idx="minor">
+          <a:schemeClr val="lt1"/>
+        </a:fontRef>
+      </dsp:style>
+      <dsp:txBody>
+        <a:bodyPr spcFirstLastPara="0" vert="horz" wrap="square" lIns="497538" tIns="81280" rIns="81280" bIns="81280" numCol="1" spcCol="1270" anchor="ctr" anchorCtr="0">
+          <a:noAutofit/>
+        </a:bodyPr>
+        <a:lstStyle/>
+        <a:p>
+          <a:pPr lvl="0" algn="l" defTabSz="1422400">
+            <a:lnSpc>
+              <a:spcPct val="90000"/>
+            </a:lnSpc>
+            <a:spcBef>
+              <a:spcPct val="0"/>
+            </a:spcBef>
+            <a:spcAft>
+              <a:spcPct val="35000"/>
+            </a:spcAft>
+          </a:pPr>
+          <a:r>
+            <a:rPr lang="en-US" sz="3200" b="0" kern="1200" cap="none" spc="0" dirty="0" err="1" smtClean="0">
+              <a:ln w="0"/>
+              <a:solidFill>
+                <a:schemeClr val="tx1"/>
+              </a:solidFill>
+              <a:effectLst>
+                <a:outerShdw blurRad="38100" dist="19050" dir="2700000" algn="tl" rotWithShape="0">
+                  <a:schemeClr val="dk1">
+                    <a:alpha val="40000"/>
+                  </a:schemeClr>
+                </a:outerShdw>
+              </a:effectLst>
+            </a:rPr>
+            <a:t>Nguyễn</a:t>
+          </a:r>
+          <a:r>
+            <a:rPr lang="en-US" sz="3200" b="0" kern="1200" cap="none" spc="0" dirty="0" smtClean="0">
+              <a:ln w="0"/>
+              <a:solidFill>
+                <a:schemeClr val="tx1"/>
+              </a:solidFill>
+              <a:effectLst>
+                <a:outerShdw blurRad="38100" dist="19050" dir="2700000" algn="tl" rotWithShape="0">
+                  <a:schemeClr val="dk1">
+                    <a:alpha val="40000"/>
+                  </a:schemeClr>
+                </a:outerShdw>
+              </a:effectLst>
+            </a:rPr>
+            <a:t> </a:t>
+          </a:r>
+          <a:r>
+            <a:rPr lang="en-US" sz="3200" b="0" kern="1200" cap="none" spc="0" dirty="0" err="1" smtClean="0">
+              <a:ln w="0"/>
+              <a:solidFill>
+                <a:schemeClr val="tx1"/>
+              </a:solidFill>
+              <a:effectLst>
+                <a:outerShdw blurRad="38100" dist="19050" dir="2700000" algn="tl" rotWithShape="0">
+                  <a:schemeClr val="dk1">
+                    <a:alpha val="40000"/>
+                  </a:schemeClr>
+                </a:outerShdw>
+              </a:effectLst>
+            </a:rPr>
+            <a:t>Tấn</a:t>
+          </a:r>
+          <a:r>
+            <a:rPr lang="en-US" sz="3200" b="0" kern="1200" cap="none" spc="0" dirty="0" smtClean="0">
+              <a:ln w="0"/>
+              <a:solidFill>
+                <a:schemeClr val="tx1"/>
+              </a:solidFill>
+              <a:effectLst>
+                <a:outerShdw blurRad="38100" dist="19050" dir="2700000" algn="tl" rotWithShape="0">
+                  <a:schemeClr val="dk1">
+                    <a:alpha val="40000"/>
+                  </a:schemeClr>
+                </a:outerShdw>
+              </a:effectLst>
+            </a:rPr>
+            <a:t> </a:t>
+          </a:r>
+          <a:r>
+            <a:rPr lang="en-US" sz="3200" b="0" kern="1200" cap="none" spc="0" dirty="0" err="1" smtClean="0">
+              <a:ln w="0"/>
+              <a:solidFill>
+                <a:schemeClr val="tx1"/>
+              </a:solidFill>
+              <a:effectLst>
+                <a:outerShdw blurRad="38100" dist="19050" dir="2700000" algn="tl" rotWithShape="0">
+                  <a:schemeClr val="dk1">
+                    <a:alpha val="40000"/>
+                  </a:schemeClr>
+                </a:outerShdw>
+              </a:effectLst>
+            </a:rPr>
+            <a:t>Công</a:t>
+          </a:r>
+          <a:endParaRPr lang="en-US" sz="3200" b="0" kern="1200" cap="none" spc="0" dirty="0">
+            <a:ln w="0"/>
+            <a:solidFill>
+              <a:schemeClr val="tx1"/>
+            </a:solidFill>
+            <a:effectLst>
+              <a:outerShdw blurRad="38100" dist="19050" dir="2700000" algn="tl" rotWithShape="0">
+                <a:schemeClr val="dk1">
+                  <a:alpha val="40000"/>
+                </a:schemeClr>
+              </a:outerShdw>
+            </a:effectLst>
+          </a:endParaRPr>
+        </a:p>
+      </dsp:txBody>
+      <dsp:txXfrm>
+        <a:off x="437763" y="2193869"/>
+        <a:ext cx="5381623" cy="626819"/>
+      </dsp:txXfrm>
+    </dsp:sp>
+    <dsp:sp modelId="{662EEE75-B414-4E01-9463-8A943D9D23A2}">
+      <dsp:nvSpPr>
+        <dsp:cNvPr id="0" name=""/>
+        <dsp:cNvSpPr/>
+      </dsp:nvSpPr>
+      <dsp:spPr>
+        <a:xfrm>
+          <a:off x="46001" y="2115516"/>
+          <a:ext cx="783524" cy="783524"/>
+        </a:xfrm>
+        <a:prstGeom prst="ellipse">
+          <a:avLst/>
+        </a:prstGeom>
+        <a:solidFill>
+          <a:schemeClr val="lt1">
+            <a:hueOff val="0"/>
+            <a:satOff val="0"/>
+            <a:lumOff val="0"/>
+            <a:alphaOff val="0"/>
+          </a:schemeClr>
+        </a:solidFill>
+        <a:ln w="15875" cap="flat" cmpd="sng" algn="ctr">
+          <a:solidFill>
+            <a:schemeClr val="accent1">
+              <a:hueOff val="0"/>
+              <a:satOff val="0"/>
+              <a:lumOff val="0"/>
+              <a:alphaOff val="0"/>
+            </a:schemeClr>
+          </a:solidFill>
+          <a:prstDash val="solid"/>
+        </a:ln>
+        <a:effectLst/>
+      </dsp:spPr>
+      <dsp:style>
+        <a:lnRef idx="2">
+          <a:scrgbClr r="0" g="0" b="0"/>
+        </a:lnRef>
+        <a:fillRef idx="1">
+          <a:scrgbClr r="0" g="0" b="0"/>
+        </a:fillRef>
+        <a:effectRef idx="0">
+          <a:scrgbClr r="0" g="0" b="0"/>
+        </a:effectRef>
+        <a:fontRef idx="minor"/>
+      </dsp:style>
+    </dsp:sp>
   </dsp:spTree>
 </dsp:drawing>
 </file>
@@ -3922,7 +4604,7 @@
     </p:spTree>
     <p:extLst>
       <p:ext uri="{BB962C8B-B14F-4D97-AF65-F5344CB8AC3E}">
-        <p14:creationId xmlns:p14="http://schemas.microsoft.com/office/powerpoint/2010/main" val="499418375"/>
+        <p14:creationId xmlns:p14="http://schemas.microsoft.com/office/powerpoint/2010/main" xmlns="" val="499418375"/>
       </p:ext>
     </p:extLst>
   </p:cSld>
@@ -4182,7 +4864,7 @@
     </p:spTree>
     <p:extLst>
       <p:ext uri="{BB962C8B-B14F-4D97-AF65-F5344CB8AC3E}">
-        <p14:creationId xmlns:p14="http://schemas.microsoft.com/office/powerpoint/2010/main" val="190255619"/>
+        <p14:creationId xmlns:p14="http://schemas.microsoft.com/office/powerpoint/2010/main" xmlns="" val="190255619"/>
       </p:ext>
     </p:extLst>
   </p:cSld>
@@ -4574,7 +5256,7 @@
     </p:spTree>
     <p:extLst>
       <p:ext uri="{BB962C8B-B14F-4D97-AF65-F5344CB8AC3E}">
-        <p14:creationId xmlns:p14="http://schemas.microsoft.com/office/powerpoint/2010/main" val="416740946"/>
+        <p14:creationId xmlns:p14="http://schemas.microsoft.com/office/powerpoint/2010/main" xmlns="" val="416740946"/>
       </p:ext>
     </p:extLst>
   </p:cSld>
@@ -4818,7 +5500,7 @@
     </p:spTree>
     <p:extLst>
       <p:ext uri="{BB962C8B-B14F-4D97-AF65-F5344CB8AC3E}">
-        <p14:creationId xmlns:p14="http://schemas.microsoft.com/office/powerpoint/2010/main" val="2214256827"/>
+        <p14:creationId xmlns:p14="http://schemas.microsoft.com/office/powerpoint/2010/main" xmlns="" val="2214256827"/>
       </p:ext>
     </p:extLst>
   </p:cSld>
@@ -4908,7 +5590,7 @@
     </p:spTree>
     <p:extLst>
       <p:ext uri="{BB962C8B-B14F-4D97-AF65-F5344CB8AC3E}">
-        <p14:creationId xmlns:p14="http://schemas.microsoft.com/office/powerpoint/2010/main" val="2214256827"/>
+        <p14:creationId xmlns:p14="http://schemas.microsoft.com/office/powerpoint/2010/main" xmlns="" val="2214256827"/>
       </p:ext>
     </p:extLst>
   </p:cSld>
@@ -4989,7 +5671,7 @@
             <a:fld id="{0521FCE3-7D4A-4844-8F6D-60AC8CFC57BE}" type="slidenum">
               <a:rPr lang="en-US" smtClean="0"/>
               <a:pPr/>
-              <a:t>8</a:t>
+              <a:t>9</a:t>
             </a:fld>
             <a:endParaRPr lang="en-US"/>
           </a:p>
@@ -4998,7 +5680,7 @@
     </p:spTree>
     <p:extLst>
       <p:ext uri="{BB962C8B-B14F-4D97-AF65-F5344CB8AC3E}">
-        <p14:creationId xmlns:p14="http://schemas.microsoft.com/office/powerpoint/2010/main" val="2214256827"/>
+        <p14:creationId xmlns:p14="http://schemas.microsoft.com/office/powerpoint/2010/main" xmlns="" val="2214256827"/>
       </p:ext>
     </p:extLst>
   </p:cSld>
@@ -5328,7 +6010,7 @@
     </p:spTree>
     <p:extLst>
       <p:ext uri="{BB962C8B-B14F-4D97-AF65-F5344CB8AC3E}">
-        <p14:creationId xmlns:p14="http://schemas.microsoft.com/office/powerpoint/2010/main" val="1187610024"/>
+        <p14:creationId xmlns:p14="http://schemas.microsoft.com/office/powerpoint/2010/main" xmlns="" val="1187610024"/>
       </p:ext>
     </p:extLst>
   </p:cSld>
@@ -5503,7 +6185,7 @@
     </p:spTree>
     <p:extLst>
       <p:ext uri="{BB962C8B-B14F-4D97-AF65-F5344CB8AC3E}">
-        <p14:creationId xmlns:p14="http://schemas.microsoft.com/office/powerpoint/2010/main" val="1162950190"/>
+        <p14:creationId xmlns:p14="http://schemas.microsoft.com/office/powerpoint/2010/main" xmlns="" val="1162950190"/>
       </p:ext>
     </p:extLst>
   </p:cSld>
@@ -5764,7 +6446,7 @@
     </p:spTree>
     <p:extLst>
       <p:ext uri="{BB962C8B-B14F-4D97-AF65-F5344CB8AC3E}">
-        <p14:creationId xmlns:p14="http://schemas.microsoft.com/office/powerpoint/2010/main" val="1725342705"/>
+        <p14:creationId xmlns:p14="http://schemas.microsoft.com/office/powerpoint/2010/main" xmlns="" val="1725342705"/>
       </p:ext>
     </p:extLst>
   </p:cSld>
@@ -6094,7 +6776,7 @@
     </p:spTree>
     <p:extLst>
       <p:ext uri="{BB962C8B-B14F-4D97-AF65-F5344CB8AC3E}">
-        <p14:creationId xmlns:p14="http://schemas.microsoft.com/office/powerpoint/2010/main" val="1973499098"/>
+        <p14:creationId xmlns:p14="http://schemas.microsoft.com/office/powerpoint/2010/main" xmlns="" val="1973499098"/>
       </p:ext>
     </p:extLst>
   </p:cSld>
@@ -6269,7 +6951,7 @@
     </p:spTree>
     <p:extLst>
       <p:ext uri="{BB962C8B-B14F-4D97-AF65-F5344CB8AC3E}">
-        <p14:creationId xmlns:p14="http://schemas.microsoft.com/office/powerpoint/2010/main" val="1107858211"/>
+        <p14:creationId xmlns:p14="http://schemas.microsoft.com/office/powerpoint/2010/main" xmlns="" val="1107858211"/>
       </p:ext>
     </p:extLst>
   </p:cSld>
@@ -6647,7 +7329,7 @@
     </p:spTree>
     <p:extLst>
       <p:ext uri="{BB962C8B-B14F-4D97-AF65-F5344CB8AC3E}">
-        <p14:creationId xmlns:p14="http://schemas.microsoft.com/office/powerpoint/2010/main" val="140728558"/>
+        <p14:creationId xmlns:p14="http://schemas.microsoft.com/office/powerpoint/2010/main" xmlns="" val="140728558"/>
       </p:ext>
     </p:extLst>
   </p:cSld>
@@ -6889,7 +7571,7 @@
     </p:spTree>
     <p:extLst>
       <p:ext uri="{BB962C8B-B14F-4D97-AF65-F5344CB8AC3E}">
-        <p14:creationId xmlns:p14="http://schemas.microsoft.com/office/powerpoint/2010/main" val="3268622430"/>
+        <p14:creationId xmlns:p14="http://schemas.microsoft.com/office/powerpoint/2010/main" xmlns="" val="3268622430"/>
       </p:ext>
     </p:extLst>
   </p:cSld>
@@ -7273,7 +7955,7 @@
     </p:spTree>
     <p:extLst>
       <p:ext uri="{BB962C8B-B14F-4D97-AF65-F5344CB8AC3E}">
-        <p14:creationId xmlns:p14="http://schemas.microsoft.com/office/powerpoint/2010/main" val="966444153"/>
+        <p14:creationId xmlns:p14="http://schemas.microsoft.com/office/powerpoint/2010/main" xmlns="" val="966444153"/>
       </p:ext>
     </p:extLst>
   </p:cSld>
@@ -7396,7 +8078,7 @@
     </p:spTree>
     <p:extLst>
       <p:ext uri="{BB962C8B-B14F-4D97-AF65-F5344CB8AC3E}">
-        <p14:creationId xmlns:p14="http://schemas.microsoft.com/office/powerpoint/2010/main" val="3617142943"/>
+        <p14:creationId xmlns:p14="http://schemas.microsoft.com/office/powerpoint/2010/main" xmlns="" val="3617142943"/>
       </p:ext>
     </p:extLst>
   </p:cSld>
@@ -7580,7 +8262,7 @@
     </p:spTree>
     <p:extLst>
       <p:ext uri="{BB962C8B-B14F-4D97-AF65-F5344CB8AC3E}">
-        <p14:creationId xmlns:p14="http://schemas.microsoft.com/office/powerpoint/2010/main" val="1045430319"/>
+        <p14:creationId xmlns:p14="http://schemas.microsoft.com/office/powerpoint/2010/main" xmlns="" val="1045430319"/>
       </p:ext>
     </p:extLst>
   </p:cSld>
@@ -7968,7 +8650,7 @@
     </p:spTree>
     <p:extLst>
       <p:ext uri="{BB962C8B-B14F-4D97-AF65-F5344CB8AC3E}">
-        <p14:creationId xmlns:p14="http://schemas.microsoft.com/office/powerpoint/2010/main" val="4268766089"/>
+        <p14:creationId xmlns:p14="http://schemas.microsoft.com/office/powerpoint/2010/main" xmlns="" val="4268766089"/>
       </p:ext>
     </p:extLst>
   </p:cSld>
@@ -8143,7 +8825,7 @@
     </p:spTree>
     <p:extLst>
       <p:ext uri="{BB962C8B-B14F-4D97-AF65-F5344CB8AC3E}">
-        <p14:creationId xmlns:p14="http://schemas.microsoft.com/office/powerpoint/2010/main" val="2357780028"/>
+        <p14:creationId xmlns:p14="http://schemas.microsoft.com/office/powerpoint/2010/main" xmlns="" val="2357780028"/>
       </p:ext>
     </p:extLst>
   </p:cSld>
@@ -8504,7 +9186,7 @@
     </p:spTree>
     <p:extLst>
       <p:ext uri="{BB962C8B-B14F-4D97-AF65-F5344CB8AC3E}">
-        <p14:creationId xmlns:p14="http://schemas.microsoft.com/office/powerpoint/2010/main" val="3538392658"/>
+        <p14:creationId xmlns:p14="http://schemas.microsoft.com/office/powerpoint/2010/main" xmlns="" val="3538392658"/>
       </p:ext>
     </p:extLst>
   </p:cSld>
@@ -8679,7 +9361,7 @@
     </p:spTree>
     <p:extLst>
       <p:ext uri="{BB962C8B-B14F-4D97-AF65-F5344CB8AC3E}">
-        <p14:creationId xmlns:p14="http://schemas.microsoft.com/office/powerpoint/2010/main" val="709851596"/>
+        <p14:creationId xmlns:p14="http://schemas.microsoft.com/office/powerpoint/2010/main" xmlns="" val="709851596"/>
       </p:ext>
     </p:extLst>
   </p:cSld>
@@ -8940,7 +9622,7 @@
     </p:spTree>
     <p:extLst>
       <p:ext uri="{BB962C8B-B14F-4D97-AF65-F5344CB8AC3E}">
-        <p14:creationId xmlns:p14="http://schemas.microsoft.com/office/powerpoint/2010/main" val="3938421497"/>
+        <p14:creationId xmlns:p14="http://schemas.microsoft.com/office/powerpoint/2010/main" xmlns="" val="3938421497"/>
       </p:ext>
     </p:extLst>
   </p:cSld>
@@ -9318,7 +10000,7 @@
     </p:spTree>
     <p:extLst>
       <p:ext uri="{BB962C8B-B14F-4D97-AF65-F5344CB8AC3E}">
-        <p14:creationId xmlns:p14="http://schemas.microsoft.com/office/powerpoint/2010/main" val="853254902"/>
+        <p14:creationId xmlns:p14="http://schemas.microsoft.com/office/powerpoint/2010/main" xmlns="" val="853254902"/>
       </p:ext>
     </p:extLst>
   </p:cSld>
@@ -9560,7 +10242,7 @@
     </p:spTree>
     <p:extLst>
       <p:ext uri="{BB962C8B-B14F-4D97-AF65-F5344CB8AC3E}">
-        <p14:creationId xmlns:p14="http://schemas.microsoft.com/office/powerpoint/2010/main" val="2558859688"/>
+        <p14:creationId xmlns:p14="http://schemas.microsoft.com/office/powerpoint/2010/main" xmlns="" val="2558859688"/>
       </p:ext>
     </p:extLst>
   </p:cSld>
@@ -9944,7 +10626,7 @@
     </p:spTree>
     <p:extLst>
       <p:ext uri="{BB962C8B-B14F-4D97-AF65-F5344CB8AC3E}">
-        <p14:creationId xmlns:p14="http://schemas.microsoft.com/office/powerpoint/2010/main" val="3790003400"/>
+        <p14:creationId xmlns:p14="http://schemas.microsoft.com/office/powerpoint/2010/main" xmlns="" val="3790003400"/>
       </p:ext>
     </p:extLst>
   </p:cSld>
@@ -10067,7 +10749,7 @@
     </p:spTree>
     <p:extLst>
       <p:ext uri="{BB962C8B-B14F-4D97-AF65-F5344CB8AC3E}">
-        <p14:creationId xmlns:p14="http://schemas.microsoft.com/office/powerpoint/2010/main" val="2340859831"/>
+        <p14:creationId xmlns:p14="http://schemas.microsoft.com/office/powerpoint/2010/main" xmlns="" val="2340859831"/>
       </p:ext>
     </p:extLst>
   </p:cSld>
@@ -10251,7 +10933,7 @@
     </p:spTree>
     <p:extLst>
       <p:ext uri="{BB962C8B-B14F-4D97-AF65-F5344CB8AC3E}">
-        <p14:creationId xmlns:p14="http://schemas.microsoft.com/office/powerpoint/2010/main" val="3134017901"/>
+        <p14:creationId xmlns:p14="http://schemas.microsoft.com/office/powerpoint/2010/main" xmlns="" val="3134017901"/>
       </p:ext>
     </p:extLst>
   </p:cSld>
@@ -10623,7 +11305,7 @@
     </p:spTree>
     <p:extLst>
       <p:ext uri="{BB962C8B-B14F-4D97-AF65-F5344CB8AC3E}">
-        <p14:creationId xmlns:p14="http://schemas.microsoft.com/office/powerpoint/2010/main" val="1327644465"/>
+        <p14:creationId xmlns:p14="http://schemas.microsoft.com/office/powerpoint/2010/main" xmlns="" val="1327644465"/>
       </p:ext>
     </p:extLst>
   </p:cSld>
@@ -10984,7 +11666,7 @@
     </p:spTree>
     <p:extLst>
       <p:ext uri="{BB962C8B-B14F-4D97-AF65-F5344CB8AC3E}">
-        <p14:creationId xmlns:p14="http://schemas.microsoft.com/office/powerpoint/2010/main" val="816183116"/>
+        <p14:creationId xmlns:p14="http://schemas.microsoft.com/office/powerpoint/2010/main" xmlns="" val="816183116"/>
       </p:ext>
     </p:extLst>
   </p:cSld>
@@ -11355,7 +12037,7 @@
     </p:spTree>
     <p:extLst>
       <p:ext uri="{BB962C8B-B14F-4D97-AF65-F5344CB8AC3E}">
-        <p14:creationId xmlns:p14="http://schemas.microsoft.com/office/powerpoint/2010/main" val="3493115414"/>
+        <p14:creationId xmlns:p14="http://schemas.microsoft.com/office/powerpoint/2010/main" xmlns="" val="3493115414"/>
       </p:ext>
     </p:extLst>
   </p:cSld>
@@ -12103,7 +12785,7 @@
     </p:spTree>
     <p:extLst>
       <p:ext uri="{BB962C8B-B14F-4D97-AF65-F5344CB8AC3E}">
-        <p14:creationId xmlns:p14="http://schemas.microsoft.com/office/powerpoint/2010/main" val="3858505879"/>
+        <p14:creationId xmlns:p14="http://schemas.microsoft.com/office/powerpoint/2010/main" xmlns="" val="3858505879"/>
       </p:ext>
     </p:extLst>
   </p:cSld>
@@ -12671,7 +13353,7 @@
             </a:duotone>
             <a:extLst>
               <a:ext uri="{28A0092B-C50C-407E-A947-70E740481C1C}">
-                <a14:useLocalDpi xmlns:a14="http://schemas.microsoft.com/office/drawing/2010/main" val="0"/>
+                <a14:useLocalDpi xmlns:a14="http://schemas.microsoft.com/office/drawing/2010/main" xmlns="" val="0"/>
               </a:ext>
             </a:extLst>
           </a:blip>
@@ -12725,7 +13407,7 @@
             <a:blip r:embed="rId4" cstate="print">
               <a:extLst>
                 <a:ext uri="{28A0092B-C50C-407E-A947-70E740481C1C}">
-                  <a14:useLocalDpi xmlns:a14="http://schemas.microsoft.com/office/drawing/2010/main" val="0"/>
+                  <a14:useLocalDpi xmlns:a14="http://schemas.microsoft.com/office/drawing/2010/main" xmlns="" val="0"/>
                 </a:ext>
               </a:extLst>
             </a:blip>
@@ -12762,7 +13444,7 @@
             <a:blip r:embed="rId5" cstate="print">
               <a:extLst>
                 <a:ext uri="{28A0092B-C50C-407E-A947-70E740481C1C}">
-                  <a14:useLocalDpi xmlns:a14="http://schemas.microsoft.com/office/drawing/2010/main" val="0"/>
+                  <a14:useLocalDpi xmlns:a14="http://schemas.microsoft.com/office/drawing/2010/main" xmlns="" val="0"/>
                 </a:ext>
               </a:extLst>
             </a:blip>
@@ -12799,7 +13481,7 @@
             <a:blip r:embed="rId6" cstate="print">
               <a:extLst>
                 <a:ext uri="{28A0092B-C50C-407E-A947-70E740481C1C}">
-                  <a14:useLocalDpi xmlns:a14="http://schemas.microsoft.com/office/drawing/2010/main" val="0"/>
+                  <a14:useLocalDpi xmlns:a14="http://schemas.microsoft.com/office/drawing/2010/main" xmlns="" val="0"/>
                 </a:ext>
               </a:extLst>
             </a:blip>
@@ -12836,7 +13518,7 @@
             <a:blip r:embed="rId7" cstate="print">
               <a:extLst>
                 <a:ext uri="{28A0092B-C50C-407E-A947-70E740481C1C}">
-                  <a14:useLocalDpi xmlns:a14="http://schemas.microsoft.com/office/drawing/2010/main" val="0"/>
+                  <a14:useLocalDpi xmlns:a14="http://schemas.microsoft.com/office/drawing/2010/main" xmlns="" val="0"/>
                 </a:ext>
               </a:extLst>
             </a:blip>
@@ -12904,7 +13586,7 @@
           <a:blip r:embed="rId8">
             <a:extLst>
               <a:ext uri="{28A0092B-C50C-407E-A947-70E740481C1C}">
-                <a14:useLocalDpi xmlns:a14="http://schemas.microsoft.com/office/drawing/2010/main" val="0"/>
+                <a14:useLocalDpi xmlns:a14="http://schemas.microsoft.com/office/drawing/2010/main" xmlns="" val="0"/>
               </a:ext>
             </a:extLst>
           </a:blip>
@@ -12931,7 +13613,222 @@
     </p:spTree>
     <p:extLst>
       <p:ext uri="{BB962C8B-B14F-4D97-AF65-F5344CB8AC3E}">
-        <p14:creationId xmlns:p14="http://schemas.microsoft.com/office/powerpoint/2010/main" val="878553065"/>
+        <p14:creationId xmlns:p14="http://schemas.microsoft.com/office/powerpoint/2010/main" xmlns="" val="878553065"/>
+      </p:ext>
+    </p:extLst>
+  </p:cSld>
+  <p:clrMapOvr>
+    <a:masterClrMapping/>
+  </p:clrMapOvr>
+  <p:timing>
+    <p:tnLst>
+      <p:par>
+        <p:cTn id="1" dur="indefinite" restart="never" nodeType="tmRoot"/>
+      </p:par>
+    </p:tnLst>
+  </p:timing>
+</p:sld>
+</file>
+
+<file path=ppt/slides/slide10.xml><?xml version="1.0" encoding="utf-8"?>
+<p:sld xmlns:a="http://schemas.openxmlformats.org/drawingml/2006/main" xmlns:r="http://schemas.openxmlformats.org/officeDocument/2006/relationships" xmlns:p="http://schemas.openxmlformats.org/presentationml/2006/main">
+  <p:cSld>
+    <p:spTree>
+      <p:nvGrpSpPr>
+        <p:cNvPr id="1" name=""/>
+        <p:cNvGrpSpPr/>
+        <p:nvPr/>
+      </p:nvGrpSpPr>
+      <p:grpSpPr>
+        <a:xfrm>
+          <a:off x="0" y="0"/>
+          <a:ext cx="0" cy="0"/>
+          <a:chOff x="0" y="0"/>
+          <a:chExt cx="0" cy="0"/>
+        </a:xfrm>
+      </p:grpSpPr>
+      <p:sp>
+        <p:nvSpPr>
+          <p:cNvPr id="7" name="Title 6"/>
+          <p:cNvSpPr>
+            <a:spLocks noGrp="1"/>
+          </p:cNvSpPr>
+          <p:nvPr>
+            <p:ph type="title"/>
+          </p:nvPr>
+        </p:nvSpPr>
+        <p:spPr>
+          <a:xfrm>
+            <a:off x="801290" y="1970465"/>
+            <a:ext cx="7543800" cy="2482663"/>
+          </a:xfrm>
+        </p:spPr>
+        <p:txBody>
+          <a:bodyPr>
+            <a:noAutofit/>
+          </a:bodyPr>
+          <a:lstStyle/>
+          <a:p>
+            <a:pPr algn="ctr"/>
+            <a:r>
+              <a:rPr lang="en-US" sz="6600" dirty="0"/>
+              <a:t>Questions </a:t>
+            </a:r>
+            <a:r>
+              <a:rPr lang="en-US" sz="6600" dirty="0" smtClean="0"/>
+              <a:t/>
+            </a:r>
+            <a:br>
+              <a:rPr lang="en-US" sz="6600" dirty="0" smtClean="0"/>
+            </a:br>
+            <a:r>
+              <a:rPr lang="en-US" sz="6600" dirty="0" smtClean="0"/>
+              <a:t>and </a:t>
+            </a:r>
+            <a:br>
+              <a:rPr lang="en-US" sz="6600" dirty="0" smtClean="0"/>
+            </a:br>
+            <a:r>
+              <a:rPr lang="en-US" sz="6600" dirty="0" smtClean="0"/>
+              <a:t>Answers</a:t>
+            </a:r>
+            <a:endParaRPr lang="en-US" sz="6600" dirty="0"/>
+          </a:p>
+        </p:txBody>
+      </p:sp>
+      <p:sp>
+        <p:nvSpPr>
+          <p:cNvPr id="8" name="Text Placeholder 7"/>
+          <p:cNvSpPr>
+            <a:spLocks noGrp="1"/>
+          </p:cNvSpPr>
+          <p:nvPr>
+            <p:ph type="body" idx="1"/>
+          </p:nvPr>
+        </p:nvSpPr>
+        <p:spPr/>
+        <p:txBody>
+          <a:bodyPr/>
+          <a:lstStyle/>
+          <a:p>
+            <a:pPr algn="ctr"/>
+            <a:r>
+              <a:rPr lang="en-US" dirty="0"/>
+              <a:t>THANK YOU VERY MUCH!</a:t>
+            </a:r>
+          </a:p>
+        </p:txBody>
+      </p:sp>
+      <p:sp>
+        <p:nvSpPr>
+          <p:cNvPr id="4" name="Date Placeholder 3"/>
+          <p:cNvSpPr>
+            <a:spLocks noGrp="1"/>
+          </p:cNvSpPr>
+          <p:nvPr>
+            <p:ph type="dt" sz="half" idx="10"/>
+          </p:nvPr>
+        </p:nvSpPr>
+        <p:spPr/>
+        <p:txBody>
+          <a:bodyPr/>
+          <a:lstStyle/>
+          <a:p>
+            <a:r>
+              <a:rPr lang="en-US" smtClean="0"/>
+              <a:t>Group 6</a:t>
+            </a:r>
+            <a:endParaRPr lang="en-US" dirty="0"/>
+          </a:p>
+        </p:txBody>
+      </p:sp>
+      <p:sp>
+        <p:nvSpPr>
+          <p:cNvPr id="5" name="Footer Placeholder 4"/>
+          <p:cNvSpPr>
+            <a:spLocks noGrp="1"/>
+          </p:cNvSpPr>
+          <p:nvPr>
+            <p:ph type="ftr" sz="quarter" idx="11"/>
+          </p:nvPr>
+        </p:nvSpPr>
+        <p:spPr/>
+        <p:txBody>
+          <a:bodyPr/>
+          <a:lstStyle/>
+          <a:p>
+            <a:r>
+              <a:rPr lang="en-US" smtClean="0"/>
+              <a:t>Maid Service</a:t>
+            </a:r>
+            <a:endParaRPr lang="en-US" dirty="0"/>
+          </a:p>
+        </p:txBody>
+      </p:sp>
+      <p:sp>
+        <p:nvSpPr>
+          <p:cNvPr id="6" name="Slide Number Placeholder 5"/>
+          <p:cNvSpPr>
+            <a:spLocks noGrp="1"/>
+          </p:cNvSpPr>
+          <p:nvPr>
+            <p:ph type="sldNum" sz="quarter" idx="12"/>
+          </p:nvPr>
+        </p:nvSpPr>
+        <p:spPr/>
+        <p:txBody>
+          <a:bodyPr/>
+          <a:lstStyle/>
+          <a:p>
+            <a:fld id="{6113E31D-E2AB-40D1-8B51-AFA5AFEF393A}" type="slidenum">
+              <a:rPr lang="en-US" smtClean="0"/>
+              <a:pPr/>
+              <a:t>10</a:t>
+            </a:fld>
+            <a:endParaRPr lang="en-US" dirty="0"/>
+          </a:p>
+        </p:txBody>
+      </p:sp>
+      <p:pic>
+        <p:nvPicPr>
+          <p:cNvPr id="9" name="Picture 8"/>
+          <p:cNvPicPr>
+            <a:picLocks noChangeAspect="1"/>
+          </p:cNvPicPr>
+          <p:nvPr/>
+        </p:nvPicPr>
+        <p:blipFill>
+          <a:blip r:embed="rId2">
+            <a:extLst>
+              <a:ext uri="{28A0092B-C50C-407E-A947-70E740481C1C}">
+                <a14:useLocalDpi xmlns:a14="http://schemas.microsoft.com/office/drawing/2010/main" xmlns="" val="0"/>
+              </a:ext>
+            </a:extLst>
+          </a:blip>
+          <a:stretch>
+            <a:fillRect/>
+          </a:stretch>
+        </p:blipFill>
+        <p:spPr>
+          <a:xfrm>
+            <a:off x="8249003" y="66355"/>
+            <a:ext cx="822961" cy="822961"/>
+          </a:xfrm>
+          <a:prstGeom prst="ellipse">
+            <a:avLst/>
+          </a:prstGeom>
+          <a:ln>
+            <a:noFill/>
+          </a:ln>
+          <a:effectLst>
+            <a:reflection blurRad="6350" stA="52000" endA="300" endPos="35000" dir="5400000" sy="-100000" algn="bl" rotWithShape="0"/>
+          </a:effectLst>
+        </p:spPr>
+      </p:pic>
+    </p:spTree>
+    <p:extLst>
+      <p:ext uri="{BB962C8B-B14F-4D97-AF65-F5344CB8AC3E}">
+        <p14:creationId xmlns:p14="http://schemas.microsoft.com/office/powerpoint/2010/main" xmlns="" val="373820533"/>
       </p:ext>
     </p:extLst>
   </p:cSld>
@@ -12998,7 +13895,7 @@
             <p:ph idx="1"/>
             <p:extLst>
               <p:ext uri="{D42A27DB-BD31-4B8C-83A1-F6EECF244321}">
-                <p14:modId xmlns:p14="http://schemas.microsoft.com/office/powerpoint/2010/main" val="913984542"/>
+                <p14:modId xmlns:p14="http://schemas.microsoft.com/office/powerpoint/2010/main" xmlns="" val="913984542"/>
               </p:ext>
             </p:extLst>
           </p:nvPr>
@@ -13279,7 +14176,7 @@
           <a:blip r:embed="rId7">
             <a:extLst>
               <a:ext uri="{28A0092B-C50C-407E-A947-70E740481C1C}">
-                <a14:useLocalDpi xmlns:a14="http://schemas.microsoft.com/office/drawing/2010/main" val="0"/>
+                <a14:useLocalDpi xmlns:a14="http://schemas.microsoft.com/office/drawing/2010/main" xmlns="" val="0"/>
               </a:ext>
             </a:extLst>
           </a:blip>
@@ -13306,7 +14203,7 @@
     </p:spTree>
     <p:extLst>
       <p:ext uri="{BB962C8B-B14F-4D97-AF65-F5344CB8AC3E}">
-        <p14:creationId xmlns:p14="http://schemas.microsoft.com/office/powerpoint/2010/main" val="2747474174"/>
+        <p14:creationId xmlns:p14="http://schemas.microsoft.com/office/powerpoint/2010/main" xmlns="" val="2747474174"/>
       </p:ext>
     </p:extLst>
   </p:cSld>
@@ -13925,7 +14822,7 @@
           <a:blip r:embed="rId3">
             <a:extLst>
               <a:ext uri="{28A0092B-C50C-407E-A947-70E740481C1C}">
-                <a14:useLocalDpi xmlns:a14="http://schemas.microsoft.com/office/drawing/2010/main" val="0"/>
+                <a14:useLocalDpi xmlns:a14="http://schemas.microsoft.com/office/drawing/2010/main" xmlns="" val="0"/>
               </a:ext>
             </a:extLst>
           </a:blip>
@@ -13952,7 +14849,7 @@
     </p:spTree>
     <p:extLst>
       <p:ext uri="{BB962C8B-B14F-4D97-AF65-F5344CB8AC3E}">
-        <p14:creationId xmlns:p14="http://schemas.microsoft.com/office/powerpoint/2010/main" val="666675940"/>
+        <p14:creationId xmlns:p14="http://schemas.microsoft.com/office/powerpoint/2010/main" xmlns="" val="666675940"/>
       </p:ext>
     </p:extLst>
   </p:cSld>
@@ -15259,7 +16156,7 @@
           <a:blip r:embed="rId2">
             <a:extLst>
               <a:ext uri="{28A0092B-C50C-407E-A947-70E740481C1C}">
-                <a14:useLocalDpi xmlns:a14="http://schemas.microsoft.com/office/drawing/2010/main" val="0"/>
+                <a14:useLocalDpi xmlns:a14="http://schemas.microsoft.com/office/drawing/2010/main" xmlns="" val="0"/>
               </a:ext>
             </a:extLst>
           </a:blip>
@@ -15286,7 +16183,7 @@
     </p:spTree>
     <p:extLst>
       <p:ext uri="{BB962C8B-B14F-4D97-AF65-F5344CB8AC3E}">
-        <p14:creationId xmlns:p14="http://schemas.microsoft.com/office/powerpoint/2010/main" val="1234319806"/>
+        <p14:creationId xmlns:p14="http://schemas.microsoft.com/office/powerpoint/2010/main" xmlns="" val="1234319806"/>
       </p:ext>
     </p:extLst>
   </p:cSld>
@@ -16650,7 +17547,7 @@
           <a:blip r:embed="rId2">
             <a:extLst>
               <a:ext uri="{28A0092B-C50C-407E-A947-70E740481C1C}">
-                <a14:useLocalDpi xmlns:a14="http://schemas.microsoft.com/office/drawing/2010/main" val="0"/>
+                <a14:useLocalDpi xmlns:a14="http://schemas.microsoft.com/office/drawing/2010/main" xmlns="" val="0"/>
               </a:ext>
             </a:extLst>
           </a:blip>
@@ -16677,7 +17574,7 @@
     </p:spTree>
     <p:extLst>
       <p:ext uri="{BB962C8B-B14F-4D97-AF65-F5344CB8AC3E}">
-        <p14:creationId xmlns:p14="http://schemas.microsoft.com/office/powerpoint/2010/main" val="237696583"/>
+        <p14:creationId xmlns:p14="http://schemas.microsoft.com/office/powerpoint/2010/main" xmlns="" val="237696583"/>
       </p:ext>
     </p:extLst>
   </p:cSld>
@@ -16913,7 +17810,7 @@
           <a:blip r:embed="rId2">
             <a:extLst>
               <a:ext uri="{28A0092B-C50C-407E-A947-70E740481C1C}">
-                <a14:useLocalDpi xmlns:a14="http://schemas.microsoft.com/office/drawing/2010/main" val="0"/>
+                <a14:useLocalDpi xmlns:a14="http://schemas.microsoft.com/office/drawing/2010/main" xmlns="" val="0"/>
               </a:ext>
             </a:extLst>
           </a:blip>
@@ -17053,7 +17950,7 @@
           <a:blip r:embed="rId3">
             <a:extLst>
               <a:ext uri="{28A0092B-C50C-407E-A947-70E740481C1C}">
-                <a14:useLocalDpi xmlns:a14="http://schemas.microsoft.com/office/drawing/2010/main" val="0"/>
+                <a14:useLocalDpi xmlns:a14="http://schemas.microsoft.com/office/drawing/2010/main" xmlns="" val="0"/>
               </a:ext>
             </a:extLst>
           </a:blip>
@@ -17119,7 +18016,7 @@
           <a:blip r:embed="rId4">
             <a:extLst>
               <a:ext uri="{28A0092B-C50C-407E-A947-70E740481C1C}">
-                <a14:useLocalDpi xmlns:a14="http://schemas.microsoft.com/office/drawing/2010/main" val="0"/>
+                <a14:useLocalDpi xmlns:a14="http://schemas.microsoft.com/office/drawing/2010/main" xmlns="" val="0"/>
               </a:ext>
             </a:extLst>
           </a:blip>
@@ -17337,7 +18234,7 @@
           <a:blip r:embed="rId2">
             <a:extLst>
               <a:ext uri="{28A0092B-C50C-407E-A947-70E740481C1C}">
-                <a14:useLocalDpi xmlns:a14="http://schemas.microsoft.com/office/drawing/2010/main" val="0"/>
+                <a14:useLocalDpi xmlns:a14="http://schemas.microsoft.com/office/drawing/2010/main" xmlns="" val="0"/>
               </a:ext>
             </a:extLst>
           </a:blip>
@@ -17458,7 +18355,7 @@
           <a:blip r:embed="rId4">
             <a:extLst>
               <a:ext uri="{28A0092B-C50C-407E-A947-70E740481C1C}">
-                <a14:useLocalDpi xmlns:a14="http://schemas.microsoft.com/office/drawing/2010/main" val="0"/>
+                <a14:useLocalDpi xmlns:a14="http://schemas.microsoft.com/office/drawing/2010/main" xmlns="" val="0"/>
               </a:ext>
             </a:extLst>
           </a:blip>
@@ -17739,7 +18636,7 @@
     </p:spTree>
     <p:extLst>
       <p:ext uri="{BB962C8B-B14F-4D97-AF65-F5344CB8AC3E}">
-        <p14:creationId xmlns:p14="http://schemas.microsoft.com/office/powerpoint/2010/main" val="4287588076"/>
+        <p14:creationId xmlns:p14="http://schemas.microsoft.com/office/powerpoint/2010/main" xmlns="" val="4287588076"/>
       </p:ext>
     </p:extLst>
   </p:cSld>
@@ -18314,7 +19211,7 @@
           <a:blip r:embed="rId3">
             <a:extLst>
               <a:ext uri="{28A0092B-C50C-407E-A947-70E740481C1C}">
-                <a14:useLocalDpi xmlns:a14="http://schemas.microsoft.com/office/drawing/2010/main" val="0"/>
+                <a14:useLocalDpi xmlns:a14="http://schemas.microsoft.com/office/drawing/2010/main" xmlns="" val="0"/>
               </a:ext>
             </a:extLst>
           </a:blip>
@@ -18358,7 +19255,7 @@
             <a:blip r:embed="rId4">
               <a:extLst>
                 <a:ext uri="{28A0092B-C50C-407E-A947-70E740481C1C}">
-                  <a14:useLocalDpi xmlns:a14="http://schemas.microsoft.com/office/drawing/2010/main" val="0"/>
+                  <a14:useLocalDpi xmlns:a14="http://schemas.microsoft.com/office/drawing/2010/main" xmlns="" val="0"/>
                 </a:ext>
               </a:extLst>
             </a:blip>
@@ -18790,7 +19687,7 @@
           <a:blip r:embed="rId7">
             <a:extLst>
               <a:ext uri="{28A0092B-C50C-407E-A947-70E740481C1C}">
-                <a14:useLocalDpi xmlns:a14="http://schemas.microsoft.com/office/drawing/2010/main" val="0"/>
+                <a14:useLocalDpi xmlns:a14="http://schemas.microsoft.com/office/drawing/2010/main" xmlns="" val="0"/>
               </a:ext>
             </a:extLst>
           </a:blip>
@@ -18820,7 +19717,7 @@
           <a:blip r:embed="rId8">
             <a:extLst>
               <a:ext uri="{28A0092B-C50C-407E-A947-70E740481C1C}">
-                <a14:useLocalDpi xmlns:a14="http://schemas.microsoft.com/office/drawing/2010/main" val="0"/>
+                <a14:useLocalDpi xmlns:a14="http://schemas.microsoft.com/office/drawing/2010/main" xmlns="" val="0"/>
               </a:ext>
             </a:extLst>
           </a:blip>
@@ -18850,7 +19747,7 @@
           <a:blip r:embed="rId9">
             <a:extLst>
               <a:ext uri="{28A0092B-C50C-407E-A947-70E740481C1C}">
-                <a14:useLocalDpi xmlns:a14="http://schemas.microsoft.com/office/drawing/2010/main" val="0"/>
+                <a14:useLocalDpi xmlns:a14="http://schemas.microsoft.com/office/drawing/2010/main" xmlns="" val="0"/>
               </a:ext>
             </a:extLst>
           </a:blip>
@@ -18880,7 +19777,7 @@
           <a:blip r:embed="rId10">
             <a:extLst>
               <a:ext uri="{28A0092B-C50C-407E-A947-70E740481C1C}">
-                <a14:useLocalDpi xmlns:a14="http://schemas.microsoft.com/office/drawing/2010/main" val="0"/>
+                <a14:useLocalDpi xmlns:a14="http://schemas.microsoft.com/office/drawing/2010/main" xmlns="" val="0"/>
               </a:ext>
             </a:extLst>
           </a:blip>
@@ -18910,7 +19807,7 @@
           <a:blip r:embed="rId11">
             <a:extLst>
               <a:ext uri="{28A0092B-C50C-407E-A947-70E740481C1C}">
-                <a14:useLocalDpi xmlns:a14="http://schemas.microsoft.com/office/drawing/2010/main" val="0"/>
+                <a14:useLocalDpi xmlns:a14="http://schemas.microsoft.com/office/drawing/2010/main" xmlns="" val="0"/>
               </a:ext>
             </a:extLst>
           </a:blip>
@@ -18940,7 +19837,7 @@
           <a:blip r:embed="rId12">
             <a:extLst>
               <a:ext uri="{28A0092B-C50C-407E-A947-70E740481C1C}">
-                <a14:useLocalDpi xmlns:a14="http://schemas.microsoft.com/office/drawing/2010/main" val="0"/>
+                <a14:useLocalDpi xmlns:a14="http://schemas.microsoft.com/office/drawing/2010/main" xmlns="" val="0"/>
               </a:ext>
             </a:extLst>
           </a:blip>
@@ -18970,7 +19867,7 @@
           <a:blip r:embed="rId13">
             <a:extLst>
               <a:ext uri="{28A0092B-C50C-407E-A947-70E740481C1C}">
-                <a14:useLocalDpi xmlns:a14="http://schemas.microsoft.com/office/drawing/2010/main" val="0"/>
+                <a14:useLocalDpi xmlns:a14="http://schemas.microsoft.com/office/drawing/2010/main" xmlns="" val="0"/>
               </a:ext>
             </a:extLst>
           </a:blip>
@@ -18991,7 +19888,7 @@
     </p:spTree>
     <p:extLst>
       <p:ext uri="{BB962C8B-B14F-4D97-AF65-F5344CB8AC3E}">
-        <p14:creationId xmlns:p14="http://schemas.microsoft.com/office/powerpoint/2010/main" val="666675940"/>
+        <p14:creationId xmlns:p14="http://schemas.microsoft.com/office/powerpoint/2010/main" xmlns="" val="666675940"/>
       </p:ext>
     </p:extLst>
   </p:cSld>
@@ -20097,6 +20994,319 @@
           <a:p>
             <a:r>
               <a:rPr lang="en-US" dirty="0" smtClean="0"/>
+              <a:t>Cancel applying</a:t>
+            </a:r>
+            <a:endParaRPr lang="en-US" dirty="0"/>
+          </a:p>
+        </p:txBody>
+      </p:sp>
+      <p:sp>
+        <p:nvSpPr>
+          <p:cNvPr id="3" name="Content Placeholder 2"/>
+          <p:cNvSpPr>
+            <a:spLocks noGrp="1"/>
+          </p:cNvSpPr>
+          <p:nvPr>
+            <p:ph idx="1"/>
+          </p:nvPr>
+        </p:nvSpPr>
+        <p:spPr/>
+        <p:txBody>
+          <a:bodyPr/>
+          <a:lstStyle/>
+          <a:p>
+            <a:pPr>
+              <a:buFont typeface="Arial" pitchFamily="34" charset="0"/>
+              <a:buChar char="•"/>
+            </a:pPr>
+            <a:r>
+              <a:rPr lang="en-US" b="1" u="sng" dirty="0" smtClean="0"/>
+              <a:t> Reasons:</a:t>
+            </a:r>
+          </a:p>
+          <a:p>
+            <a:pPr lvl="1">
+              <a:buNone/>
+            </a:pPr>
+            <a:r>
+              <a:rPr lang="en-US" dirty="0" smtClean="0"/>
+              <a:t>		</a:t>
+            </a:r>
+          </a:p>
+          <a:p>
+            <a:pPr lvl="1">
+              <a:buNone/>
+            </a:pPr>
+            <a:r>
+              <a:rPr lang="en-US" dirty="0" smtClean="0"/>
+              <a:t>	</a:t>
+            </a:r>
+            <a:r>
+              <a:rPr lang="en-US" dirty="0" smtClean="0"/>
+              <a:t>	        Can not contact the applied maid.</a:t>
+            </a:r>
+          </a:p>
+          <a:p>
+            <a:pPr lvl="1">
+              <a:buNone/>
+            </a:pPr>
+            <a:endParaRPr lang="en-US" dirty="0" smtClean="0"/>
+          </a:p>
+          <a:p>
+            <a:pPr lvl="1">
+              <a:buFontTx/>
+              <a:buChar char="-"/>
+            </a:pPr>
+            <a:endParaRPr lang="en-US" dirty="0" smtClean="0"/>
+          </a:p>
+          <a:p>
+            <a:pPr lvl="1">
+              <a:buNone/>
+            </a:pPr>
+            <a:r>
+              <a:rPr lang="en-US" dirty="0" smtClean="0"/>
+              <a:t>			</a:t>
+            </a:r>
+          </a:p>
+          <a:p>
+            <a:pPr lvl="1">
+              <a:buNone/>
+            </a:pPr>
+            <a:r>
+              <a:rPr lang="en-US" dirty="0" smtClean="0"/>
+              <a:t>	</a:t>
+            </a:r>
+            <a:r>
+              <a:rPr lang="en-US" dirty="0" smtClean="0"/>
+              <a:t>	        The applied maid is not fit with demands.</a:t>
+            </a:r>
+          </a:p>
+          <a:p>
+            <a:pPr lvl="1">
+              <a:buNone/>
+            </a:pPr>
+            <a:endParaRPr lang="en-US" dirty="0" smtClean="0"/>
+          </a:p>
+          <a:p>
+            <a:pPr lvl="1">
+              <a:buNone/>
+            </a:pPr>
+            <a:endParaRPr lang="en-US" dirty="0" smtClean="0"/>
+          </a:p>
+          <a:p>
+            <a:pPr lvl="1">
+              <a:buNone/>
+            </a:pPr>
+            <a:r>
+              <a:rPr lang="en-US" dirty="0" smtClean="0"/>
+              <a:t>			</a:t>
+            </a:r>
+          </a:p>
+          <a:p>
+            <a:pPr lvl="1">
+              <a:buNone/>
+            </a:pPr>
+            <a:r>
+              <a:rPr lang="en-US" dirty="0" smtClean="0"/>
+              <a:t>	</a:t>
+            </a:r>
+            <a:r>
+              <a:rPr lang="en-US" dirty="0" smtClean="0"/>
+              <a:t>	        Customer wants to hire new maid after the probation period.</a:t>
+            </a:r>
+          </a:p>
+          <a:p>
+            <a:pPr>
+              <a:buNone/>
+            </a:pPr>
+            <a:endParaRPr lang="en-US" dirty="0"/>
+          </a:p>
+        </p:txBody>
+      </p:sp>
+      <p:sp>
+        <p:nvSpPr>
+          <p:cNvPr id="4" name="Date Placeholder 3"/>
+          <p:cNvSpPr>
+            <a:spLocks noGrp="1"/>
+          </p:cNvSpPr>
+          <p:nvPr>
+            <p:ph type="dt" sz="half" idx="10"/>
+          </p:nvPr>
+        </p:nvSpPr>
+        <p:spPr/>
+        <p:txBody>
+          <a:bodyPr/>
+          <a:lstStyle/>
+          <a:p>
+            <a:r>
+              <a:rPr lang="en-US" smtClean="0"/>
+              <a:t>Group 6</a:t>
+            </a:r>
+            <a:endParaRPr lang="en-US" dirty="0"/>
+          </a:p>
+        </p:txBody>
+      </p:sp>
+      <p:sp>
+        <p:nvSpPr>
+          <p:cNvPr id="5" name="Footer Placeholder 4"/>
+          <p:cNvSpPr>
+            <a:spLocks noGrp="1"/>
+          </p:cNvSpPr>
+          <p:nvPr>
+            <p:ph type="ftr" sz="quarter" idx="11"/>
+          </p:nvPr>
+        </p:nvSpPr>
+        <p:spPr/>
+        <p:txBody>
+          <a:bodyPr/>
+          <a:lstStyle/>
+          <a:p>
+            <a:r>
+              <a:rPr lang="en-US" smtClean="0"/>
+              <a:t>Maid Service</a:t>
+            </a:r>
+            <a:endParaRPr lang="en-US" dirty="0"/>
+          </a:p>
+        </p:txBody>
+      </p:sp>
+      <p:sp>
+        <p:nvSpPr>
+          <p:cNvPr id="6" name="Slide Number Placeholder 5"/>
+          <p:cNvSpPr>
+            <a:spLocks noGrp="1"/>
+          </p:cNvSpPr>
+          <p:nvPr>
+            <p:ph type="sldNum" sz="quarter" idx="12"/>
+          </p:nvPr>
+        </p:nvSpPr>
+        <p:spPr/>
+        <p:txBody>
+          <a:bodyPr/>
+          <a:lstStyle/>
+          <a:p>
+            <a:fld id="{6113E31D-E2AB-40D1-8B51-AFA5AFEF393A}" type="slidenum">
+              <a:rPr lang="en-US" smtClean="0"/>
+              <a:pPr/>
+              <a:t>8</a:t>
+            </a:fld>
+            <a:endParaRPr lang="en-US" dirty="0"/>
+          </a:p>
+        </p:txBody>
+      </p:sp>
+      <p:pic>
+        <p:nvPicPr>
+          <p:cNvPr id="7" name="Picture 6" descr="no_mobils.png"/>
+          <p:cNvPicPr>
+            <a:picLocks noChangeAspect="1"/>
+          </p:cNvPicPr>
+          <p:nvPr/>
+        </p:nvPicPr>
+        <p:blipFill>
+          <a:blip r:embed="rId2"/>
+          <a:stretch>
+            <a:fillRect/>
+          </a:stretch>
+        </p:blipFill>
+        <p:spPr>
+          <a:xfrm>
+            <a:off x="951544" y="2238235"/>
+            <a:ext cx="955633" cy="955633"/>
+          </a:xfrm>
+          <a:prstGeom prst="rect">
+            <a:avLst/>
+          </a:prstGeom>
+        </p:spPr>
+      </p:pic>
+      <p:pic>
+        <p:nvPicPr>
+          <p:cNvPr id="8" name="Picture 7" descr="maid-women-4.jpg"/>
+          <p:cNvPicPr>
+            <a:picLocks noChangeAspect="1"/>
+          </p:cNvPicPr>
+          <p:nvPr/>
+        </p:nvPicPr>
+        <p:blipFill>
+          <a:blip r:embed="rId3"/>
+          <a:stretch>
+            <a:fillRect/>
+          </a:stretch>
+        </p:blipFill>
+        <p:spPr>
+          <a:xfrm>
+            <a:off x="964910" y="3313612"/>
+            <a:ext cx="1048512" cy="1066800"/>
+          </a:xfrm>
+          <a:prstGeom prst="rect">
+            <a:avLst/>
+          </a:prstGeom>
+        </p:spPr>
+      </p:pic>
+      <p:pic>
+        <p:nvPicPr>
+          <p:cNvPr id="9" name="Picture 8" descr="Editors54261f275c637f2946df.jpg"/>
+          <p:cNvPicPr>
+            <a:picLocks noChangeAspect="1"/>
+          </p:cNvPicPr>
+          <p:nvPr/>
+        </p:nvPicPr>
+        <p:blipFill>
+          <a:blip r:embed="rId4"/>
+          <a:stretch>
+            <a:fillRect/>
+          </a:stretch>
+        </p:blipFill>
+        <p:spPr>
+          <a:xfrm>
+            <a:off x="935627" y="4547507"/>
+            <a:ext cx="1213213" cy="1213213"/>
+          </a:xfrm>
+          <a:prstGeom prst="rect">
+            <a:avLst/>
+          </a:prstGeom>
+        </p:spPr>
+      </p:pic>
+    </p:spTree>
+  </p:cSld>
+  <p:clrMapOvr>
+    <a:masterClrMapping/>
+  </p:clrMapOvr>
+</p:sld>
+</file>
+
+<file path=ppt/slides/slide9.xml><?xml version="1.0" encoding="utf-8"?>
+<p:sld xmlns:a="http://schemas.openxmlformats.org/drawingml/2006/main" xmlns:r="http://schemas.openxmlformats.org/officeDocument/2006/relationships" xmlns:p="http://schemas.openxmlformats.org/presentationml/2006/main">
+  <p:cSld>
+    <p:spTree>
+      <p:nvGrpSpPr>
+        <p:cNvPr id="1" name=""/>
+        <p:cNvGrpSpPr/>
+        <p:nvPr/>
+      </p:nvGrpSpPr>
+      <p:grpSpPr>
+        <a:xfrm>
+          <a:off x="0" y="0"/>
+          <a:ext cx="0" cy="0"/>
+          <a:chOff x="0" y="0"/>
+          <a:chExt cx="0" cy="0"/>
+        </a:xfrm>
+      </p:grpSpPr>
+      <p:sp>
+        <p:nvSpPr>
+          <p:cNvPr id="2" name="Title 1"/>
+          <p:cNvSpPr>
+            <a:spLocks noGrp="1"/>
+          </p:cNvSpPr>
+          <p:nvPr>
+            <p:ph type="title"/>
+          </p:nvPr>
+        </p:nvSpPr>
+        <p:spPr/>
+        <p:txBody>
+          <a:bodyPr/>
+          <a:lstStyle/>
+          <a:p>
+            <a:r>
+              <a:rPr lang="en-US" dirty="0" smtClean="0"/>
               <a:t>Cancel applying and report demo</a:t>
             </a:r>
             <a:endParaRPr lang="en-US" dirty="0"/>
@@ -20167,7 +21377,7 @@
             <a:fld id="{6113E31D-E2AB-40D1-8B51-AFA5AFEF393A}" type="slidenum">
               <a:rPr lang="en-US" smtClean="0"/>
               <a:pPr/>
-              <a:t>8</a:t>
+              <a:t>9</a:t>
             </a:fld>
             <a:endParaRPr lang="en-US" dirty="0"/>
           </a:p>
@@ -20185,7 +21395,7 @@
           <a:blip r:embed="rId3">
             <a:extLst>
               <a:ext uri="{28A0092B-C50C-407E-A947-70E740481C1C}">
-                <a14:useLocalDpi xmlns:a14="http://schemas.microsoft.com/office/drawing/2010/main" val="0"/>
+                <a14:useLocalDpi xmlns:a14="http://schemas.microsoft.com/office/drawing/2010/main" xmlns="" val="0"/>
               </a:ext>
             </a:extLst>
           </a:blip>
@@ -20229,7 +21439,7 @@
             <a:blip r:embed="rId4">
               <a:extLst>
                 <a:ext uri="{28A0092B-C50C-407E-A947-70E740481C1C}">
-                  <a14:useLocalDpi xmlns:a14="http://schemas.microsoft.com/office/drawing/2010/main" val="0"/>
+                  <a14:useLocalDpi xmlns:a14="http://schemas.microsoft.com/office/drawing/2010/main" xmlns="" val="0"/>
                 </a:ext>
               </a:extLst>
             </a:blip>
@@ -20718,7 +21928,7 @@
           <a:blip r:embed="rId8">
             <a:extLst>
               <a:ext uri="{28A0092B-C50C-407E-A947-70E740481C1C}">
-                <a14:useLocalDpi xmlns:a14="http://schemas.microsoft.com/office/drawing/2010/main" val="0"/>
+                <a14:useLocalDpi xmlns:a14="http://schemas.microsoft.com/office/drawing/2010/main" xmlns="" val="0"/>
               </a:ext>
             </a:extLst>
           </a:blip>
@@ -20748,7 +21958,7 @@
           <a:blip r:embed="rId9">
             <a:extLst>
               <a:ext uri="{28A0092B-C50C-407E-A947-70E740481C1C}">
-                <a14:useLocalDpi xmlns:a14="http://schemas.microsoft.com/office/drawing/2010/main" val="0"/>
+                <a14:useLocalDpi xmlns:a14="http://schemas.microsoft.com/office/drawing/2010/main" xmlns="" val="0"/>
               </a:ext>
             </a:extLst>
           </a:blip>
@@ -20778,7 +21988,7 @@
           <a:blip r:embed="rId10">
             <a:extLst>
               <a:ext uri="{28A0092B-C50C-407E-A947-70E740481C1C}">
-                <a14:useLocalDpi xmlns:a14="http://schemas.microsoft.com/office/drawing/2010/main" val="0"/>
+                <a14:useLocalDpi xmlns:a14="http://schemas.microsoft.com/office/drawing/2010/main" xmlns="" val="0"/>
               </a:ext>
             </a:extLst>
           </a:blip>
@@ -20808,7 +22018,7 @@
           <a:blip r:embed="rId11">
             <a:extLst>
               <a:ext uri="{28A0092B-C50C-407E-A947-70E740481C1C}">
-                <a14:useLocalDpi xmlns:a14="http://schemas.microsoft.com/office/drawing/2010/main" val="0"/>
+                <a14:useLocalDpi xmlns:a14="http://schemas.microsoft.com/office/drawing/2010/main" xmlns="" val="0"/>
               </a:ext>
             </a:extLst>
           </a:blip>
@@ -20838,7 +22048,7 @@
           <a:blip r:embed="rId12">
             <a:extLst>
               <a:ext uri="{28A0092B-C50C-407E-A947-70E740481C1C}">
-                <a14:useLocalDpi xmlns:a14="http://schemas.microsoft.com/office/drawing/2010/main" val="0"/>
+                <a14:useLocalDpi xmlns:a14="http://schemas.microsoft.com/office/drawing/2010/main" xmlns="" val="0"/>
               </a:ext>
             </a:extLst>
           </a:blip>
@@ -20859,7 +22069,7 @@
     </p:spTree>
     <p:extLst>
       <p:ext uri="{BB962C8B-B14F-4D97-AF65-F5344CB8AC3E}">
-        <p14:creationId xmlns:p14="http://schemas.microsoft.com/office/powerpoint/2010/main" val="666675940"/>
+        <p14:creationId xmlns:p14="http://schemas.microsoft.com/office/powerpoint/2010/main" xmlns="" val="666675940"/>
       </p:ext>
     </p:extLst>
   </p:cSld>
@@ -21742,221 +22952,6 @@
 </p:sld>
 </file>
 
-<file path=ppt/slides/slide9.xml><?xml version="1.0" encoding="utf-8"?>
-<p:sld xmlns:a="http://schemas.openxmlformats.org/drawingml/2006/main" xmlns:r="http://schemas.openxmlformats.org/officeDocument/2006/relationships" xmlns:p="http://schemas.openxmlformats.org/presentationml/2006/main">
-  <p:cSld>
-    <p:spTree>
-      <p:nvGrpSpPr>
-        <p:cNvPr id="1" name=""/>
-        <p:cNvGrpSpPr/>
-        <p:nvPr/>
-      </p:nvGrpSpPr>
-      <p:grpSpPr>
-        <a:xfrm>
-          <a:off x="0" y="0"/>
-          <a:ext cx="0" cy="0"/>
-          <a:chOff x="0" y="0"/>
-          <a:chExt cx="0" cy="0"/>
-        </a:xfrm>
-      </p:grpSpPr>
-      <p:sp>
-        <p:nvSpPr>
-          <p:cNvPr id="7" name="Title 6"/>
-          <p:cNvSpPr>
-            <a:spLocks noGrp="1"/>
-          </p:cNvSpPr>
-          <p:nvPr>
-            <p:ph type="title"/>
-          </p:nvPr>
-        </p:nvSpPr>
-        <p:spPr>
-          <a:xfrm>
-            <a:off x="801290" y="1970465"/>
-            <a:ext cx="7543800" cy="2482663"/>
-          </a:xfrm>
-        </p:spPr>
-        <p:txBody>
-          <a:bodyPr>
-            <a:noAutofit/>
-          </a:bodyPr>
-          <a:lstStyle/>
-          <a:p>
-            <a:pPr algn="ctr"/>
-            <a:r>
-              <a:rPr lang="en-US" sz="6600" dirty="0"/>
-              <a:t>Questions </a:t>
-            </a:r>
-            <a:r>
-              <a:rPr lang="en-US" sz="6600" dirty="0" smtClean="0"/>
-              <a:t/>
-            </a:r>
-            <a:br>
-              <a:rPr lang="en-US" sz="6600" dirty="0" smtClean="0"/>
-            </a:br>
-            <a:r>
-              <a:rPr lang="en-US" sz="6600" dirty="0" smtClean="0"/>
-              <a:t>and </a:t>
-            </a:r>
-            <a:br>
-              <a:rPr lang="en-US" sz="6600" dirty="0" smtClean="0"/>
-            </a:br>
-            <a:r>
-              <a:rPr lang="en-US" sz="6600" dirty="0" smtClean="0"/>
-              <a:t>Answers</a:t>
-            </a:r>
-            <a:endParaRPr lang="en-US" sz="6600" dirty="0"/>
-          </a:p>
-        </p:txBody>
-      </p:sp>
-      <p:sp>
-        <p:nvSpPr>
-          <p:cNvPr id="8" name="Text Placeholder 7"/>
-          <p:cNvSpPr>
-            <a:spLocks noGrp="1"/>
-          </p:cNvSpPr>
-          <p:nvPr>
-            <p:ph type="body" idx="1"/>
-          </p:nvPr>
-        </p:nvSpPr>
-        <p:spPr/>
-        <p:txBody>
-          <a:bodyPr/>
-          <a:lstStyle/>
-          <a:p>
-            <a:pPr algn="ctr"/>
-            <a:r>
-              <a:rPr lang="en-US" dirty="0"/>
-              <a:t>THANK YOU VERY MUCH!</a:t>
-            </a:r>
-          </a:p>
-        </p:txBody>
-      </p:sp>
-      <p:sp>
-        <p:nvSpPr>
-          <p:cNvPr id="4" name="Date Placeholder 3"/>
-          <p:cNvSpPr>
-            <a:spLocks noGrp="1"/>
-          </p:cNvSpPr>
-          <p:nvPr>
-            <p:ph type="dt" sz="half" idx="10"/>
-          </p:nvPr>
-        </p:nvSpPr>
-        <p:spPr/>
-        <p:txBody>
-          <a:bodyPr/>
-          <a:lstStyle/>
-          <a:p>
-            <a:r>
-              <a:rPr lang="en-US" smtClean="0"/>
-              <a:t>Group 6</a:t>
-            </a:r>
-            <a:endParaRPr lang="en-US" dirty="0"/>
-          </a:p>
-        </p:txBody>
-      </p:sp>
-      <p:sp>
-        <p:nvSpPr>
-          <p:cNvPr id="5" name="Footer Placeholder 4"/>
-          <p:cNvSpPr>
-            <a:spLocks noGrp="1"/>
-          </p:cNvSpPr>
-          <p:nvPr>
-            <p:ph type="ftr" sz="quarter" idx="11"/>
-          </p:nvPr>
-        </p:nvSpPr>
-        <p:spPr/>
-        <p:txBody>
-          <a:bodyPr/>
-          <a:lstStyle/>
-          <a:p>
-            <a:r>
-              <a:rPr lang="en-US" smtClean="0"/>
-              <a:t>Maid Service</a:t>
-            </a:r>
-            <a:endParaRPr lang="en-US" dirty="0"/>
-          </a:p>
-        </p:txBody>
-      </p:sp>
-      <p:sp>
-        <p:nvSpPr>
-          <p:cNvPr id="6" name="Slide Number Placeholder 5"/>
-          <p:cNvSpPr>
-            <a:spLocks noGrp="1"/>
-          </p:cNvSpPr>
-          <p:nvPr>
-            <p:ph type="sldNum" sz="quarter" idx="12"/>
-          </p:nvPr>
-        </p:nvSpPr>
-        <p:spPr/>
-        <p:txBody>
-          <a:bodyPr/>
-          <a:lstStyle/>
-          <a:p>
-            <a:fld id="{6113E31D-E2AB-40D1-8B51-AFA5AFEF393A}" type="slidenum">
-              <a:rPr lang="en-US" smtClean="0"/>
-              <a:pPr/>
-              <a:t>9</a:t>
-            </a:fld>
-            <a:endParaRPr lang="en-US" dirty="0"/>
-          </a:p>
-        </p:txBody>
-      </p:sp>
-      <p:pic>
-        <p:nvPicPr>
-          <p:cNvPr id="9" name="Picture 8"/>
-          <p:cNvPicPr>
-            <a:picLocks noChangeAspect="1"/>
-          </p:cNvPicPr>
-          <p:nvPr/>
-        </p:nvPicPr>
-        <p:blipFill>
-          <a:blip r:embed="rId2">
-            <a:extLst>
-              <a:ext uri="{28A0092B-C50C-407E-A947-70E740481C1C}">
-                <a14:useLocalDpi xmlns:a14="http://schemas.microsoft.com/office/drawing/2010/main" val="0"/>
-              </a:ext>
-            </a:extLst>
-          </a:blip>
-          <a:stretch>
-            <a:fillRect/>
-          </a:stretch>
-        </p:blipFill>
-        <p:spPr>
-          <a:xfrm>
-            <a:off x="8249003" y="66355"/>
-            <a:ext cx="822961" cy="822961"/>
-          </a:xfrm>
-          <a:prstGeom prst="ellipse">
-            <a:avLst/>
-          </a:prstGeom>
-          <a:ln>
-            <a:noFill/>
-          </a:ln>
-          <a:effectLst>
-            <a:reflection blurRad="6350" stA="52000" endA="300" endPos="35000" dir="5400000" sy="-100000" algn="bl" rotWithShape="0"/>
-          </a:effectLst>
-        </p:spPr>
-      </p:pic>
-    </p:spTree>
-    <p:extLst>
-      <p:ext uri="{BB962C8B-B14F-4D97-AF65-F5344CB8AC3E}">
-        <p14:creationId xmlns:p14="http://schemas.microsoft.com/office/powerpoint/2010/main" val="373820533"/>
-      </p:ext>
-    </p:extLst>
-  </p:cSld>
-  <p:clrMapOvr>
-    <a:masterClrMapping/>
-  </p:clrMapOvr>
-  <p:timing>
-    <p:tnLst>
-      <p:par>
-        <p:cTn id="1" dur="indefinite" restart="never" nodeType="tmRoot"/>
-      </p:par>
-    </p:tnLst>
-  </p:timing>
-</p:sld>
-</file>
-
 <file path=ppt/theme/theme1.xml><?xml version="1.0" encoding="utf-8"?>
 <a:theme xmlns:a="http://schemas.openxmlformats.org/drawingml/2006/main" name="Retrospect">
   <a:themeElements>
@@ -22258,7 +23253,7 @@
   <a:extraClrSchemeLst/>
   <a:extLst>
     <a:ext uri="{05A4C25C-085E-4340-85A3-A5531E510DB2}">
-      <thm15:themeFamily xmlns:thm15="http://schemas.microsoft.com/office/thememl/2012/main" name="Retrospect" id="{5F128B03-DCCA-4EEB-AB3B-CF2899314A46}" vid="{D26EA377-59BD-4C9C-9D94-EE8416EE4C79}"/>
+      <thm15:themeFamily xmlns:thm15="http://schemas.microsoft.com/office/thememl/2012/main" xmlns="" name="Retrospect" id="{5F128B03-DCCA-4EEB-AB3B-CF2899314A46}" vid="{D26EA377-59BD-4C9C-9D94-EE8416EE4C79}"/>
     </a:ext>
   </a:extLst>
 </a:theme>
@@ -22541,7 +23536,7 @@
   <a:extraClrSchemeLst/>
   <a:extLst>
     <a:ext uri="{05A4C25C-085E-4340-85A3-A5531E510DB2}">
-      <thm15:themeFamily xmlns:thm15="http://schemas.microsoft.com/office/thememl/2012/main" name="Retrospect" id="{5F128B03-DCCA-4EEB-AB3B-CF2899314A46}" vid="{D26EA377-59BD-4C9C-9D94-EE8416EE4C79}"/>
+      <thm15:themeFamily xmlns:thm15="http://schemas.microsoft.com/office/thememl/2012/main" xmlns="" name="Retrospect" id="{5F128B03-DCCA-4EEB-AB3B-CF2899314A46}" vid="{D26EA377-59BD-4C9C-9D94-EE8416EE4C79}"/>
     </a:ext>
   </a:extLst>
 </a:theme>
@@ -22802,7 +23797,7 @@
   <a:extraClrSchemeLst/>
   <a:extLst>
     <a:ext uri="{05A4C25C-085E-4340-85A3-A5531E510DB2}">
-      <thm15:themeFamily xmlns:thm15="http://schemas.microsoft.com/office/thememl/2012/main" name="Office Theme" id="{62F939B6-93AF-4DB8-9C6B-D6C7DFDC589F}" vid="{4A3C46E8-61CC-4603-A589-7422A47A8E4A}"/>
+      <thm15:themeFamily xmlns:thm15="http://schemas.microsoft.com/office/thememl/2012/main" xmlns="" name="Office Theme" id="{62F939B6-93AF-4DB8-9C6B-D6C7DFDC589F}" vid="{4A3C46E8-61CC-4603-A589-7422A47A8E4A}"/>
     </a:ext>
   </a:extLst>
 </a:theme>
@@ -23063,7 +24058,7 @@
   <a:extraClrSchemeLst/>
   <a:extLst>
     <a:ext uri="{05A4C25C-085E-4340-85A3-A5531E510DB2}">
-      <thm15:themeFamily xmlns:thm15="http://schemas.microsoft.com/office/thememl/2012/main" name="Office Theme" id="{62F939B6-93AF-4DB8-9C6B-D6C7DFDC589F}" vid="{4A3C46E8-61CC-4603-A589-7422A47A8E4A}"/>
+      <thm15:themeFamily xmlns:thm15="http://schemas.microsoft.com/office/thememl/2012/main" xmlns="" name="Office Theme" id="{62F939B6-93AF-4DB8-9C6B-D6C7DFDC589F}" vid="{4A3C46E8-61CC-4603-A589-7422A47A8E4A}"/>
     </a:ext>
   </a:extLst>
 </a:theme>

--- a/trunk/Presentation/MS_Slide_2.0.pptx
+++ b/trunk/Presentation/MS_Slide_2.0.pptx
@@ -122,7 +122,7 @@
   </p:defaultTextStyle>
   <p:extLst>
     <p:ext uri="{EFAFB233-063F-42B5-8137-9DF3F51BA10A}">
-      <p15:sldGuideLst xmlns:p15="http://schemas.microsoft.com/office/powerpoint/2012/main" xmlns="">
+      <p15:sldGuideLst xmlns:p15="http://schemas.microsoft.com/office/powerpoint/2012/main">
         <p15:guide id="1" pos="2880" userDrawn="1">
           <p15:clr>
             <a:srgbClr val="A4A3A4"/>
@@ -144,7 +144,7 @@
   <p:cmAuthor id="1" name="Tuân Bùi Tiến" initials="TBT" lastIdx="1" clrIdx="0">
     <p:extLst>
       <p:ext uri="{19B8F6BF-5375-455C-9EA6-DF929625EA0E}">
-        <p15:presenceInfo xmlns:p15="http://schemas.microsoft.com/office/powerpoint/2012/main" xmlns="" userId="0cb1e858a0857d96" providerId="Windows Live"/>
+        <p15:presenceInfo xmlns:p15="http://schemas.microsoft.com/office/powerpoint/2012/main" userId="0cb1e858a0857d96" providerId="Windows Live"/>
       </p:ext>
     </p:extLst>
   </p:cmAuthor>
@@ -1406,13 +1406,13 @@
     </dgm:pt>
   </dgm:ptLst>
   <dgm:cxnLst>
+    <dgm:cxn modelId="{A453504B-BF66-4179-9AE3-6BBA6BDE81FE}" type="presOf" srcId="{3DD78082-59B8-4034-8BE7-201D5173DB5B}" destId="{E5C74BB2-407C-4C7A-BBAC-CE09B1A53261}" srcOrd="0" destOrd="0" presId="urn:microsoft.com/office/officeart/2008/layout/VerticalCurvedList"/>
+    <dgm:cxn modelId="{0C36A486-7182-4981-A183-4D4AEF3BF2F4}" type="presOf" srcId="{EE33058E-4366-4BC2-A582-6C3D2B104915}" destId="{D5D63219-35F0-43D3-8417-188ADDADE577}" srcOrd="0" destOrd="0" presId="urn:microsoft.com/office/officeart/2008/layout/VerticalCurvedList"/>
+    <dgm:cxn modelId="{AB4A90FE-D53F-4984-977E-597B0C8DD2A1}" type="presOf" srcId="{0206C237-BA8D-47A4-8B66-1362DF45C9E6}" destId="{3426D3FF-2216-4F1C-B57C-51711950668F}" srcOrd="0" destOrd="0" presId="urn:microsoft.com/office/officeart/2008/layout/VerticalCurvedList"/>
+    <dgm:cxn modelId="{52AC36B5-1F1E-4B62-B656-6D2611E1FA7C}" type="presOf" srcId="{1CCD80A4-7BF7-431C-9FC7-41DAA8D3FAAB}" destId="{BA3D70A7-0CF4-42E6-ACF4-89DA1F16F828}" srcOrd="0" destOrd="0" presId="urn:microsoft.com/office/officeart/2008/layout/VerticalCurvedList"/>
+    <dgm:cxn modelId="{ACA9514D-F2FA-4ABF-AC27-2DBF483D59F5}" type="presOf" srcId="{FADC98C6-B691-4235-881B-E8955DEB0F9B}" destId="{55BFB2CD-17F2-485E-9587-E7D0985F8E17}" srcOrd="0" destOrd="0" presId="urn:microsoft.com/office/officeart/2008/layout/VerticalCurvedList"/>
     <dgm:cxn modelId="{A13145BB-CE77-48AC-B6D8-61EF278D71B1}" srcId="{EE33058E-4366-4BC2-A582-6C3D2B104915}" destId="{1CCD80A4-7BF7-431C-9FC7-41DAA8D3FAAB}" srcOrd="0" destOrd="0" parTransId="{C2335D92-9DE4-49E7-9552-6EEC33E0A01A}" sibTransId="{3DD78082-59B8-4034-8BE7-201D5173DB5B}"/>
-    <dgm:cxn modelId="{0C36A486-7182-4981-A183-4D4AEF3BF2F4}" type="presOf" srcId="{EE33058E-4366-4BC2-A582-6C3D2B104915}" destId="{D5D63219-35F0-43D3-8417-188ADDADE577}" srcOrd="0" destOrd="0" presId="urn:microsoft.com/office/officeart/2008/layout/VerticalCurvedList"/>
-    <dgm:cxn modelId="{52AC36B5-1F1E-4B62-B656-6D2611E1FA7C}" type="presOf" srcId="{1CCD80A4-7BF7-431C-9FC7-41DAA8D3FAAB}" destId="{BA3D70A7-0CF4-42E6-ACF4-89DA1F16F828}" srcOrd="0" destOrd="0" presId="urn:microsoft.com/office/officeart/2008/layout/VerticalCurvedList"/>
     <dgm:cxn modelId="{3FA94AE0-7B03-435F-8D37-1463BCD04C7F}" srcId="{EE33058E-4366-4BC2-A582-6C3D2B104915}" destId="{FADC98C6-B691-4235-881B-E8955DEB0F9B}" srcOrd="2" destOrd="0" parTransId="{39F86D3C-ABD6-4FF5-A2B1-F70A1F1BDC1C}" sibTransId="{02B4915D-9647-4D43-83AD-182AFFFADD11}"/>
-    <dgm:cxn modelId="{AB4A90FE-D53F-4984-977E-597B0C8DD2A1}" type="presOf" srcId="{0206C237-BA8D-47A4-8B66-1362DF45C9E6}" destId="{3426D3FF-2216-4F1C-B57C-51711950668F}" srcOrd="0" destOrd="0" presId="urn:microsoft.com/office/officeart/2008/layout/VerticalCurvedList"/>
-    <dgm:cxn modelId="{A453504B-BF66-4179-9AE3-6BBA6BDE81FE}" type="presOf" srcId="{3DD78082-59B8-4034-8BE7-201D5173DB5B}" destId="{E5C74BB2-407C-4C7A-BBAC-CE09B1A53261}" srcOrd="0" destOrd="0" presId="urn:microsoft.com/office/officeart/2008/layout/VerticalCurvedList"/>
-    <dgm:cxn modelId="{ACA9514D-F2FA-4ABF-AC27-2DBF483D59F5}" type="presOf" srcId="{FADC98C6-B691-4235-881B-E8955DEB0F9B}" destId="{55BFB2CD-17F2-485E-9587-E7D0985F8E17}" srcOrd="0" destOrd="0" presId="urn:microsoft.com/office/officeart/2008/layout/VerticalCurvedList"/>
     <dgm:cxn modelId="{ED59DA7E-CB15-4326-A756-1FED3D29C026}" srcId="{EE33058E-4366-4BC2-A582-6C3D2B104915}" destId="{0206C237-BA8D-47A4-8B66-1362DF45C9E6}" srcOrd="1" destOrd="0" parTransId="{92246644-9D70-4ECB-AD8D-9C79034093AD}" sibTransId="{C23ED707-3C96-4E9B-A24A-E838617229D8}"/>
     <dgm:cxn modelId="{852C85F2-49C6-4EFA-87CC-913F7D82CD74}" type="presParOf" srcId="{D5D63219-35F0-43D3-8417-188ADDADE577}" destId="{8BB6B3B8-F6C9-4FC0-BBAA-FD1AB9AD704F}" srcOrd="0" destOrd="0" presId="urn:microsoft.com/office/officeart/2008/layout/VerticalCurvedList"/>
     <dgm:cxn modelId="{BCE46F11-687E-437D-9D44-ED6605C79B29}" type="presParOf" srcId="{8BB6B3B8-F6C9-4FC0-BBAA-FD1AB9AD704F}" destId="{09F88E44-FB08-48E2-9AD4-AEA624B48CD1}" srcOrd="0" destOrd="0" presId="urn:microsoft.com/office/officeart/2008/layout/VerticalCurvedList"/>
@@ -1434,14 +1434,14 @@
   <dgm:whole/>
   <dgm:extLst>
     <a:ext uri="http://schemas.microsoft.com/office/drawing/2008/diagram">
-      <dsp:dataModelExt xmlns:dsp="http://schemas.microsoft.com/office/drawing/2008/diagram" xmlns="" relId="rId6" minVer="http://schemas.openxmlformats.org/drawingml/2006/diagram"/>
+      <dsp:dataModelExt xmlns:dsp="http://schemas.microsoft.com/office/drawing/2008/diagram" relId="rId7" minVer="http://schemas.openxmlformats.org/drawingml/2006/diagram"/>
     </a:ext>
   </dgm:extLst>
 </dgm:dataModel>
 </file>
 
 <file path=ppt/diagrams/drawing1.xml><?xml version="1.0" encoding="utf-8"?>
-<dsp:drawing xmlns:dgm="http://schemas.openxmlformats.org/drawingml/2006/diagram" xmlns:a="http://schemas.openxmlformats.org/drawingml/2006/main" xmlns:dsp="http://schemas.microsoft.com/office/drawing/2008/diagram">
+<dsp:drawing xmlns:dgm="http://schemas.openxmlformats.org/drawingml/2006/diagram" xmlns:dsp="http://schemas.microsoft.com/office/drawing/2008/diagram" xmlns:a="http://schemas.openxmlformats.org/drawingml/2006/main">
   <dsp:spTree>
     <dsp:nvGrpSpPr>
       <dsp:cNvPr id="0" name=""/>
@@ -4528,7 +4528,7 @@
             <a:fld id="{E4C0CD76-90FD-4E78-B015-66019683F49A}" type="datetimeFigureOut">
               <a:rPr lang="en-US" smtClean="0"/>
               <a:pPr/>
-              <a:t>1/22/2015</a:t>
+              <a:t>1/26/2015</a:t>
             </a:fld>
             <a:endParaRPr lang="en-US"/>
           </a:p>
@@ -4604,7 +4604,7 @@
     </p:spTree>
     <p:extLst>
       <p:ext uri="{BB962C8B-B14F-4D97-AF65-F5344CB8AC3E}">
-        <p14:creationId xmlns:p14="http://schemas.microsoft.com/office/powerpoint/2010/main" xmlns="" val="499418375"/>
+        <p14:creationId xmlns:p14="http://schemas.microsoft.com/office/powerpoint/2010/main" val="499418375"/>
       </p:ext>
     </p:extLst>
   </p:cSld>
@@ -4695,7 +4695,7 @@
             <a:fld id="{364B29F3-0D72-4315-8074-333A98851BF8}" type="datetimeFigureOut">
               <a:rPr lang="en-US" smtClean="0"/>
               <a:pPr/>
-              <a:t>1/22/2015</a:t>
+              <a:t>1/26/2015</a:t>
             </a:fld>
             <a:endParaRPr lang="en-US"/>
           </a:p>
@@ -4864,7 +4864,7 @@
     </p:spTree>
     <p:extLst>
       <p:ext uri="{BB962C8B-B14F-4D97-AF65-F5344CB8AC3E}">
-        <p14:creationId xmlns:p14="http://schemas.microsoft.com/office/powerpoint/2010/main" xmlns="" val="190255619"/>
+        <p14:creationId xmlns:p14="http://schemas.microsoft.com/office/powerpoint/2010/main" val="190255619"/>
       </p:ext>
     </p:extLst>
   </p:cSld>
@@ -5215,14 +5215,9 @@
           <a:p>
             <a:r>
               <a:rPr lang="en-US" baseline="0" dirty="0" smtClean="0"/>
-              <a:t>JR = Blue</a:t>
-            </a:r>
-          </a:p>
-          <a:p>
-            <a:r>
-              <a:rPr lang="en-US" baseline="0" dirty="0" smtClean="0"/>
-              <a:t>RC = Green</a:t>
-            </a:r>
+              <a:t>CHÚNG TÔI</a:t>
+            </a:r>
+            <a:endParaRPr lang="en-US" baseline="0" dirty="0" smtClean="0"/>
           </a:p>
           <a:p>
             <a:endParaRPr lang="en-US" dirty="0"/>
@@ -5256,7 +5251,7 @@
     </p:spTree>
     <p:extLst>
       <p:ext uri="{BB962C8B-B14F-4D97-AF65-F5344CB8AC3E}">
-        <p14:creationId xmlns:p14="http://schemas.microsoft.com/office/powerpoint/2010/main" xmlns="" val="416740946"/>
+        <p14:creationId xmlns:p14="http://schemas.microsoft.com/office/powerpoint/2010/main" val="416740946"/>
       </p:ext>
     </p:extLst>
   </p:cSld>
@@ -5293,12 +5288,7 @@
             <p:ph type="sldImg"/>
           </p:nvPr>
         </p:nvSpPr>
-        <p:spPr>
-          <a:xfrm>
-            <a:off x="1371600" y="1143000"/>
-            <a:ext cx="4114800" cy="3086100"/>
-          </a:xfrm>
-        </p:spPr>
+        <p:spPr/>
       </p:sp>
       <p:sp>
         <p:nvSpPr>
@@ -5315,161 +5305,27 @@
           <a:bodyPr/>
           <a:lstStyle/>
           <a:p>
-            <a:r>
-              <a:rPr lang="en-US" dirty="0" smtClean="0"/>
-              <a:t>-</a:t>
-            </a:r>
-            <a:r>
-              <a:rPr lang="en-US" dirty="0" err="1" smtClean="0"/>
-              <a:t>ứng</a:t>
-            </a:r>
+            <a:pPr marL="0" marR="0" indent="0" algn="l" defTabSz="914400" rtl="0" eaLnBrk="1" fontAlgn="auto" latinLnBrk="0" hangingPunct="1">
+              <a:lnSpc>
+                <a:spcPct val="100000"/>
+              </a:lnSpc>
+              <a:spcBef>
+                <a:spcPts val="0"/>
+              </a:spcBef>
+              <a:spcAft>
+                <a:spcPts val="0"/>
+              </a:spcAft>
+              <a:buClrTx/>
+              <a:buSzTx/>
+              <a:buFontTx/>
+              <a:buNone/>
+              <a:tabLst/>
+              <a:defRPr/>
+            </a:pPr>
             <a:r>
               <a:rPr lang="en-US" baseline="0" dirty="0" smtClean="0"/>
-              <a:t> </a:t>
-            </a:r>
-            <a:r>
-              <a:rPr lang="en-US" baseline="0" dirty="0" err="1" smtClean="0"/>
-              <a:t>tuyển</a:t>
-            </a:r>
-            <a:r>
-              <a:rPr lang="en-US" baseline="0" dirty="0" smtClean="0"/>
-              <a:t> </a:t>
-            </a:r>
-            <a:r>
-              <a:rPr lang="en-US" baseline="0" dirty="0" err="1" smtClean="0"/>
-              <a:t>vào</a:t>
-            </a:r>
-            <a:r>
-              <a:rPr lang="en-US" baseline="0" dirty="0" smtClean="0"/>
-              <a:t> </a:t>
-            </a:r>
-            <a:r>
-              <a:rPr lang="en-US" baseline="0" dirty="0" err="1" smtClean="0"/>
-              <a:t>đơn</a:t>
-            </a:r>
-            <a:r>
-              <a:rPr lang="en-US" baseline="0" dirty="0" smtClean="0"/>
-              <a:t> </a:t>
-            </a:r>
-            <a:r>
-              <a:rPr lang="en-US" baseline="0" dirty="0" err="1" smtClean="0"/>
-              <a:t>tuyển</a:t>
-            </a:r>
-            <a:r>
-              <a:rPr lang="en-US" baseline="0" dirty="0" smtClean="0"/>
-              <a:t> </a:t>
-            </a:r>
-            <a:r>
-              <a:rPr lang="en-US" baseline="0" dirty="0" err="1" smtClean="0"/>
-              <a:t>việc</a:t>
-            </a:r>
-            <a:r>
-              <a:rPr lang="en-US" baseline="0" dirty="0" smtClean="0"/>
-              <a:t>.</a:t>
-            </a:r>
-          </a:p>
-          <a:p>
-            <a:r>
-              <a:rPr lang="en-US" baseline="0" dirty="0" smtClean="0"/>
-              <a:t>-</a:t>
-            </a:r>
-            <a:r>
-              <a:rPr lang="en-US" baseline="0" dirty="0" err="1" smtClean="0"/>
-              <a:t>Hủy</a:t>
-            </a:r>
-            <a:r>
-              <a:rPr lang="en-US" baseline="0" dirty="0" smtClean="0"/>
-              <a:t> </a:t>
-            </a:r>
-            <a:r>
-              <a:rPr lang="en-US" baseline="0" dirty="0" err="1" smtClean="0"/>
-              <a:t>thuê</a:t>
-            </a:r>
-            <a:endParaRPr lang="en-US" baseline="0" dirty="0" smtClean="0"/>
-          </a:p>
-          <a:p>
-            <a:r>
-              <a:rPr lang="en-US" baseline="0" dirty="0" smtClean="0"/>
-              <a:t>-</a:t>
-            </a:r>
-            <a:r>
-              <a:rPr lang="en-US" baseline="0" dirty="0" err="1" smtClean="0"/>
-              <a:t>Báo</a:t>
-            </a:r>
-            <a:r>
-              <a:rPr lang="en-US" baseline="0" dirty="0" smtClean="0"/>
-              <a:t> </a:t>
-            </a:r>
-            <a:r>
-              <a:rPr lang="en-US" baseline="0" dirty="0" err="1" smtClean="0"/>
-              <a:t>xấu</a:t>
-            </a:r>
-            <a:r>
-              <a:rPr lang="en-US" baseline="0" dirty="0" smtClean="0"/>
-              <a:t> </a:t>
-            </a:r>
-            <a:r>
-              <a:rPr lang="en-US" baseline="0" dirty="0" err="1" smtClean="0"/>
-              <a:t>người</a:t>
-            </a:r>
-            <a:r>
-              <a:rPr lang="en-US" baseline="0" dirty="0" smtClean="0"/>
-              <a:t> </a:t>
-            </a:r>
-            <a:r>
-              <a:rPr lang="en-US" baseline="0" dirty="0" err="1" smtClean="0"/>
-              <a:t>giúp</a:t>
-            </a:r>
-            <a:r>
-              <a:rPr lang="en-US" baseline="0" dirty="0" smtClean="0"/>
-              <a:t> </a:t>
-            </a:r>
-            <a:r>
-              <a:rPr lang="en-US" baseline="0" dirty="0" err="1" smtClean="0"/>
-              <a:t>việc</a:t>
-            </a:r>
-            <a:endParaRPr lang="en-US" baseline="0" dirty="0" smtClean="0"/>
-          </a:p>
-          <a:p>
-            <a:r>
-              <a:rPr lang="en-US" baseline="0" dirty="0" smtClean="0"/>
-              <a:t>-Demo</a:t>
-            </a:r>
-          </a:p>
-          <a:p>
-            <a:r>
-              <a:rPr lang="en-US" baseline="0" dirty="0" smtClean="0"/>
-              <a:t>-</a:t>
-            </a:r>
-            <a:r>
-              <a:rPr lang="en-US" baseline="0" dirty="0" err="1" smtClean="0"/>
-              <a:t>Hỏi</a:t>
-            </a:r>
-            <a:r>
-              <a:rPr lang="en-US" baseline="0" dirty="0" smtClean="0"/>
-              <a:t> </a:t>
-            </a:r>
-            <a:r>
-              <a:rPr lang="en-US" baseline="0" dirty="0" err="1" smtClean="0"/>
-              <a:t>và</a:t>
-            </a:r>
-            <a:r>
-              <a:rPr lang="en-US" baseline="0" dirty="0" smtClean="0"/>
-              <a:t> </a:t>
-            </a:r>
-            <a:r>
-              <a:rPr lang="en-US" baseline="0" dirty="0" err="1" smtClean="0"/>
-              <a:t>trả</a:t>
-            </a:r>
-            <a:r>
-              <a:rPr lang="en-US" baseline="0" dirty="0" smtClean="0"/>
-              <a:t> </a:t>
-            </a:r>
-            <a:r>
-              <a:rPr lang="en-US" baseline="0" dirty="0" err="1" smtClean="0"/>
-              <a:t>lời</a:t>
-            </a:r>
-            <a:endParaRPr lang="en-US" dirty="0"/>
+              <a:t>CHÚNG TÔI</a:t>
+            </a:r>
           </a:p>
         </p:txBody>
       </p:sp>
@@ -5491,7 +5347,7 @@
             <a:fld id="{0521FCE3-7D4A-4844-8F6D-60AC8CFC57BE}" type="slidenum">
               <a:rPr lang="en-US" smtClean="0"/>
               <a:pPr/>
-              <a:t>3</a:t>
+              <a:t>2</a:t>
             </a:fld>
             <a:endParaRPr lang="en-US"/>
           </a:p>
@@ -5500,7 +5356,7 @@
     </p:spTree>
     <p:extLst>
       <p:ext uri="{BB962C8B-B14F-4D97-AF65-F5344CB8AC3E}">
-        <p14:creationId xmlns:p14="http://schemas.microsoft.com/office/powerpoint/2010/main" xmlns="" val="2214256827"/>
+        <p14:creationId xmlns:p14="http://schemas.microsoft.com/office/powerpoint/2010/main" val="1246165478"/>
       </p:ext>
     </p:extLst>
   </p:cSld>
@@ -5559,7 +5415,161 @@
           <a:bodyPr/>
           <a:lstStyle/>
           <a:p>
-            <a:endParaRPr lang="en-US"/>
+            <a:r>
+              <a:rPr lang="en-US" dirty="0" smtClean="0"/>
+              <a:t>-</a:t>
+            </a:r>
+            <a:r>
+              <a:rPr lang="en-US" dirty="0" err="1" smtClean="0"/>
+              <a:t>ứng</a:t>
+            </a:r>
+            <a:r>
+              <a:rPr lang="en-US" baseline="0" dirty="0" smtClean="0"/>
+              <a:t> </a:t>
+            </a:r>
+            <a:r>
+              <a:rPr lang="en-US" baseline="0" dirty="0" err="1" smtClean="0"/>
+              <a:t>tuyển</a:t>
+            </a:r>
+            <a:r>
+              <a:rPr lang="en-US" baseline="0" dirty="0" smtClean="0"/>
+              <a:t> </a:t>
+            </a:r>
+            <a:r>
+              <a:rPr lang="en-US" baseline="0" dirty="0" err="1" smtClean="0"/>
+              <a:t>vào</a:t>
+            </a:r>
+            <a:r>
+              <a:rPr lang="en-US" baseline="0" dirty="0" smtClean="0"/>
+              <a:t> </a:t>
+            </a:r>
+            <a:r>
+              <a:rPr lang="en-US" baseline="0" dirty="0" err="1" smtClean="0"/>
+              <a:t>đơn</a:t>
+            </a:r>
+            <a:r>
+              <a:rPr lang="en-US" baseline="0" dirty="0" smtClean="0"/>
+              <a:t> </a:t>
+            </a:r>
+            <a:r>
+              <a:rPr lang="en-US" baseline="0" dirty="0" err="1" smtClean="0"/>
+              <a:t>tuyển</a:t>
+            </a:r>
+            <a:r>
+              <a:rPr lang="en-US" baseline="0" dirty="0" smtClean="0"/>
+              <a:t> </a:t>
+            </a:r>
+            <a:r>
+              <a:rPr lang="en-US" baseline="0" dirty="0" err="1" smtClean="0"/>
+              <a:t>việc</a:t>
+            </a:r>
+            <a:r>
+              <a:rPr lang="en-US" baseline="0" dirty="0" smtClean="0"/>
+              <a:t>.</a:t>
+            </a:r>
+          </a:p>
+          <a:p>
+            <a:r>
+              <a:rPr lang="en-US" baseline="0" dirty="0" smtClean="0"/>
+              <a:t>-</a:t>
+            </a:r>
+            <a:r>
+              <a:rPr lang="en-US" baseline="0" dirty="0" err="1" smtClean="0"/>
+              <a:t>Hủy</a:t>
+            </a:r>
+            <a:r>
+              <a:rPr lang="en-US" baseline="0" dirty="0" smtClean="0"/>
+              <a:t> </a:t>
+            </a:r>
+            <a:r>
+              <a:rPr lang="en-US" baseline="0" dirty="0" err="1" smtClean="0"/>
+              <a:t>thuê</a:t>
+            </a:r>
+            <a:endParaRPr lang="en-US" baseline="0" dirty="0" smtClean="0"/>
+          </a:p>
+          <a:p>
+            <a:r>
+              <a:rPr lang="en-US" baseline="0" dirty="0" smtClean="0"/>
+              <a:t>-</a:t>
+            </a:r>
+            <a:r>
+              <a:rPr lang="en-US" baseline="0" dirty="0" err="1" smtClean="0"/>
+              <a:t>Báo</a:t>
+            </a:r>
+            <a:r>
+              <a:rPr lang="en-US" baseline="0" dirty="0" smtClean="0"/>
+              <a:t> </a:t>
+            </a:r>
+            <a:r>
+              <a:rPr lang="en-US" baseline="0" dirty="0" err="1" smtClean="0"/>
+              <a:t>xấu</a:t>
+            </a:r>
+            <a:r>
+              <a:rPr lang="en-US" baseline="0" dirty="0" smtClean="0"/>
+              <a:t> </a:t>
+            </a:r>
+            <a:r>
+              <a:rPr lang="en-US" baseline="0" dirty="0" err="1" smtClean="0"/>
+              <a:t>người</a:t>
+            </a:r>
+            <a:r>
+              <a:rPr lang="en-US" baseline="0" dirty="0" smtClean="0"/>
+              <a:t> </a:t>
+            </a:r>
+            <a:r>
+              <a:rPr lang="en-US" baseline="0" dirty="0" err="1" smtClean="0"/>
+              <a:t>giúp</a:t>
+            </a:r>
+            <a:r>
+              <a:rPr lang="en-US" baseline="0" dirty="0" smtClean="0"/>
+              <a:t> </a:t>
+            </a:r>
+            <a:r>
+              <a:rPr lang="en-US" baseline="0" dirty="0" err="1" smtClean="0"/>
+              <a:t>việc</a:t>
+            </a:r>
+            <a:endParaRPr lang="en-US" baseline="0" dirty="0" smtClean="0"/>
+          </a:p>
+          <a:p>
+            <a:r>
+              <a:rPr lang="en-US" baseline="0" dirty="0" smtClean="0"/>
+              <a:t>-Demo</a:t>
+            </a:r>
+          </a:p>
+          <a:p>
+            <a:r>
+              <a:rPr lang="en-US" baseline="0" dirty="0" smtClean="0"/>
+              <a:t>-</a:t>
+            </a:r>
+            <a:r>
+              <a:rPr lang="en-US" baseline="0" dirty="0" err="1" smtClean="0"/>
+              <a:t>Hỏi</a:t>
+            </a:r>
+            <a:r>
+              <a:rPr lang="en-US" baseline="0" dirty="0" smtClean="0"/>
+              <a:t> </a:t>
+            </a:r>
+            <a:r>
+              <a:rPr lang="en-US" baseline="0" dirty="0" err="1" smtClean="0"/>
+              <a:t>và</a:t>
+            </a:r>
+            <a:r>
+              <a:rPr lang="en-US" baseline="0" dirty="0" smtClean="0"/>
+              <a:t> </a:t>
+            </a:r>
+            <a:r>
+              <a:rPr lang="en-US" baseline="0" dirty="0" err="1" smtClean="0"/>
+              <a:t>trả</a:t>
+            </a:r>
+            <a:r>
+              <a:rPr lang="en-US" baseline="0" dirty="0" smtClean="0"/>
+              <a:t> </a:t>
+            </a:r>
+            <a:r>
+              <a:rPr lang="en-US" baseline="0" dirty="0" err="1" smtClean="0"/>
+              <a:t>lời</a:t>
+            </a:r>
+            <a:endParaRPr lang="en-US" dirty="0"/>
           </a:p>
         </p:txBody>
       </p:sp>
@@ -5581,7 +5591,7 @@
             <a:fld id="{0521FCE3-7D4A-4844-8F6D-60AC8CFC57BE}" type="slidenum">
               <a:rPr lang="en-US" smtClean="0"/>
               <a:pPr/>
-              <a:t>7</a:t>
+              <a:t>3</a:t>
             </a:fld>
             <a:endParaRPr lang="en-US"/>
           </a:p>
@@ -5590,7 +5600,7 @@
     </p:spTree>
     <p:extLst>
       <p:ext uri="{BB962C8B-B14F-4D97-AF65-F5344CB8AC3E}">
-        <p14:creationId xmlns:p14="http://schemas.microsoft.com/office/powerpoint/2010/main" xmlns="" val="2214256827"/>
+        <p14:creationId xmlns:p14="http://schemas.microsoft.com/office/powerpoint/2010/main" val="2214256827"/>
       </p:ext>
     </p:extLst>
   </p:cSld>
@@ -5627,12 +5637,7 @@
             <p:ph type="sldImg"/>
           </p:nvPr>
         </p:nvSpPr>
-        <p:spPr>
-          <a:xfrm>
-            <a:off x="1371600" y="1143000"/>
-            <a:ext cx="4114800" cy="3086100"/>
-          </a:xfrm>
-        </p:spPr>
+        <p:spPr/>
       </p:sp>
       <p:sp>
         <p:nvSpPr>
@@ -5649,7 +5654,418 @@
           <a:bodyPr/>
           <a:lstStyle/>
           <a:p>
-            <a:endParaRPr lang="en-US"/>
+            <a:r>
+              <a:rPr lang="en-US" dirty="0" smtClean="0"/>
+              <a:t>CHÚNG</a:t>
+            </a:r>
+            <a:r>
+              <a:rPr lang="en-US" baseline="0" dirty="0" smtClean="0"/>
+              <a:t> TÔI</a:t>
+            </a:r>
+          </a:p>
+          <a:p>
+            <a:r>
+              <a:rPr lang="en-US" baseline="0" dirty="0" err="1" smtClean="0"/>
+              <a:t>Đơn</a:t>
+            </a:r>
+            <a:r>
+              <a:rPr lang="en-US" baseline="0" dirty="0" smtClean="0"/>
+              <a:t> </a:t>
+            </a:r>
+            <a:r>
+              <a:rPr lang="en-US" baseline="0" dirty="0" err="1" smtClean="0"/>
+              <a:t>tuyển</a:t>
+            </a:r>
+            <a:r>
+              <a:rPr lang="en-US" baseline="0" dirty="0" smtClean="0"/>
+              <a:t> </a:t>
+            </a:r>
+            <a:r>
+              <a:rPr lang="en-US" baseline="0" dirty="0" err="1" smtClean="0"/>
+              <a:t>dụng</a:t>
+            </a:r>
+            <a:endParaRPr lang="en-US" baseline="0" dirty="0" smtClean="0"/>
+          </a:p>
+          <a:p>
+            <a:r>
+              <a:rPr lang="en-US" baseline="0" dirty="0" smtClean="0"/>
+              <a:t>-</a:t>
+            </a:r>
+            <a:r>
+              <a:rPr lang="en-US" baseline="0" dirty="0" err="1" smtClean="0"/>
+              <a:t>Quá</a:t>
+            </a:r>
+            <a:r>
+              <a:rPr lang="en-US" baseline="0" dirty="0" smtClean="0"/>
+              <a:t> </a:t>
+            </a:r>
+            <a:r>
+              <a:rPr lang="en-US" baseline="0" dirty="0" err="1" smtClean="0"/>
+              <a:t>trình</a:t>
+            </a:r>
+            <a:r>
+              <a:rPr lang="en-US" baseline="0" dirty="0" smtClean="0"/>
+              <a:t> </a:t>
+            </a:r>
+            <a:r>
+              <a:rPr lang="en-US" baseline="0" dirty="0" err="1" smtClean="0"/>
+              <a:t>làm</a:t>
+            </a:r>
+            <a:r>
+              <a:rPr lang="en-US" baseline="0" dirty="0" smtClean="0"/>
+              <a:t> </a:t>
+            </a:r>
+            <a:r>
+              <a:rPr lang="en-US" baseline="0" dirty="0" err="1" smtClean="0"/>
+              <a:t>mới</a:t>
+            </a:r>
+            <a:r>
+              <a:rPr lang="en-US" baseline="0" dirty="0" smtClean="0"/>
+              <a:t> </a:t>
+            </a:r>
+            <a:r>
+              <a:rPr lang="en-US" baseline="0" dirty="0" err="1" smtClean="0"/>
+              <a:t>các</a:t>
+            </a:r>
+            <a:r>
+              <a:rPr lang="en-US" baseline="0" dirty="0" smtClean="0"/>
+              <a:t> </a:t>
+            </a:r>
+            <a:r>
+              <a:rPr lang="en-US" baseline="0" dirty="0" err="1" smtClean="0"/>
+              <a:t>chức</a:t>
+            </a:r>
+            <a:r>
+              <a:rPr lang="en-US" baseline="0" dirty="0" smtClean="0"/>
+              <a:t> </a:t>
+            </a:r>
+            <a:r>
+              <a:rPr lang="en-US" baseline="0" dirty="0" err="1" smtClean="0"/>
+              <a:t>năng</a:t>
+            </a:r>
+            <a:r>
+              <a:rPr lang="en-US" baseline="0" dirty="0" smtClean="0"/>
+              <a:t> </a:t>
+            </a:r>
+            <a:r>
+              <a:rPr lang="en-US" baseline="0" dirty="0" err="1" smtClean="0"/>
+              <a:t>nên</a:t>
+            </a:r>
+            <a:r>
+              <a:rPr lang="en-US" baseline="0" dirty="0" smtClean="0"/>
+              <a:t> </a:t>
+            </a:r>
+            <a:r>
+              <a:rPr lang="en-US" baseline="0" dirty="0" err="1" smtClean="0"/>
+              <a:t>chúng</a:t>
+            </a:r>
+            <a:r>
+              <a:rPr lang="en-US" baseline="0" dirty="0" smtClean="0"/>
+              <a:t> </a:t>
+            </a:r>
+            <a:r>
+              <a:rPr lang="en-US" baseline="0" dirty="0" err="1" smtClean="0"/>
+              <a:t>tôi</a:t>
+            </a:r>
+            <a:r>
+              <a:rPr lang="en-US" baseline="0" dirty="0" smtClean="0"/>
+              <a:t> </a:t>
+            </a:r>
+            <a:r>
+              <a:rPr lang="en-US" baseline="0" dirty="0" err="1" smtClean="0"/>
+              <a:t>có</a:t>
+            </a:r>
+            <a:r>
+              <a:rPr lang="en-US" baseline="0" dirty="0" smtClean="0"/>
+              <a:t> </a:t>
+            </a:r>
+            <a:r>
+              <a:rPr lang="en-US" baseline="0" dirty="0" err="1" smtClean="0"/>
+              <a:t>sự</a:t>
+            </a:r>
+            <a:r>
+              <a:rPr lang="en-US" baseline="0" dirty="0" smtClean="0"/>
+              <a:t> </a:t>
+            </a:r>
+            <a:r>
+              <a:rPr lang="en-US" baseline="0" dirty="0" err="1" smtClean="0"/>
+              <a:t>thay</a:t>
+            </a:r>
+            <a:r>
+              <a:rPr lang="en-US" baseline="0" dirty="0" smtClean="0"/>
+              <a:t> </a:t>
+            </a:r>
+            <a:r>
+              <a:rPr lang="en-US" baseline="0" dirty="0" err="1" smtClean="0"/>
+              <a:t>đổi</a:t>
+            </a:r>
+            <a:r>
+              <a:rPr lang="en-US" baseline="0" dirty="0" smtClean="0"/>
+              <a:t> </a:t>
+            </a:r>
+            <a:r>
+              <a:rPr lang="en-US" baseline="0" dirty="0" err="1" smtClean="0"/>
+              <a:t>một</a:t>
+            </a:r>
+            <a:r>
+              <a:rPr lang="en-US" baseline="0" dirty="0" smtClean="0"/>
+              <a:t> </a:t>
+            </a:r>
+            <a:r>
+              <a:rPr lang="en-US" baseline="0" dirty="0" err="1" smtClean="0"/>
+              <a:t>vài</a:t>
+            </a:r>
+            <a:r>
+              <a:rPr lang="en-US" baseline="0" dirty="0" smtClean="0"/>
+              <a:t> </a:t>
+            </a:r>
+            <a:r>
+              <a:rPr lang="en-US" baseline="0" dirty="0" err="1" smtClean="0"/>
+              <a:t>thứ</a:t>
+            </a:r>
+            <a:r>
+              <a:rPr lang="en-US" baseline="0" dirty="0" smtClean="0"/>
+              <a:t> </a:t>
+            </a:r>
+            <a:r>
+              <a:rPr lang="en-US" baseline="0" dirty="0" err="1" smtClean="0"/>
+              <a:t>về</a:t>
+            </a:r>
+            <a:r>
+              <a:rPr lang="en-US" baseline="0" dirty="0" smtClean="0"/>
+              <a:t> </a:t>
+            </a:r>
+            <a:r>
+              <a:rPr lang="en-US" baseline="0" dirty="0" err="1" smtClean="0"/>
+              <a:t>trạng</a:t>
+            </a:r>
+            <a:r>
+              <a:rPr lang="en-US" baseline="0" dirty="0" smtClean="0"/>
+              <a:t> </a:t>
+            </a:r>
+            <a:r>
+              <a:rPr lang="en-US" baseline="0" dirty="0" err="1" smtClean="0"/>
+              <a:t>thái</a:t>
+            </a:r>
+            <a:r>
+              <a:rPr lang="en-US" baseline="0" dirty="0" smtClean="0"/>
+              <a:t>.</a:t>
+            </a:r>
+          </a:p>
+          <a:p>
+            <a:r>
+              <a:rPr lang="en-US" baseline="0" dirty="0" smtClean="0"/>
+              <a:t>5 </a:t>
+            </a:r>
+            <a:r>
+              <a:rPr lang="en-US" baseline="0" dirty="0" err="1" smtClean="0"/>
+              <a:t>trạng</a:t>
+            </a:r>
+            <a:r>
+              <a:rPr lang="en-US" baseline="0" dirty="0" smtClean="0"/>
+              <a:t> </a:t>
+            </a:r>
+            <a:r>
+              <a:rPr lang="en-US" baseline="0" dirty="0" err="1" smtClean="0"/>
+              <a:t>thái</a:t>
+            </a:r>
+            <a:r>
+              <a:rPr lang="en-US" baseline="0" dirty="0" smtClean="0"/>
+              <a:t>:</a:t>
+            </a:r>
+          </a:p>
+          <a:p>
+            <a:r>
+              <a:rPr lang="en-US" baseline="0" dirty="0" smtClean="0"/>
+              <a:t>Waiting: </a:t>
+            </a:r>
+            <a:r>
+              <a:rPr lang="en-US" baseline="0" dirty="0" err="1" smtClean="0"/>
+              <a:t>Vừa</a:t>
+            </a:r>
+            <a:r>
+              <a:rPr lang="en-US" baseline="0" dirty="0" smtClean="0"/>
+              <a:t> </a:t>
+            </a:r>
+            <a:r>
+              <a:rPr lang="en-US" baseline="0" dirty="0" err="1" smtClean="0"/>
+              <a:t>đăng</a:t>
+            </a:r>
+            <a:r>
+              <a:rPr lang="en-US" baseline="0" dirty="0" smtClean="0"/>
+              <a:t> </a:t>
+            </a:r>
+            <a:r>
+              <a:rPr lang="en-US" baseline="0" dirty="0" err="1" smtClean="0"/>
+              <a:t>lên</a:t>
+            </a:r>
+            <a:r>
+              <a:rPr lang="en-US" baseline="0" dirty="0" smtClean="0"/>
+              <a:t> </a:t>
+            </a:r>
+            <a:r>
+              <a:rPr lang="en-US" baseline="0" dirty="0" err="1" smtClean="0"/>
+              <a:t>bởi</a:t>
+            </a:r>
+            <a:r>
+              <a:rPr lang="en-US" baseline="0" dirty="0" smtClean="0"/>
+              <a:t> Customer.</a:t>
+            </a:r>
+          </a:p>
+          <a:p>
+            <a:r>
+              <a:rPr lang="en-US" baseline="0" dirty="0" smtClean="0"/>
+              <a:t>Applied: </a:t>
+            </a:r>
+            <a:r>
+              <a:rPr lang="en-US" baseline="0" dirty="0" err="1" smtClean="0"/>
+              <a:t>Thông</a:t>
+            </a:r>
+            <a:r>
+              <a:rPr lang="en-US" baseline="0" dirty="0" smtClean="0"/>
+              <a:t> </a:t>
+            </a:r>
+            <a:r>
+              <a:rPr lang="en-US" baseline="0" dirty="0" err="1" smtClean="0"/>
+              <a:t>báo</a:t>
+            </a:r>
+            <a:r>
+              <a:rPr lang="en-US" baseline="0" dirty="0" smtClean="0"/>
+              <a:t> </a:t>
+            </a:r>
+            <a:r>
+              <a:rPr lang="en-US" baseline="0" dirty="0" err="1" smtClean="0"/>
+              <a:t>đơn</a:t>
+            </a:r>
+            <a:r>
+              <a:rPr lang="en-US" baseline="0" dirty="0" smtClean="0"/>
+              <a:t> </a:t>
+            </a:r>
+            <a:r>
+              <a:rPr lang="en-US" baseline="0" dirty="0" err="1" smtClean="0"/>
+              <a:t>đã</a:t>
+            </a:r>
+            <a:r>
+              <a:rPr lang="en-US" baseline="0" dirty="0" smtClean="0"/>
+              <a:t> </a:t>
+            </a:r>
+            <a:r>
+              <a:rPr lang="en-US" baseline="0" dirty="0" err="1" smtClean="0"/>
+              <a:t>được</a:t>
+            </a:r>
+            <a:r>
+              <a:rPr lang="en-US" baseline="0" dirty="0" smtClean="0"/>
+              <a:t> </a:t>
+            </a:r>
+            <a:r>
+              <a:rPr lang="en-US" baseline="0" dirty="0" err="1" smtClean="0"/>
+              <a:t>thuê</a:t>
+            </a:r>
+            <a:r>
+              <a:rPr lang="en-US" baseline="0" dirty="0" smtClean="0"/>
+              <a:t>.</a:t>
+            </a:r>
+          </a:p>
+          <a:p>
+            <a:r>
+              <a:rPr lang="en-US" baseline="0" dirty="0" smtClean="0"/>
+              <a:t>Approved: </a:t>
+            </a:r>
+            <a:r>
+              <a:rPr lang="en-US" baseline="0" dirty="0" err="1" smtClean="0"/>
+              <a:t>Có</a:t>
+            </a:r>
+            <a:r>
+              <a:rPr lang="en-US" baseline="0" dirty="0" smtClean="0"/>
+              <a:t> </a:t>
+            </a:r>
+            <a:r>
+              <a:rPr lang="en-US" baseline="0" dirty="0" err="1" smtClean="0"/>
+              <a:t>thể</a:t>
+            </a:r>
+            <a:r>
+              <a:rPr lang="en-US" baseline="0" dirty="0" smtClean="0"/>
+              <a:t> commend.</a:t>
+            </a:r>
+          </a:p>
+          <a:p>
+            <a:r>
+              <a:rPr lang="en-US" baseline="0" dirty="0" smtClean="0"/>
+              <a:t>Expired: </a:t>
+            </a:r>
+            <a:r>
+              <a:rPr lang="en-US" baseline="0" dirty="0" err="1" smtClean="0"/>
+              <a:t>Hết</a:t>
+            </a:r>
+            <a:r>
+              <a:rPr lang="en-US" baseline="0" dirty="0" smtClean="0"/>
+              <a:t> </a:t>
+            </a:r>
+            <a:r>
+              <a:rPr lang="en-US" baseline="0" dirty="0" err="1" smtClean="0"/>
+              <a:t>hạn</a:t>
+            </a:r>
+            <a:r>
+              <a:rPr lang="en-US" baseline="0" dirty="0" smtClean="0"/>
+              <a:t>.</a:t>
+            </a:r>
+          </a:p>
+          <a:p>
+            <a:r>
+              <a:rPr lang="en-US" baseline="0" dirty="0" smtClean="0"/>
+              <a:t>Hide: </a:t>
+            </a:r>
+            <a:r>
+              <a:rPr lang="en-US" baseline="0" dirty="0" err="1" smtClean="0"/>
+              <a:t>Ẩn</a:t>
+            </a:r>
+            <a:r>
+              <a:rPr lang="en-US" baseline="0" dirty="0" smtClean="0"/>
+              <a:t>.</a:t>
+            </a:r>
+          </a:p>
+          <a:p>
+            <a:r>
+              <a:rPr lang="en-US" baseline="0" dirty="0" smtClean="0"/>
+              <a:t>-</a:t>
+            </a:r>
+            <a:r>
+              <a:rPr lang="en-US" baseline="0" dirty="0" err="1" smtClean="0"/>
+              <a:t>Chức</a:t>
+            </a:r>
+            <a:r>
+              <a:rPr lang="en-US" baseline="0" dirty="0" smtClean="0"/>
+              <a:t> </a:t>
+            </a:r>
+            <a:r>
+              <a:rPr lang="en-US" baseline="0" dirty="0" err="1" smtClean="0"/>
+              <a:t>năng</a:t>
+            </a:r>
+            <a:r>
+              <a:rPr lang="en-US" baseline="0" dirty="0" smtClean="0"/>
+              <a:t> </a:t>
+            </a:r>
+            <a:r>
+              <a:rPr lang="en-US" baseline="0" dirty="0" err="1" smtClean="0"/>
+              <a:t>mới</a:t>
+            </a:r>
+            <a:r>
+              <a:rPr lang="en-US" baseline="0" dirty="0" smtClean="0"/>
+              <a:t> ở </a:t>
+            </a:r>
+            <a:r>
+              <a:rPr lang="en-US" baseline="0" dirty="0" err="1" smtClean="0"/>
+              <a:t>Hủy</a:t>
+            </a:r>
+            <a:r>
+              <a:rPr lang="en-US" baseline="0" dirty="0" smtClean="0"/>
+              <a:t> </a:t>
+            </a:r>
+            <a:r>
+              <a:rPr lang="en-US" baseline="0" dirty="0" err="1" smtClean="0"/>
+              <a:t>Thuê</a:t>
+            </a:r>
+            <a:endParaRPr lang="en-US" baseline="0" dirty="0" smtClean="0"/>
           </a:p>
         </p:txBody>
       </p:sp>
@@ -5671,6 +6087,437 @@
             <a:fld id="{0521FCE3-7D4A-4844-8F6D-60AC8CFC57BE}" type="slidenum">
               <a:rPr lang="en-US" smtClean="0"/>
               <a:pPr/>
+              <a:t>4</a:t>
+            </a:fld>
+            <a:endParaRPr lang="en-US"/>
+          </a:p>
+        </p:txBody>
+      </p:sp>
+    </p:spTree>
+    <p:extLst>
+      <p:ext uri="{BB962C8B-B14F-4D97-AF65-F5344CB8AC3E}">
+        <p14:creationId xmlns:p14="http://schemas.microsoft.com/office/powerpoint/2010/main" val="3874918223"/>
+      </p:ext>
+    </p:extLst>
+  </p:cSld>
+  <p:clrMapOvr>
+    <a:masterClrMapping/>
+  </p:clrMapOvr>
+</p:notes>
+</file>
+
+<file path=ppt/notesSlides/notesSlide5.xml><?xml version="1.0" encoding="utf-8"?>
+<p:notes xmlns:a="http://schemas.openxmlformats.org/drawingml/2006/main" xmlns:r="http://schemas.openxmlformats.org/officeDocument/2006/relationships" xmlns:p="http://schemas.openxmlformats.org/presentationml/2006/main">
+  <p:cSld>
+    <p:spTree>
+      <p:nvGrpSpPr>
+        <p:cNvPr id="1" name=""/>
+        <p:cNvGrpSpPr/>
+        <p:nvPr/>
+      </p:nvGrpSpPr>
+      <p:grpSpPr>
+        <a:xfrm>
+          <a:off x="0" y="0"/>
+          <a:ext cx="0" cy="0"/>
+          <a:chOff x="0" y="0"/>
+          <a:chExt cx="0" cy="0"/>
+        </a:xfrm>
+      </p:grpSpPr>
+      <p:sp>
+        <p:nvSpPr>
+          <p:cNvPr id="2" name="Slide Image Placeholder 1"/>
+          <p:cNvSpPr>
+            <a:spLocks noGrp="1" noRot="1" noChangeAspect="1"/>
+          </p:cNvSpPr>
+          <p:nvPr>
+            <p:ph type="sldImg"/>
+          </p:nvPr>
+        </p:nvSpPr>
+        <p:spPr/>
+      </p:sp>
+      <p:sp>
+        <p:nvSpPr>
+          <p:cNvPr id="3" name="Notes Placeholder 2"/>
+          <p:cNvSpPr>
+            <a:spLocks noGrp="1"/>
+          </p:cNvSpPr>
+          <p:nvPr>
+            <p:ph type="body" idx="1"/>
+          </p:nvPr>
+        </p:nvSpPr>
+        <p:spPr/>
+        <p:txBody>
+          <a:bodyPr/>
+          <a:lstStyle/>
+          <a:p>
+            <a:r>
+              <a:rPr lang="en-US" dirty="0" smtClean="0"/>
+              <a:t>CHÚNG</a:t>
+            </a:r>
+            <a:r>
+              <a:rPr lang="en-US" baseline="0" dirty="0" smtClean="0"/>
+              <a:t> TÔI</a:t>
+            </a:r>
+          </a:p>
+          <a:p>
+            <a:r>
+              <a:rPr lang="en-US" baseline="0" dirty="0" err="1" smtClean="0"/>
+              <a:t>Yêu</a:t>
+            </a:r>
+            <a:r>
+              <a:rPr lang="en-US" baseline="0" dirty="0" smtClean="0"/>
+              <a:t> </a:t>
+            </a:r>
+            <a:r>
+              <a:rPr lang="en-US" baseline="0" dirty="0" err="1" smtClean="0"/>
+              <a:t>cầu</a:t>
+            </a:r>
+            <a:r>
+              <a:rPr lang="en-US" baseline="0" dirty="0" smtClean="0"/>
+              <a:t> </a:t>
+            </a:r>
+            <a:r>
+              <a:rPr lang="en-US" baseline="0" dirty="0" err="1" smtClean="0"/>
+              <a:t>công</a:t>
+            </a:r>
+            <a:r>
+              <a:rPr lang="en-US" baseline="0" dirty="0" smtClean="0"/>
+              <a:t> </a:t>
+            </a:r>
+            <a:r>
+              <a:rPr lang="en-US" baseline="0" dirty="0" err="1" smtClean="0"/>
+              <a:t>việc</a:t>
+            </a:r>
+            <a:endParaRPr lang="en-US" baseline="0" dirty="0" smtClean="0"/>
+          </a:p>
+          <a:p>
+            <a:r>
+              <a:rPr lang="en-US" baseline="0" dirty="0" err="1" smtClean="0"/>
+              <a:t>Tương</a:t>
+            </a:r>
+            <a:r>
+              <a:rPr lang="en-US" baseline="0" dirty="0" smtClean="0"/>
+              <a:t> </a:t>
+            </a:r>
+            <a:r>
+              <a:rPr lang="en-US" baseline="0" dirty="0" err="1" smtClean="0"/>
+              <a:t>tự</a:t>
+            </a:r>
+            <a:r>
+              <a:rPr lang="en-US" baseline="0" dirty="0" smtClean="0"/>
+              <a:t>. </a:t>
+            </a:r>
+            <a:r>
+              <a:rPr lang="en-US" baseline="0" dirty="0" err="1" smtClean="0"/>
+              <a:t>Nhưng</a:t>
+            </a:r>
+            <a:r>
+              <a:rPr lang="en-US" baseline="0" dirty="0" smtClean="0"/>
+              <a:t> </a:t>
+            </a:r>
+            <a:r>
+              <a:rPr lang="en-US" baseline="0" dirty="0" err="1" smtClean="0"/>
+              <a:t>có</a:t>
+            </a:r>
+            <a:r>
+              <a:rPr lang="en-US" baseline="0" dirty="0" smtClean="0"/>
+              <a:t> </a:t>
+            </a:r>
+            <a:r>
+              <a:rPr lang="en-US" baseline="0" dirty="0" err="1" smtClean="0"/>
+              <a:t>điểm</a:t>
+            </a:r>
+            <a:r>
+              <a:rPr lang="en-US" baseline="0" dirty="0" smtClean="0"/>
+              <a:t> </a:t>
+            </a:r>
+            <a:r>
+              <a:rPr lang="en-US" baseline="0" dirty="0" err="1" smtClean="0"/>
+              <a:t>khác</a:t>
+            </a:r>
+            <a:r>
+              <a:rPr lang="en-US" baseline="0" dirty="0" smtClean="0"/>
+              <a:t> </a:t>
+            </a:r>
+            <a:r>
+              <a:rPr lang="en-US" baseline="0" dirty="0" err="1" smtClean="0"/>
+              <a:t>vì</a:t>
+            </a:r>
+            <a:r>
+              <a:rPr lang="en-US" baseline="0" dirty="0" smtClean="0"/>
+              <a:t> </a:t>
+            </a:r>
+            <a:r>
+              <a:rPr lang="en-US" baseline="0" dirty="0" err="1" smtClean="0"/>
+              <a:t>thêm</a:t>
+            </a:r>
+            <a:r>
+              <a:rPr lang="en-US" baseline="0" dirty="0" smtClean="0"/>
+              <a:t> </a:t>
+            </a:r>
+            <a:r>
+              <a:rPr lang="en-US" baseline="0" dirty="0" err="1" smtClean="0"/>
+              <a:t>chức</a:t>
+            </a:r>
+            <a:r>
+              <a:rPr lang="en-US" baseline="0" dirty="0" smtClean="0"/>
+              <a:t> </a:t>
+            </a:r>
+            <a:r>
+              <a:rPr lang="en-US" baseline="0" dirty="0" err="1" smtClean="0"/>
+              <a:t>năng</a:t>
+            </a:r>
+            <a:r>
+              <a:rPr lang="en-US" baseline="0" dirty="0" smtClean="0"/>
+              <a:t> </a:t>
+            </a:r>
+            <a:r>
+              <a:rPr lang="en-US" baseline="0" dirty="0" err="1" smtClean="0"/>
+              <a:t>thành</a:t>
+            </a:r>
+            <a:r>
+              <a:rPr lang="en-US" baseline="0" dirty="0" smtClean="0"/>
+              <a:t> </a:t>
+            </a:r>
+            <a:r>
+              <a:rPr lang="en-US" baseline="0" dirty="0" err="1" smtClean="0"/>
+              <a:t>ra</a:t>
+            </a:r>
+            <a:r>
+              <a:rPr lang="en-US" baseline="0" dirty="0" smtClean="0"/>
+              <a:t> </a:t>
+            </a:r>
+            <a:r>
+              <a:rPr lang="en-US" baseline="0" dirty="0" err="1" smtClean="0"/>
+              <a:t>có</a:t>
+            </a:r>
+            <a:r>
+              <a:rPr lang="en-US" baseline="0" dirty="0" smtClean="0"/>
+              <a:t> </a:t>
+            </a:r>
+            <a:r>
+              <a:rPr lang="en-US" baseline="0" dirty="0" err="1" smtClean="0"/>
+              <a:t>thể</a:t>
+            </a:r>
+            <a:r>
+              <a:rPr lang="en-US" baseline="0" dirty="0" smtClean="0"/>
+              <a:t> </a:t>
+            </a:r>
+            <a:r>
+              <a:rPr lang="en-US" baseline="0" dirty="0" err="1" smtClean="0"/>
+              <a:t>từ</a:t>
+            </a:r>
+            <a:r>
+              <a:rPr lang="en-US" baseline="0" dirty="0" smtClean="0"/>
+              <a:t> Applied -&gt; Expired.</a:t>
+            </a:r>
+          </a:p>
+          <a:p>
+            <a:endParaRPr lang="en-US" baseline="0" dirty="0" smtClean="0"/>
+          </a:p>
+          <a:p>
+            <a:endParaRPr lang="en-US" dirty="0"/>
+          </a:p>
+        </p:txBody>
+      </p:sp>
+      <p:sp>
+        <p:nvSpPr>
+          <p:cNvPr id="4" name="Slide Number Placeholder 3"/>
+          <p:cNvSpPr>
+            <a:spLocks noGrp="1"/>
+          </p:cNvSpPr>
+          <p:nvPr>
+            <p:ph type="sldNum" sz="quarter" idx="10"/>
+          </p:nvPr>
+        </p:nvSpPr>
+        <p:spPr/>
+        <p:txBody>
+          <a:bodyPr/>
+          <a:lstStyle/>
+          <a:p>
+            <a:fld id="{0521FCE3-7D4A-4844-8F6D-60AC8CFC57BE}" type="slidenum">
+              <a:rPr lang="en-US" smtClean="0"/>
+              <a:pPr/>
+              <a:t>5</a:t>
+            </a:fld>
+            <a:endParaRPr lang="en-US"/>
+          </a:p>
+        </p:txBody>
+      </p:sp>
+    </p:spTree>
+    <p:extLst>
+      <p:ext uri="{BB962C8B-B14F-4D97-AF65-F5344CB8AC3E}">
+        <p14:creationId xmlns:p14="http://schemas.microsoft.com/office/powerpoint/2010/main" val="4004536539"/>
+      </p:ext>
+    </p:extLst>
+  </p:cSld>
+  <p:clrMapOvr>
+    <a:masterClrMapping/>
+  </p:clrMapOvr>
+</p:notes>
+</file>
+
+<file path=ppt/notesSlides/notesSlide6.xml><?xml version="1.0" encoding="utf-8"?>
+<p:notes xmlns:a="http://schemas.openxmlformats.org/drawingml/2006/main" xmlns:r="http://schemas.openxmlformats.org/officeDocument/2006/relationships" xmlns:p="http://schemas.openxmlformats.org/presentationml/2006/main">
+  <p:cSld>
+    <p:spTree>
+      <p:nvGrpSpPr>
+        <p:cNvPr id="1" name=""/>
+        <p:cNvGrpSpPr/>
+        <p:nvPr/>
+      </p:nvGrpSpPr>
+      <p:grpSpPr>
+        <a:xfrm>
+          <a:off x="0" y="0"/>
+          <a:ext cx="0" cy="0"/>
+          <a:chOff x="0" y="0"/>
+          <a:chExt cx="0" cy="0"/>
+        </a:xfrm>
+      </p:grpSpPr>
+      <p:sp>
+        <p:nvSpPr>
+          <p:cNvPr id="2" name="Slide Image Placeholder 1"/>
+          <p:cNvSpPr>
+            <a:spLocks noGrp="1" noRot="1" noChangeAspect="1"/>
+          </p:cNvSpPr>
+          <p:nvPr>
+            <p:ph type="sldImg"/>
+          </p:nvPr>
+        </p:nvSpPr>
+        <p:spPr>
+          <a:xfrm>
+            <a:off x="1371600" y="1143000"/>
+            <a:ext cx="4114800" cy="3086100"/>
+          </a:xfrm>
+        </p:spPr>
+      </p:sp>
+      <p:sp>
+        <p:nvSpPr>
+          <p:cNvPr id="3" name="Notes Placeholder 2"/>
+          <p:cNvSpPr>
+            <a:spLocks noGrp="1"/>
+          </p:cNvSpPr>
+          <p:nvPr>
+            <p:ph type="body" idx="1"/>
+          </p:nvPr>
+        </p:nvSpPr>
+        <p:spPr/>
+        <p:txBody>
+          <a:bodyPr/>
+          <a:lstStyle/>
+          <a:p>
+            <a:endParaRPr lang="en-US"/>
+          </a:p>
+        </p:txBody>
+      </p:sp>
+      <p:sp>
+        <p:nvSpPr>
+          <p:cNvPr id="4" name="Slide Number Placeholder 3"/>
+          <p:cNvSpPr>
+            <a:spLocks noGrp="1"/>
+          </p:cNvSpPr>
+          <p:nvPr>
+            <p:ph type="sldNum" sz="quarter" idx="10"/>
+          </p:nvPr>
+        </p:nvSpPr>
+        <p:spPr/>
+        <p:txBody>
+          <a:bodyPr/>
+          <a:lstStyle/>
+          <a:p>
+            <a:fld id="{0521FCE3-7D4A-4844-8F6D-60AC8CFC57BE}" type="slidenum">
+              <a:rPr lang="en-US" smtClean="0"/>
+              <a:pPr/>
+              <a:t>7</a:t>
+            </a:fld>
+            <a:endParaRPr lang="en-US"/>
+          </a:p>
+        </p:txBody>
+      </p:sp>
+    </p:spTree>
+    <p:extLst>
+      <p:ext uri="{BB962C8B-B14F-4D97-AF65-F5344CB8AC3E}">
+        <p14:creationId xmlns:p14="http://schemas.microsoft.com/office/powerpoint/2010/main" val="2214256827"/>
+      </p:ext>
+    </p:extLst>
+  </p:cSld>
+  <p:clrMapOvr>
+    <a:masterClrMapping/>
+  </p:clrMapOvr>
+</p:notes>
+</file>
+
+<file path=ppt/notesSlides/notesSlide7.xml><?xml version="1.0" encoding="utf-8"?>
+<p:notes xmlns:a="http://schemas.openxmlformats.org/drawingml/2006/main" xmlns:r="http://schemas.openxmlformats.org/officeDocument/2006/relationships" xmlns:p="http://schemas.openxmlformats.org/presentationml/2006/main">
+  <p:cSld>
+    <p:spTree>
+      <p:nvGrpSpPr>
+        <p:cNvPr id="1" name=""/>
+        <p:cNvGrpSpPr/>
+        <p:nvPr/>
+      </p:nvGrpSpPr>
+      <p:grpSpPr>
+        <a:xfrm>
+          <a:off x="0" y="0"/>
+          <a:ext cx="0" cy="0"/>
+          <a:chOff x="0" y="0"/>
+          <a:chExt cx="0" cy="0"/>
+        </a:xfrm>
+      </p:grpSpPr>
+      <p:sp>
+        <p:nvSpPr>
+          <p:cNvPr id="2" name="Slide Image Placeholder 1"/>
+          <p:cNvSpPr>
+            <a:spLocks noGrp="1" noRot="1" noChangeAspect="1"/>
+          </p:cNvSpPr>
+          <p:nvPr>
+            <p:ph type="sldImg"/>
+          </p:nvPr>
+        </p:nvSpPr>
+        <p:spPr>
+          <a:xfrm>
+            <a:off x="1371600" y="1143000"/>
+            <a:ext cx="4114800" cy="3086100"/>
+          </a:xfrm>
+        </p:spPr>
+      </p:sp>
+      <p:sp>
+        <p:nvSpPr>
+          <p:cNvPr id="3" name="Notes Placeholder 2"/>
+          <p:cNvSpPr>
+            <a:spLocks noGrp="1"/>
+          </p:cNvSpPr>
+          <p:nvPr>
+            <p:ph type="body" idx="1"/>
+          </p:nvPr>
+        </p:nvSpPr>
+        <p:spPr/>
+        <p:txBody>
+          <a:bodyPr/>
+          <a:lstStyle/>
+          <a:p>
+            <a:endParaRPr lang="en-US"/>
+          </a:p>
+        </p:txBody>
+      </p:sp>
+      <p:sp>
+        <p:nvSpPr>
+          <p:cNvPr id="4" name="Slide Number Placeholder 3"/>
+          <p:cNvSpPr>
+            <a:spLocks noGrp="1"/>
+          </p:cNvSpPr>
+          <p:nvPr>
+            <p:ph type="sldNum" sz="quarter" idx="10"/>
+          </p:nvPr>
+        </p:nvSpPr>
+        <p:spPr/>
+        <p:txBody>
+          <a:bodyPr/>
+          <a:lstStyle/>
+          <a:p>
+            <a:fld id="{0521FCE3-7D4A-4844-8F6D-60AC8CFC57BE}" type="slidenum">
+              <a:rPr lang="en-US" smtClean="0"/>
+              <a:pPr/>
               <a:t>9</a:t>
             </a:fld>
             <a:endParaRPr lang="en-US"/>
@@ -5680,7 +6527,7 @@
     </p:spTree>
     <p:extLst>
       <p:ext uri="{BB962C8B-B14F-4D97-AF65-F5344CB8AC3E}">
-        <p14:creationId xmlns:p14="http://schemas.microsoft.com/office/powerpoint/2010/main" xmlns="" val="2214256827"/>
+        <p14:creationId xmlns:p14="http://schemas.microsoft.com/office/powerpoint/2010/main" val="2214256827"/>
       </p:ext>
     </p:extLst>
   </p:cSld>
@@ -6010,7 +6857,7 @@
     </p:spTree>
     <p:extLst>
       <p:ext uri="{BB962C8B-B14F-4D97-AF65-F5344CB8AC3E}">
-        <p14:creationId xmlns:p14="http://schemas.microsoft.com/office/powerpoint/2010/main" xmlns="" val="1187610024"/>
+        <p14:creationId xmlns:p14="http://schemas.microsoft.com/office/powerpoint/2010/main" val="1187610024"/>
       </p:ext>
     </p:extLst>
   </p:cSld>
@@ -6185,7 +7032,7 @@
     </p:spTree>
     <p:extLst>
       <p:ext uri="{BB962C8B-B14F-4D97-AF65-F5344CB8AC3E}">
-        <p14:creationId xmlns:p14="http://schemas.microsoft.com/office/powerpoint/2010/main" xmlns="" val="1162950190"/>
+        <p14:creationId xmlns:p14="http://schemas.microsoft.com/office/powerpoint/2010/main" val="1162950190"/>
       </p:ext>
     </p:extLst>
   </p:cSld>
@@ -6446,7 +7293,7 @@
     </p:spTree>
     <p:extLst>
       <p:ext uri="{BB962C8B-B14F-4D97-AF65-F5344CB8AC3E}">
-        <p14:creationId xmlns:p14="http://schemas.microsoft.com/office/powerpoint/2010/main" xmlns="" val="1725342705"/>
+        <p14:creationId xmlns:p14="http://schemas.microsoft.com/office/powerpoint/2010/main" val="1725342705"/>
       </p:ext>
     </p:extLst>
   </p:cSld>
@@ -6776,7 +7623,7 @@
     </p:spTree>
     <p:extLst>
       <p:ext uri="{BB962C8B-B14F-4D97-AF65-F5344CB8AC3E}">
-        <p14:creationId xmlns:p14="http://schemas.microsoft.com/office/powerpoint/2010/main" xmlns="" val="1973499098"/>
+        <p14:creationId xmlns:p14="http://schemas.microsoft.com/office/powerpoint/2010/main" val="1973499098"/>
       </p:ext>
     </p:extLst>
   </p:cSld>
@@ -6951,7 +7798,7 @@
     </p:spTree>
     <p:extLst>
       <p:ext uri="{BB962C8B-B14F-4D97-AF65-F5344CB8AC3E}">
-        <p14:creationId xmlns:p14="http://schemas.microsoft.com/office/powerpoint/2010/main" xmlns="" val="1107858211"/>
+        <p14:creationId xmlns:p14="http://schemas.microsoft.com/office/powerpoint/2010/main" val="1107858211"/>
       </p:ext>
     </p:extLst>
   </p:cSld>
@@ -7329,7 +8176,7 @@
     </p:spTree>
     <p:extLst>
       <p:ext uri="{BB962C8B-B14F-4D97-AF65-F5344CB8AC3E}">
-        <p14:creationId xmlns:p14="http://schemas.microsoft.com/office/powerpoint/2010/main" xmlns="" val="140728558"/>
+        <p14:creationId xmlns:p14="http://schemas.microsoft.com/office/powerpoint/2010/main" val="140728558"/>
       </p:ext>
     </p:extLst>
   </p:cSld>
@@ -7571,7 +8418,7 @@
     </p:spTree>
     <p:extLst>
       <p:ext uri="{BB962C8B-B14F-4D97-AF65-F5344CB8AC3E}">
-        <p14:creationId xmlns:p14="http://schemas.microsoft.com/office/powerpoint/2010/main" xmlns="" val="3268622430"/>
+        <p14:creationId xmlns:p14="http://schemas.microsoft.com/office/powerpoint/2010/main" val="3268622430"/>
       </p:ext>
     </p:extLst>
   </p:cSld>
@@ -7955,7 +8802,7 @@
     </p:spTree>
     <p:extLst>
       <p:ext uri="{BB962C8B-B14F-4D97-AF65-F5344CB8AC3E}">
-        <p14:creationId xmlns:p14="http://schemas.microsoft.com/office/powerpoint/2010/main" xmlns="" val="966444153"/>
+        <p14:creationId xmlns:p14="http://schemas.microsoft.com/office/powerpoint/2010/main" val="966444153"/>
       </p:ext>
     </p:extLst>
   </p:cSld>
@@ -8078,7 +8925,7 @@
     </p:spTree>
     <p:extLst>
       <p:ext uri="{BB962C8B-B14F-4D97-AF65-F5344CB8AC3E}">
-        <p14:creationId xmlns:p14="http://schemas.microsoft.com/office/powerpoint/2010/main" xmlns="" val="3617142943"/>
+        <p14:creationId xmlns:p14="http://schemas.microsoft.com/office/powerpoint/2010/main" val="3617142943"/>
       </p:ext>
     </p:extLst>
   </p:cSld>
@@ -8262,7 +9109,7 @@
     </p:spTree>
     <p:extLst>
       <p:ext uri="{BB962C8B-B14F-4D97-AF65-F5344CB8AC3E}">
-        <p14:creationId xmlns:p14="http://schemas.microsoft.com/office/powerpoint/2010/main" xmlns="" val="1045430319"/>
+        <p14:creationId xmlns:p14="http://schemas.microsoft.com/office/powerpoint/2010/main" val="1045430319"/>
       </p:ext>
     </p:extLst>
   </p:cSld>
@@ -8650,7 +9497,7 @@
     </p:spTree>
     <p:extLst>
       <p:ext uri="{BB962C8B-B14F-4D97-AF65-F5344CB8AC3E}">
-        <p14:creationId xmlns:p14="http://schemas.microsoft.com/office/powerpoint/2010/main" xmlns="" val="4268766089"/>
+        <p14:creationId xmlns:p14="http://schemas.microsoft.com/office/powerpoint/2010/main" val="4268766089"/>
       </p:ext>
     </p:extLst>
   </p:cSld>
@@ -8825,7 +9672,7 @@
     </p:spTree>
     <p:extLst>
       <p:ext uri="{BB962C8B-B14F-4D97-AF65-F5344CB8AC3E}">
-        <p14:creationId xmlns:p14="http://schemas.microsoft.com/office/powerpoint/2010/main" xmlns="" val="2357780028"/>
+        <p14:creationId xmlns:p14="http://schemas.microsoft.com/office/powerpoint/2010/main" val="2357780028"/>
       </p:ext>
     </p:extLst>
   </p:cSld>
@@ -9186,7 +10033,7 @@
     </p:spTree>
     <p:extLst>
       <p:ext uri="{BB962C8B-B14F-4D97-AF65-F5344CB8AC3E}">
-        <p14:creationId xmlns:p14="http://schemas.microsoft.com/office/powerpoint/2010/main" xmlns="" val="3538392658"/>
+        <p14:creationId xmlns:p14="http://schemas.microsoft.com/office/powerpoint/2010/main" val="3538392658"/>
       </p:ext>
     </p:extLst>
   </p:cSld>
@@ -9361,7 +10208,7 @@
     </p:spTree>
     <p:extLst>
       <p:ext uri="{BB962C8B-B14F-4D97-AF65-F5344CB8AC3E}">
-        <p14:creationId xmlns:p14="http://schemas.microsoft.com/office/powerpoint/2010/main" xmlns="" val="709851596"/>
+        <p14:creationId xmlns:p14="http://schemas.microsoft.com/office/powerpoint/2010/main" val="709851596"/>
       </p:ext>
     </p:extLst>
   </p:cSld>
@@ -9622,7 +10469,7 @@
     </p:spTree>
     <p:extLst>
       <p:ext uri="{BB962C8B-B14F-4D97-AF65-F5344CB8AC3E}">
-        <p14:creationId xmlns:p14="http://schemas.microsoft.com/office/powerpoint/2010/main" xmlns="" val="3938421497"/>
+        <p14:creationId xmlns:p14="http://schemas.microsoft.com/office/powerpoint/2010/main" val="3938421497"/>
       </p:ext>
     </p:extLst>
   </p:cSld>
@@ -10000,7 +10847,7 @@
     </p:spTree>
     <p:extLst>
       <p:ext uri="{BB962C8B-B14F-4D97-AF65-F5344CB8AC3E}">
-        <p14:creationId xmlns:p14="http://schemas.microsoft.com/office/powerpoint/2010/main" xmlns="" val="853254902"/>
+        <p14:creationId xmlns:p14="http://schemas.microsoft.com/office/powerpoint/2010/main" val="853254902"/>
       </p:ext>
     </p:extLst>
   </p:cSld>
@@ -10242,7 +11089,7 @@
     </p:spTree>
     <p:extLst>
       <p:ext uri="{BB962C8B-B14F-4D97-AF65-F5344CB8AC3E}">
-        <p14:creationId xmlns:p14="http://schemas.microsoft.com/office/powerpoint/2010/main" xmlns="" val="2558859688"/>
+        <p14:creationId xmlns:p14="http://schemas.microsoft.com/office/powerpoint/2010/main" val="2558859688"/>
       </p:ext>
     </p:extLst>
   </p:cSld>
@@ -10626,7 +11473,7 @@
     </p:spTree>
     <p:extLst>
       <p:ext uri="{BB962C8B-B14F-4D97-AF65-F5344CB8AC3E}">
-        <p14:creationId xmlns:p14="http://schemas.microsoft.com/office/powerpoint/2010/main" xmlns="" val="3790003400"/>
+        <p14:creationId xmlns:p14="http://schemas.microsoft.com/office/powerpoint/2010/main" val="3790003400"/>
       </p:ext>
     </p:extLst>
   </p:cSld>
@@ -10749,7 +11596,7 @@
     </p:spTree>
     <p:extLst>
       <p:ext uri="{BB962C8B-B14F-4D97-AF65-F5344CB8AC3E}">
-        <p14:creationId xmlns:p14="http://schemas.microsoft.com/office/powerpoint/2010/main" xmlns="" val="2340859831"/>
+        <p14:creationId xmlns:p14="http://schemas.microsoft.com/office/powerpoint/2010/main" val="2340859831"/>
       </p:ext>
     </p:extLst>
   </p:cSld>
@@ -10933,7 +11780,7 @@
     </p:spTree>
     <p:extLst>
       <p:ext uri="{BB962C8B-B14F-4D97-AF65-F5344CB8AC3E}">
-        <p14:creationId xmlns:p14="http://schemas.microsoft.com/office/powerpoint/2010/main" xmlns="" val="3134017901"/>
+        <p14:creationId xmlns:p14="http://schemas.microsoft.com/office/powerpoint/2010/main" val="3134017901"/>
       </p:ext>
     </p:extLst>
   </p:cSld>
@@ -11305,7 +12152,7 @@
     </p:spTree>
     <p:extLst>
       <p:ext uri="{BB962C8B-B14F-4D97-AF65-F5344CB8AC3E}">
-        <p14:creationId xmlns:p14="http://schemas.microsoft.com/office/powerpoint/2010/main" xmlns="" val="1327644465"/>
+        <p14:creationId xmlns:p14="http://schemas.microsoft.com/office/powerpoint/2010/main" val="1327644465"/>
       </p:ext>
     </p:extLst>
   </p:cSld>
@@ -11666,7 +12513,7 @@
     </p:spTree>
     <p:extLst>
       <p:ext uri="{BB962C8B-B14F-4D97-AF65-F5344CB8AC3E}">
-        <p14:creationId xmlns:p14="http://schemas.microsoft.com/office/powerpoint/2010/main" xmlns="" val="816183116"/>
+        <p14:creationId xmlns:p14="http://schemas.microsoft.com/office/powerpoint/2010/main" val="816183116"/>
       </p:ext>
     </p:extLst>
   </p:cSld>
@@ -12037,7 +12884,7 @@
     </p:spTree>
     <p:extLst>
       <p:ext uri="{BB962C8B-B14F-4D97-AF65-F5344CB8AC3E}">
-        <p14:creationId xmlns:p14="http://schemas.microsoft.com/office/powerpoint/2010/main" xmlns="" val="3493115414"/>
+        <p14:creationId xmlns:p14="http://schemas.microsoft.com/office/powerpoint/2010/main" val="3493115414"/>
       </p:ext>
     </p:extLst>
   </p:cSld>
@@ -12785,7 +13632,7 @@
     </p:spTree>
     <p:extLst>
       <p:ext uri="{BB962C8B-B14F-4D97-AF65-F5344CB8AC3E}">
-        <p14:creationId xmlns:p14="http://schemas.microsoft.com/office/powerpoint/2010/main" xmlns="" val="3858505879"/>
+        <p14:creationId xmlns:p14="http://schemas.microsoft.com/office/powerpoint/2010/main" val="3858505879"/>
       </p:ext>
     </p:extLst>
   </p:cSld>
@@ -13353,7 +14200,7 @@
             </a:duotone>
             <a:extLst>
               <a:ext uri="{28A0092B-C50C-407E-A947-70E740481C1C}">
-                <a14:useLocalDpi xmlns:a14="http://schemas.microsoft.com/office/drawing/2010/main" xmlns="" val="0"/>
+                <a14:useLocalDpi xmlns:a14="http://schemas.microsoft.com/office/drawing/2010/main" val="0"/>
               </a:ext>
             </a:extLst>
           </a:blip>
@@ -13407,7 +14254,7 @@
             <a:blip r:embed="rId4" cstate="print">
               <a:extLst>
                 <a:ext uri="{28A0092B-C50C-407E-A947-70E740481C1C}">
-                  <a14:useLocalDpi xmlns:a14="http://schemas.microsoft.com/office/drawing/2010/main" xmlns="" val="0"/>
+                  <a14:useLocalDpi xmlns:a14="http://schemas.microsoft.com/office/drawing/2010/main" val="0"/>
                 </a:ext>
               </a:extLst>
             </a:blip>
@@ -13444,7 +14291,7 @@
             <a:blip r:embed="rId5" cstate="print">
               <a:extLst>
                 <a:ext uri="{28A0092B-C50C-407E-A947-70E740481C1C}">
-                  <a14:useLocalDpi xmlns:a14="http://schemas.microsoft.com/office/drawing/2010/main" xmlns="" val="0"/>
+                  <a14:useLocalDpi xmlns:a14="http://schemas.microsoft.com/office/drawing/2010/main" val="0"/>
                 </a:ext>
               </a:extLst>
             </a:blip>
@@ -13481,7 +14328,7 @@
             <a:blip r:embed="rId6" cstate="print">
               <a:extLst>
                 <a:ext uri="{28A0092B-C50C-407E-A947-70E740481C1C}">
-                  <a14:useLocalDpi xmlns:a14="http://schemas.microsoft.com/office/drawing/2010/main" xmlns="" val="0"/>
+                  <a14:useLocalDpi xmlns:a14="http://schemas.microsoft.com/office/drawing/2010/main" val="0"/>
                 </a:ext>
               </a:extLst>
             </a:blip>
@@ -13518,7 +14365,7 @@
             <a:blip r:embed="rId7" cstate="print">
               <a:extLst>
                 <a:ext uri="{28A0092B-C50C-407E-A947-70E740481C1C}">
-                  <a14:useLocalDpi xmlns:a14="http://schemas.microsoft.com/office/drawing/2010/main" xmlns="" val="0"/>
+                  <a14:useLocalDpi xmlns:a14="http://schemas.microsoft.com/office/drawing/2010/main" val="0"/>
                 </a:ext>
               </a:extLst>
             </a:blip>
@@ -13586,7 +14433,7 @@
           <a:blip r:embed="rId8">
             <a:extLst>
               <a:ext uri="{28A0092B-C50C-407E-A947-70E740481C1C}">
-                <a14:useLocalDpi xmlns:a14="http://schemas.microsoft.com/office/drawing/2010/main" xmlns="" val="0"/>
+                <a14:useLocalDpi xmlns:a14="http://schemas.microsoft.com/office/drawing/2010/main" val="0"/>
               </a:ext>
             </a:extLst>
           </a:blip>
@@ -13613,7 +14460,7 @@
     </p:spTree>
     <p:extLst>
       <p:ext uri="{BB962C8B-B14F-4D97-AF65-F5344CB8AC3E}">
-        <p14:creationId xmlns:p14="http://schemas.microsoft.com/office/powerpoint/2010/main" xmlns="" val="878553065"/>
+        <p14:creationId xmlns:p14="http://schemas.microsoft.com/office/powerpoint/2010/main" val="878553065"/>
       </p:ext>
     </p:extLst>
   </p:cSld>
@@ -13801,7 +14648,7 @@
           <a:blip r:embed="rId2">
             <a:extLst>
               <a:ext uri="{28A0092B-C50C-407E-A947-70E740481C1C}">
-                <a14:useLocalDpi xmlns:a14="http://schemas.microsoft.com/office/drawing/2010/main" xmlns="" val="0"/>
+                <a14:useLocalDpi xmlns:a14="http://schemas.microsoft.com/office/drawing/2010/main" val="0"/>
               </a:ext>
             </a:extLst>
           </a:blip>
@@ -13828,7 +14675,7 @@
     </p:spTree>
     <p:extLst>
       <p:ext uri="{BB962C8B-B14F-4D97-AF65-F5344CB8AC3E}">
-        <p14:creationId xmlns:p14="http://schemas.microsoft.com/office/powerpoint/2010/main" xmlns="" val="373820533"/>
+        <p14:creationId xmlns:p14="http://schemas.microsoft.com/office/powerpoint/2010/main" val="373820533"/>
       </p:ext>
     </p:extLst>
   </p:cSld>
@@ -13895,7 +14742,7 @@
             <p:ph idx="1"/>
             <p:extLst>
               <p:ext uri="{D42A27DB-BD31-4B8C-83A1-F6EECF244321}">
-                <p14:modId xmlns:p14="http://schemas.microsoft.com/office/powerpoint/2010/main" xmlns="" val="913984542"/>
+                <p14:modId xmlns:p14="http://schemas.microsoft.com/office/powerpoint/2010/main" val="913984542"/>
               </p:ext>
             </p:extLst>
           </p:nvPr>
@@ -13906,7 +14753,7 @@
         </p:xfrm>
         <a:graphic>
           <a:graphicData uri="http://schemas.openxmlformats.org/drawingml/2006/diagram">
-            <dgm:relIds xmlns:dgm="http://schemas.openxmlformats.org/drawingml/2006/diagram" xmlns:r="http://schemas.openxmlformats.org/officeDocument/2006/relationships" r:dm="rId2" r:lo="rId3" r:qs="rId4" r:cs="rId5"/>
+            <dgm:relIds xmlns:dgm="http://schemas.openxmlformats.org/drawingml/2006/diagram" xmlns:r="http://schemas.openxmlformats.org/officeDocument/2006/relationships" r:dm="rId3" r:lo="rId4" r:qs="rId5" r:cs="rId6"/>
           </a:graphicData>
         </a:graphic>
       </p:graphicFrame>
@@ -14173,10 +15020,10 @@
           <p:nvPr/>
         </p:nvPicPr>
         <p:blipFill>
-          <a:blip r:embed="rId7">
+          <a:blip r:embed="rId8">
             <a:extLst>
               <a:ext uri="{28A0092B-C50C-407E-A947-70E740481C1C}">
-                <a14:useLocalDpi xmlns:a14="http://schemas.microsoft.com/office/drawing/2010/main" xmlns="" val="0"/>
+                <a14:useLocalDpi xmlns:a14="http://schemas.microsoft.com/office/drawing/2010/main" val="0"/>
               </a:ext>
             </a:extLst>
           </a:blip>
@@ -14203,7 +15050,7 @@
     </p:spTree>
     <p:extLst>
       <p:ext uri="{BB962C8B-B14F-4D97-AF65-F5344CB8AC3E}">
-        <p14:creationId xmlns:p14="http://schemas.microsoft.com/office/powerpoint/2010/main" xmlns="" val="2747474174"/>
+        <p14:creationId xmlns:p14="http://schemas.microsoft.com/office/powerpoint/2010/main" val="2747474174"/>
       </p:ext>
     </p:extLst>
   </p:cSld>
@@ -14822,7 +15669,7 @@
           <a:blip r:embed="rId3">
             <a:extLst>
               <a:ext uri="{28A0092B-C50C-407E-A947-70E740481C1C}">
-                <a14:useLocalDpi xmlns:a14="http://schemas.microsoft.com/office/drawing/2010/main" xmlns="" val="0"/>
+                <a14:useLocalDpi xmlns:a14="http://schemas.microsoft.com/office/drawing/2010/main" val="0"/>
               </a:ext>
             </a:extLst>
           </a:blip>
@@ -14849,7 +15696,7 @@
     </p:spTree>
     <p:extLst>
       <p:ext uri="{BB962C8B-B14F-4D97-AF65-F5344CB8AC3E}">
-        <p14:creationId xmlns:p14="http://schemas.microsoft.com/office/powerpoint/2010/main" xmlns="" val="666675940"/>
+        <p14:creationId xmlns:p14="http://schemas.microsoft.com/office/powerpoint/2010/main" val="666675940"/>
       </p:ext>
     </p:extLst>
   </p:cSld>
@@ -16153,10 +17000,10 @@
           <p:nvPr/>
         </p:nvPicPr>
         <p:blipFill>
-          <a:blip r:embed="rId2">
+          <a:blip r:embed="rId3">
             <a:extLst>
               <a:ext uri="{28A0092B-C50C-407E-A947-70E740481C1C}">
-                <a14:useLocalDpi xmlns:a14="http://schemas.microsoft.com/office/drawing/2010/main" xmlns="" val="0"/>
+                <a14:useLocalDpi xmlns:a14="http://schemas.microsoft.com/office/drawing/2010/main" val="0"/>
               </a:ext>
             </a:extLst>
           </a:blip>
@@ -16183,7 +17030,7 @@
     </p:spTree>
     <p:extLst>
       <p:ext uri="{BB962C8B-B14F-4D97-AF65-F5344CB8AC3E}">
-        <p14:creationId xmlns:p14="http://schemas.microsoft.com/office/powerpoint/2010/main" xmlns="" val="1234319806"/>
+        <p14:creationId xmlns:p14="http://schemas.microsoft.com/office/powerpoint/2010/main" val="1234319806"/>
       </p:ext>
     </p:extLst>
   </p:cSld>
@@ -17544,10 +18391,10 @@
           <p:nvPr/>
         </p:nvPicPr>
         <p:blipFill>
-          <a:blip r:embed="rId2">
+          <a:blip r:embed="rId3">
             <a:extLst>
               <a:ext uri="{28A0092B-C50C-407E-A947-70E740481C1C}">
-                <a14:useLocalDpi xmlns:a14="http://schemas.microsoft.com/office/drawing/2010/main" xmlns="" val="0"/>
+                <a14:useLocalDpi xmlns:a14="http://schemas.microsoft.com/office/drawing/2010/main" val="0"/>
               </a:ext>
             </a:extLst>
           </a:blip>
@@ -17574,7 +18421,7 @@
     </p:spTree>
     <p:extLst>
       <p:ext uri="{BB962C8B-B14F-4D97-AF65-F5344CB8AC3E}">
-        <p14:creationId xmlns:p14="http://schemas.microsoft.com/office/powerpoint/2010/main" xmlns="" val="237696583"/>
+        <p14:creationId xmlns:p14="http://schemas.microsoft.com/office/powerpoint/2010/main" val="237696583"/>
       </p:ext>
     </p:extLst>
   </p:cSld>
@@ -17810,7 +18657,7 @@
           <a:blip r:embed="rId2">
             <a:extLst>
               <a:ext uri="{28A0092B-C50C-407E-A947-70E740481C1C}">
-                <a14:useLocalDpi xmlns:a14="http://schemas.microsoft.com/office/drawing/2010/main" xmlns="" val="0"/>
+                <a14:useLocalDpi xmlns:a14="http://schemas.microsoft.com/office/drawing/2010/main" val="0"/>
               </a:ext>
             </a:extLst>
           </a:blip>
@@ -17938,36 +18785,6 @@
           </a:p>
         </p:txBody>
       </p:sp>
-      <p:pic>
-        <p:nvPicPr>
-          <p:cNvPr id="16" name="Picture 15"/>
-          <p:cNvPicPr>
-            <a:picLocks noChangeAspect="1"/>
-          </p:cNvPicPr>
-          <p:nvPr/>
-        </p:nvPicPr>
-        <p:blipFill>
-          <a:blip r:embed="rId3">
-            <a:extLst>
-              <a:ext uri="{28A0092B-C50C-407E-A947-70E740481C1C}">
-                <a14:useLocalDpi xmlns:a14="http://schemas.microsoft.com/office/drawing/2010/main" xmlns="" val="0"/>
-              </a:ext>
-            </a:extLst>
-          </a:blip>
-          <a:stretch>
-            <a:fillRect/>
-          </a:stretch>
-        </p:blipFill>
-        <p:spPr>
-          <a:xfrm>
-            <a:off x="5491029" y="119007"/>
-            <a:ext cx="972908" cy="972908"/>
-          </a:xfrm>
-          <a:prstGeom prst="rect">
-            <a:avLst/>
-          </a:prstGeom>
-        </p:spPr>
-      </p:pic>
       <p:cxnSp>
         <p:nvCxnSpPr>
           <p:cNvPr id="18" name="Straight Arrow Connector 17"/>
@@ -18013,10 +18830,10 @@
           <p:nvPr/>
         </p:nvPicPr>
         <p:blipFill>
-          <a:blip r:embed="rId4">
+          <a:blip r:embed="rId3">
             <a:extLst>
               <a:ext uri="{28A0092B-C50C-407E-A947-70E740481C1C}">
-                <a14:useLocalDpi xmlns:a14="http://schemas.microsoft.com/office/drawing/2010/main" xmlns="" val="0"/>
+                <a14:useLocalDpi xmlns:a14="http://schemas.microsoft.com/office/drawing/2010/main" val="0"/>
               </a:ext>
             </a:extLst>
           </a:blip>
@@ -18234,7 +19051,7 @@
           <a:blip r:embed="rId2">
             <a:extLst>
               <a:ext uri="{28A0092B-C50C-407E-A947-70E740481C1C}">
-                <a14:useLocalDpi xmlns:a14="http://schemas.microsoft.com/office/drawing/2010/main" xmlns="" val="0"/>
+                <a14:useLocalDpi xmlns:a14="http://schemas.microsoft.com/office/drawing/2010/main" val="0"/>
               </a:ext>
             </a:extLst>
           </a:blip>
@@ -18352,10 +19169,10 @@
           <p:nvPr/>
         </p:nvPicPr>
         <p:blipFill>
-          <a:blip r:embed="rId4">
+          <a:blip r:embed="rId3">
             <a:extLst>
               <a:ext uri="{28A0092B-C50C-407E-A947-70E740481C1C}">
-                <a14:useLocalDpi xmlns:a14="http://schemas.microsoft.com/office/drawing/2010/main" xmlns="" val="0"/>
+                <a14:useLocalDpi xmlns:a14="http://schemas.microsoft.com/office/drawing/2010/main" val="0"/>
               </a:ext>
             </a:extLst>
           </a:blip>
@@ -18636,7 +19453,7 @@
     </p:spTree>
     <p:extLst>
       <p:ext uri="{BB962C8B-B14F-4D97-AF65-F5344CB8AC3E}">
-        <p14:creationId xmlns:p14="http://schemas.microsoft.com/office/powerpoint/2010/main" xmlns="" val="4287588076"/>
+        <p14:creationId xmlns:p14="http://schemas.microsoft.com/office/powerpoint/2010/main" val="4287588076"/>
       </p:ext>
     </p:extLst>
   </p:cSld>
@@ -19211,7 +20028,7 @@
           <a:blip r:embed="rId3">
             <a:extLst>
               <a:ext uri="{28A0092B-C50C-407E-A947-70E740481C1C}">
-                <a14:useLocalDpi xmlns:a14="http://schemas.microsoft.com/office/drawing/2010/main" xmlns="" val="0"/>
+                <a14:useLocalDpi xmlns:a14="http://schemas.microsoft.com/office/drawing/2010/main" val="0"/>
               </a:ext>
             </a:extLst>
           </a:blip>
@@ -19255,7 +20072,7 @@
             <a:blip r:embed="rId4">
               <a:extLst>
                 <a:ext uri="{28A0092B-C50C-407E-A947-70E740481C1C}">
-                  <a14:useLocalDpi xmlns:a14="http://schemas.microsoft.com/office/drawing/2010/main" xmlns="" val="0"/>
+                  <a14:useLocalDpi xmlns:a14="http://schemas.microsoft.com/office/drawing/2010/main" val="0"/>
                 </a:ext>
               </a:extLst>
             </a:blip>
@@ -19687,7 +20504,7 @@
           <a:blip r:embed="rId7">
             <a:extLst>
               <a:ext uri="{28A0092B-C50C-407E-A947-70E740481C1C}">
-                <a14:useLocalDpi xmlns:a14="http://schemas.microsoft.com/office/drawing/2010/main" xmlns="" val="0"/>
+                <a14:useLocalDpi xmlns:a14="http://schemas.microsoft.com/office/drawing/2010/main" val="0"/>
               </a:ext>
             </a:extLst>
           </a:blip>
@@ -19717,7 +20534,7 @@
           <a:blip r:embed="rId8">
             <a:extLst>
               <a:ext uri="{28A0092B-C50C-407E-A947-70E740481C1C}">
-                <a14:useLocalDpi xmlns:a14="http://schemas.microsoft.com/office/drawing/2010/main" xmlns="" val="0"/>
+                <a14:useLocalDpi xmlns:a14="http://schemas.microsoft.com/office/drawing/2010/main" val="0"/>
               </a:ext>
             </a:extLst>
           </a:blip>
@@ -19747,7 +20564,7 @@
           <a:blip r:embed="rId9">
             <a:extLst>
               <a:ext uri="{28A0092B-C50C-407E-A947-70E740481C1C}">
-                <a14:useLocalDpi xmlns:a14="http://schemas.microsoft.com/office/drawing/2010/main" xmlns="" val="0"/>
+                <a14:useLocalDpi xmlns:a14="http://schemas.microsoft.com/office/drawing/2010/main" val="0"/>
               </a:ext>
             </a:extLst>
           </a:blip>
@@ -19777,7 +20594,7 @@
           <a:blip r:embed="rId10">
             <a:extLst>
               <a:ext uri="{28A0092B-C50C-407E-A947-70E740481C1C}">
-                <a14:useLocalDpi xmlns:a14="http://schemas.microsoft.com/office/drawing/2010/main" xmlns="" val="0"/>
+                <a14:useLocalDpi xmlns:a14="http://schemas.microsoft.com/office/drawing/2010/main" val="0"/>
               </a:ext>
             </a:extLst>
           </a:blip>
@@ -19807,7 +20624,7 @@
           <a:blip r:embed="rId11">
             <a:extLst>
               <a:ext uri="{28A0092B-C50C-407E-A947-70E740481C1C}">
-                <a14:useLocalDpi xmlns:a14="http://schemas.microsoft.com/office/drawing/2010/main" xmlns="" val="0"/>
+                <a14:useLocalDpi xmlns:a14="http://schemas.microsoft.com/office/drawing/2010/main" val="0"/>
               </a:ext>
             </a:extLst>
           </a:blip>
@@ -19837,7 +20654,7 @@
           <a:blip r:embed="rId12">
             <a:extLst>
               <a:ext uri="{28A0092B-C50C-407E-A947-70E740481C1C}">
-                <a14:useLocalDpi xmlns:a14="http://schemas.microsoft.com/office/drawing/2010/main" xmlns="" val="0"/>
+                <a14:useLocalDpi xmlns:a14="http://schemas.microsoft.com/office/drawing/2010/main" val="0"/>
               </a:ext>
             </a:extLst>
           </a:blip>
@@ -19867,7 +20684,7 @@
           <a:blip r:embed="rId13">
             <a:extLst>
               <a:ext uri="{28A0092B-C50C-407E-A947-70E740481C1C}">
-                <a14:useLocalDpi xmlns:a14="http://schemas.microsoft.com/office/drawing/2010/main" xmlns="" val="0"/>
+                <a14:useLocalDpi xmlns:a14="http://schemas.microsoft.com/office/drawing/2010/main" val="0"/>
               </a:ext>
             </a:extLst>
           </a:blip>
@@ -19888,7 +20705,7 @@
     </p:spTree>
     <p:extLst>
       <p:ext uri="{BB962C8B-B14F-4D97-AF65-F5344CB8AC3E}">
-        <p14:creationId xmlns:p14="http://schemas.microsoft.com/office/powerpoint/2010/main" xmlns="" val="666675940"/>
+        <p14:creationId xmlns:p14="http://schemas.microsoft.com/office/powerpoint/2010/main" val="666675940"/>
       </p:ext>
     </p:extLst>
   </p:cSld>
@@ -21039,11 +21856,7 @@
             </a:pPr>
             <a:r>
               <a:rPr lang="en-US" dirty="0" smtClean="0"/>
-              <a:t>	</a:t>
-            </a:r>
-            <a:r>
-              <a:rPr lang="en-US" dirty="0" smtClean="0"/>
-              <a:t>	        Can not contact the applied maid.</a:t>
+              <a:t>		        Can not contact the applied maid.</a:t>
             </a:r>
           </a:p>
           <a:p>
@@ -21074,11 +21887,7 @@
             </a:pPr>
             <a:r>
               <a:rPr lang="en-US" dirty="0" smtClean="0"/>
-              <a:t>	</a:t>
-            </a:r>
-            <a:r>
-              <a:rPr lang="en-US" dirty="0" smtClean="0"/>
-              <a:t>	        The applied maid is not fit with demands.</a:t>
+              <a:t>		        The applied maid is not fit with demands.</a:t>
             </a:r>
           </a:p>
           <a:p>
@@ -21108,11 +21917,7 @@
             </a:pPr>
             <a:r>
               <a:rPr lang="en-US" dirty="0" smtClean="0"/>
-              <a:t>	</a:t>
-            </a:r>
-            <a:r>
-              <a:rPr lang="en-US" dirty="0" smtClean="0"/>
-              <a:t>	        Customer wants to hire new maid after the probation period.</a:t>
+              <a:t>		        Customer wants to hire new maid after the probation period.</a:t>
             </a:r>
           </a:p>
           <a:p>
@@ -21395,7 +22200,7 @@
           <a:blip r:embed="rId3">
             <a:extLst>
               <a:ext uri="{28A0092B-C50C-407E-A947-70E740481C1C}">
-                <a14:useLocalDpi xmlns:a14="http://schemas.microsoft.com/office/drawing/2010/main" xmlns="" val="0"/>
+                <a14:useLocalDpi xmlns:a14="http://schemas.microsoft.com/office/drawing/2010/main" val="0"/>
               </a:ext>
             </a:extLst>
           </a:blip>
@@ -21439,7 +22244,7 @@
             <a:blip r:embed="rId4">
               <a:extLst>
                 <a:ext uri="{28A0092B-C50C-407E-A947-70E740481C1C}">
-                  <a14:useLocalDpi xmlns:a14="http://schemas.microsoft.com/office/drawing/2010/main" xmlns="" val="0"/>
+                  <a14:useLocalDpi xmlns:a14="http://schemas.microsoft.com/office/drawing/2010/main" val="0"/>
                 </a:ext>
               </a:extLst>
             </a:blip>
@@ -21928,7 +22733,7 @@
           <a:blip r:embed="rId8">
             <a:extLst>
               <a:ext uri="{28A0092B-C50C-407E-A947-70E740481C1C}">
-                <a14:useLocalDpi xmlns:a14="http://schemas.microsoft.com/office/drawing/2010/main" xmlns="" val="0"/>
+                <a14:useLocalDpi xmlns:a14="http://schemas.microsoft.com/office/drawing/2010/main" val="0"/>
               </a:ext>
             </a:extLst>
           </a:blip>
@@ -21958,7 +22763,7 @@
           <a:blip r:embed="rId9">
             <a:extLst>
               <a:ext uri="{28A0092B-C50C-407E-A947-70E740481C1C}">
-                <a14:useLocalDpi xmlns:a14="http://schemas.microsoft.com/office/drawing/2010/main" xmlns="" val="0"/>
+                <a14:useLocalDpi xmlns:a14="http://schemas.microsoft.com/office/drawing/2010/main" val="0"/>
               </a:ext>
             </a:extLst>
           </a:blip>
@@ -21988,7 +22793,7 @@
           <a:blip r:embed="rId10">
             <a:extLst>
               <a:ext uri="{28A0092B-C50C-407E-A947-70E740481C1C}">
-                <a14:useLocalDpi xmlns:a14="http://schemas.microsoft.com/office/drawing/2010/main" xmlns="" val="0"/>
+                <a14:useLocalDpi xmlns:a14="http://schemas.microsoft.com/office/drawing/2010/main" val="0"/>
               </a:ext>
             </a:extLst>
           </a:blip>
@@ -22018,7 +22823,7 @@
           <a:blip r:embed="rId11">
             <a:extLst>
               <a:ext uri="{28A0092B-C50C-407E-A947-70E740481C1C}">
-                <a14:useLocalDpi xmlns:a14="http://schemas.microsoft.com/office/drawing/2010/main" xmlns="" val="0"/>
+                <a14:useLocalDpi xmlns:a14="http://schemas.microsoft.com/office/drawing/2010/main" val="0"/>
               </a:ext>
             </a:extLst>
           </a:blip>
@@ -22048,7 +22853,7 @@
           <a:blip r:embed="rId12">
             <a:extLst>
               <a:ext uri="{28A0092B-C50C-407E-A947-70E740481C1C}">
-                <a14:useLocalDpi xmlns:a14="http://schemas.microsoft.com/office/drawing/2010/main" xmlns="" val="0"/>
+                <a14:useLocalDpi xmlns:a14="http://schemas.microsoft.com/office/drawing/2010/main" val="0"/>
               </a:ext>
             </a:extLst>
           </a:blip>
@@ -22069,7 +22874,7 @@
     </p:spTree>
     <p:extLst>
       <p:ext uri="{BB962C8B-B14F-4D97-AF65-F5344CB8AC3E}">
-        <p14:creationId xmlns:p14="http://schemas.microsoft.com/office/powerpoint/2010/main" xmlns="" val="666675940"/>
+        <p14:creationId xmlns:p14="http://schemas.microsoft.com/office/powerpoint/2010/main" val="666675940"/>
       </p:ext>
     </p:extLst>
   </p:cSld>
@@ -23253,7 +24058,7 @@
   <a:extraClrSchemeLst/>
   <a:extLst>
     <a:ext uri="{05A4C25C-085E-4340-85A3-A5531E510DB2}">
-      <thm15:themeFamily xmlns:thm15="http://schemas.microsoft.com/office/thememl/2012/main" xmlns="" name="Retrospect" id="{5F128B03-DCCA-4EEB-AB3B-CF2899314A46}" vid="{D26EA377-59BD-4C9C-9D94-EE8416EE4C79}"/>
+      <thm15:themeFamily xmlns:thm15="http://schemas.microsoft.com/office/thememl/2012/main" name="Retrospect" id="{5F128B03-DCCA-4EEB-AB3B-CF2899314A46}" vid="{D26EA377-59BD-4C9C-9D94-EE8416EE4C79}"/>
     </a:ext>
   </a:extLst>
 </a:theme>
@@ -23536,7 +24341,7 @@
   <a:extraClrSchemeLst/>
   <a:extLst>
     <a:ext uri="{05A4C25C-085E-4340-85A3-A5531E510DB2}">
-      <thm15:themeFamily xmlns:thm15="http://schemas.microsoft.com/office/thememl/2012/main" xmlns="" name="Retrospect" id="{5F128B03-DCCA-4EEB-AB3B-CF2899314A46}" vid="{D26EA377-59BD-4C9C-9D94-EE8416EE4C79}"/>
+      <thm15:themeFamily xmlns:thm15="http://schemas.microsoft.com/office/thememl/2012/main" name="Retrospect" id="{5F128B03-DCCA-4EEB-AB3B-CF2899314A46}" vid="{D26EA377-59BD-4C9C-9D94-EE8416EE4C79}"/>
     </a:ext>
   </a:extLst>
 </a:theme>
@@ -23797,7 +24602,7 @@
   <a:extraClrSchemeLst/>
   <a:extLst>
     <a:ext uri="{05A4C25C-085E-4340-85A3-A5531E510DB2}">
-      <thm15:themeFamily xmlns:thm15="http://schemas.microsoft.com/office/thememl/2012/main" xmlns="" name="Office Theme" id="{62F939B6-93AF-4DB8-9C6B-D6C7DFDC589F}" vid="{4A3C46E8-61CC-4603-A589-7422A47A8E4A}"/>
+      <thm15:themeFamily xmlns:thm15="http://schemas.microsoft.com/office/thememl/2012/main" name="Office Theme" id="{62F939B6-93AF-4DB8-9C6B-D6C7DFDC589F}" vid="{4A3C46E8-61CC-4603-A589-7422A47A8E4A}"/>
     </a:ext>
   </a:extLst>
 </a:theme>
@@ -24058,7 +24863,7 @@
   <a:extraClrSchemeLst/>
   <a:extLst>
     <a:ext uri="{05A4C25C-085E-4340-85A3-A5531E510DB2}">
-      <thm15:themeFamily xmlns:thm15="http://schemas.microsoft.com/office/thememl/2012/main" xmlns="" name="Office Theme" id="{62F939B6-93AF-4DB8-9C6B-D6C7DFDC589F}" vid="{4A3C46E8-61CC-4603-A589-7422A47A8E4A}"/>
+      <thm15:themeFamily xmlns:thm15="http://schemas.microsoft.com/office/thememl/2012/main" name="Office Theme" id="{62F939B6-93AF-4DB8-9C6B-D6C7DFDC589F}" vid="{4A3C46E8-61CC-4603-A589-7422A47A8E4A}"/>
     </a:ext>
   </a:extLst>
 </a:theme>

--- a/trunk/Presentation/MS_Slide_2.0.pptx
+++ b/trunk/Presentation/MS_Slide_2.0.pptx
@@ -5217,7 +5217,6 @@
               <a:rPr lang="en-US" baseline="0" dirty="0" smtClean="0"/>
               <a:t>CHÚNG TÔI</a:t>
             </a:r>
-            <a:endParaRPr lang="en-US" baseline="0" dirty="0" smtClean="0"/>
           </a:p>
           <a:p>
             <a:endParaRPr lang="en-US" dirty="0"/>
@@ -6309,8 +6308,43 @@
             </a:r>
             <a:r>
               <a:rPr lang="en-US" baseline="0" dirty="0" smtClean="0"/>
-              <a:t> Applied -&gt; Expired.</a:t>
-            </a:r>
+              <a:t> Applied -&gt; Expired</a:t>
+            </a:r>
+            <a:r>
+              <a:rPr lang="en-US" baseline="0" dirty="0" smtClean="0"/>
+              <a:t>.</a:t>
+            </a:r>
+          </a:p>
+          <a:p>
+            <a:r>
+              <a:rPr lang="en-US" baseline="0" dirty="0" err="1" smtClean="0"/>
+              <a:t>Không</a:t>
+            </a:r>
+            <a:r>
+              <a:rPr lang="en-US" baseline="0" dirty="0" smtClean="0"/>
+              <a:t> </a:t>
+            </a:r>
+            <a:r>
+              <a:rPr lang="en-US" baseline="0" dirty="0" err="1" smtClean="0"/>
+              <a:t>gian</a:t>
+            </a:r>
+            <a:r>
+              <a:rPr lang="en-US" baseline="0" dirty="0" smtClean="0"/>
+              <a:t> </a:t>
+            </a:r>
+            <a:r>
+              <a:rPr lang="en-US" baseline="0" dirty="0" err="1" smtClean="0"/>
+              <a:t>thuật</a:t>
+            </a:r>
+            <a:r>
+              <a:rPr lang="en-US" baseline="0" dirty="0" smtClean="0"/>
+              <a:t> </a:t>
+            </a:r>
+            <a:r>
+              <a:rPr lang="en-US" baseline="0" dirty="0" err="1" smtClean="0"/>
+              <a:t>toán</a:t>
+            </a:r>
+            <a:endParaRPr lang="en-US" baseline="0" dirty="0" smtClean="0"/>
           </a:p>
           <a:p>
             <a:endParaRPr lang="en-US" baseline="0" dirty="0" smtClean="0"/>
@@ -17037,6 +17071,13 @@
   <p:clrMapOvr>
     <a:masterClrMapping/>
   </p:clrMapOvr>
+  <p:timing>
+    <p:tnLst>
+      <p:par>
+        <p:cTn id="1" dur="indefinite" restart="never" nodeType="tmRoot"/>
+      </p:par>
+    </p:tnLst>
+  </p:timing>
 </p:sld>
 </file>
 
@@ -18428,6 +18469,13 @@
   <p:clrMapOvr>
     <a:masterClrMapping/>
   </p:clrMapOvr>
+  <p:timing>
+    <p:tnLst>
+      <p:par>
+        <p:cTn id="1" dur="indefinite" restart="never" nodeType="tmRoot"/>
+      </p:par>
+    </p:tnLst>
+  </p:timing>
 </p:sld>
 </file>
 
@@ -21887,8 +21935,17 @@
             </a:pPr>
             <a:r>
               <a:rPr lang="en-US" dirty="0" smtClean="0"/>
-              <a:t>		        The applied maid is not fit with demands.</a:t>
-            </a:r>
+              <a:t>		        The applied maid </a:t>
+            </a:r>
+            <a:r>
+              <a:rPr lang="en-US" dirty="0" smtClean="0"/>
+              <a:t>does not meet the expectations</a:t>
+            </a:r>
+            <a:r>
+              <a:rPr lang="en-US" dirty="0" smtClean="0"/>
+              <a:t>.</a:t>
+            </a:r>
+            <a:endParaRPr lang="en-US" dirty="0" smtClean="0"/>
           </a:p>
           <a:p>
             <a:pPr lvl="1">
@@ -22075,6 +22132,13 @@
   <p:clrMapOvr>
     <a:masterClrMapping/>
   </p:clrMapOvr>
+  <p:timing>
+    <p:tnLst>
+      <p:par>
+        <p:cTn id="1" dur="indefinite" restart="never" nodeType="tmRoot"/>
+      </p:par>
+    </p:tnLst>
+  </p:timing>
 </p:sld>
 </file>
 

--- a/trunk/Presentation/MS_Slide_2.0.pptx
+++ b/trunk/Presentation/MS_Slide_2.0.pptx
@@ -5659,8 +5659,15 @@
             </a:r>
             <a:r>
               <a:rPr lang="en-US" baseline="0" dirty="0" smtClean="0"/>
-              <a:t> TÔI</a:t>
-            </a:r>
+              <a:t> </a:t>
+            </a:r>
+            <a:r>
+              <a:rPr lang="en-US" baseline="0" dirty="0" smtClean="0"/>
+              <a:t>TÔI</a:t>
+            </a:r>
+          </a:p>
+          <a:p>
+            <a:endParaRPr lang="en-US" baseline="0" dirty="0" smtClean="0"/>
           </a:p>
           <a:p>
             <a:r>
@@ -5686,6 +5693,74 @@
             <a:endParaRPr lang="en-US" baseline="0" dirty="0" smtClean="0"/>
           </a:p>
           <a:p>
+            <a:pPr marL="0" marR="0" indent="0" algn="l" defTabSz="914400" rtl="0" eaLnBrk="1" fontAlgn="auto" latinLnBrk="0" hangingPunct="1">
+              <a:lnSpc>
+                <a:spcPct val="100000"/>
+              </a:lnSpc>
+              <a:spcBef>
+                <a:spcPts val="0"/>
+              </a:spcBef>
+              <a:spcAft>
+                <a:spcPts val="0"/>
+              </a:spcAft>
+              <a:buClrTx/>
+              <a:buSzTx/>
+              <a:buFontTx/>
+              <a:buNone/>
+              <a:tabLst/>
+              <a:defRPr/>
+            </a:pPr>
+            <a:r>
+              <a:rPr lang="en-US" baseline="0" dirty="0" err="1" smtClean="0"/>
+              <a:t>Yêu</a:t>
+            </a:r>
+            <a:r>
+              <a:rPr lang="en-US" baseline="0" dirty="0" smtClean="0"/>
+              <a:t> </a:t>
+            </a:r>
+            <a:r>
+              <a:rPr lang="en-US" baseline="0" dirty="0" err="1" smtClean="0"/>
+              <a:t>cầu</a:t>
+            </a:r>
+            <a:r>
+              <a:rPr lang="en-US" baseline="0" dirty="0" smtClean="0"/>
+              <a:t> </a:t>
+            </a:r>
+            <a:r>
+              <a:rPr lang="en-US" baseline="0" dirty="0" err="1" smtClean="0"/>
+              <a:t>công</a:t>
+            </a:r>
+            <a:r>
+              <a:rPr lang="en-US" baseline="0" dirty="0" smtClean="0"/>
+              <a:t> </a:t>
+            </a:r>
+            <a:r>
+              <a:rPr lang="en-US" baseline="0" dirty="0" err="1" smtClean="0"/>
+              <a:t>việc</a:t>
+            </a:r>
+            <a:endParaRPr lang="en-US" baseline="0" dirty="0" smtClean="0"/>
+          </a:p>
+          <a:p>
+            <a:pPr marL="0" marR="0" indent="0" algn="l" defTabSz="914400" rtl="0" eaLnBrk="1" fontAlgn="auto" latinLnBrk="0" hangingPunct="1">
+              <a:lnSpc>
+                <a:spcPct val="100000"/>
+              </a:lnSpc>
+              <a:spcBef>
+                <a:spcPts val="0"/>
+              </a:spcBef>
+              <a:spcAft>
+                <a:spcPts val="0"/>
+              </a:spcAft>
+              <a:buClrTx/>
+              <a:buSzTx/>
+              <a:buFontTx/>
+              <a:buNone/>
+              <a:tabLst/>
+              <a:defRPr/>
+            </a:pPr>
+            <a:endParaRPr lang="en-US" baseline="0" dirty="0" smtClean="0"/>
+          </a:p>
+          <a:p>
             <a:r>
               <a:rPr lang="en-US" baseline="0" dirty="0" smtClean="0"/>
               <a:t>-</a:t>
@@ -5850,6 +5925,9 @@
               <a:rPr lang="en-US" baseline="0" dirty="0" smtClean="0"/>
               <a:t>.</a:t>
             </a:r>
+          </a:p>
+          <a:p>
+            <a:endParaRPr lang="en-US" baseline="0" dirty="0" smtClean="0"/>
           </a:p>
           <a:p>
             <a:r>
@@ -6155,8 +6233,55 @@
             </a:r>
             <a:r>
               <a:rPr lang="en-US" baseline="0" dirty="0" smtClean="0"/>
-              <a:t> TÔI</a:t>
-            </a:r>
+              <a:t> </a:t>
+            </a:r>
+            <a:r>
+              <a:rPr lang="en-US" baseline="0" dirty="0" smtClean="0"/>
+              <a:t>TÔI</a:t>
+            </a:r>
+          </a:p>
+          <a:p>
+            <a:endParaRPr lang="en-US" baseline="0" dirty="0" smtClean="0"/>
+          </a:p>
+          <a:p>
+            <a:pPr marL="0" marR="0" indent="0" algn="l" defTabSz="914400" rtl="0" eaLnBrk="1" fontAlgn="auto" latinLnBrk="0" hangingPunct="1">
+              <a:lnSpc>
+                <a:spcPct val="100000"/>
+              </a:lnSpc>
+              <a:spcBef>
+                <a:spcPts val="0"/>
+              </a:spcBef>
+              <a:spcAft>
+                <a:spcPts val="0"/>
+              </a:spcAft>
+              <a:buClrTx/>
+              <a:buSzTx/>
+              <a:buFontTx/>
+              <a:buNone/>
+              <a:tabLst/>
+              <a:defRPr/>
+            </a:pPr>
+            <a:r>
+              <a:rPr lang="en-US" baseline="0" dirty="0" err="1" smtClean="0"/>
+              <a:t>Đơn</a:t>
+            </a:r>
+            <a:r>
+              <a:rPr lang="en-US" baseline="0" dirty="0" smtClean="0"/>
+              <a:t> </a:t>
+            </a:r>
+            <a:r>
+              <a:rPr lang="en-US" baseline="0" dirty="0" err="1" smtClean="0"/>
+              <a:t>tuyển</a:t>
+            </a:r>
+            <a:r>
+              <a:rPr lang="en-US" baseline="0" dirty="0" smtClean="0"/>
+              <a:t> </a:t>
+            </a:r>
+            <a:r>
+              <a:rPr lang="en-US" baseline="0" dirty="0" err="1" smtClean="0"/>
+              <a:t>dụng</a:t>
+            </a:r>
+            <a:endParaRPr lang="en-US" baseline="0" dirty="0" smtClean="0"/>
           </a:p>
           <a:p>
             <a:r>
@@ -6190,6 +6315,9 @@
             <a:endParaRPr lang="en-US" baseline="0" dirty="0" smtClean="0"/>
           </a:p>
           <a:p>
+            <a:endParaRPr lang="en-US" baseline="0" dirty="0" smtClean="0"/>
+          </a:p>
+          <a:p>
             <a:r>
               <a:rPr lang="en-US" baseline="0" dirty="0" err="1" smtClean="0"/>
               <a:t>Tương</a:t>
@@ -6308,41 +6436,132 @@
             </a:r>
             <a:r>
               <a:rPr lang="en-US" baseline="0" dirty="0" smtClean="0"/>
-              <a:t> Applied -&gt; Expired</a:t>
+              <a:t> Applied -&gt; </a:t>
+            </a:r>
+            <a:r>
+              <a:rPr lang="en-US" baseline="0" smtClean="0"/>
+              <a:t>Expired</a:t>
+            </a:r>
+            <a:r>
+              <a:rPr lang="en-US" baseline="0" smtClean="0"/>
+              <a:t>.</a:t>
+            </a:r>
+          </a:p>
+          <a:p>
+            <a:endParaRPr lang="en-US" baseline="0" dirty="0" smtClean="0"/>
+          </a:p>
+          <a:p>
+            <a:r>
+              <a:rPr lang="en-US" baseline="0" dirty="0" err="1" smtClean="0"/>
+              <a:t>Không</a:t>
+            </a:r>
+            <a:r>
+              <a:rPr lang="en-US" baseline="0" dirty="0" smtClean="0"/>
+              <a:t> </a:t>
+            </a:r>
+            <a:r>
+              <a:rPr lang="en-US" baseline="0" dirty="0" err="1" smtClean="0"/>
+              <a:t>gian</a:t>
+            </a:r>
+            <a:r>
+              <a:rPr lang="en-US" baseline="0" dirty="0" smtClean="0"/>
+              <a:t> </a:t>
+            </a:r>
+            <a:r>
+              <a:rPr lang="en-US" baseline="0" dirty="0" err="1" smtClean="0"/>
+              <a:t>thuật</a:t>
+            </a:r>
+            <a:r>
+              <a:rPr lang="en-US" baseline="0" dirty="0" smtClean="0"/>
+              <a:t> </a:t>
+            </a:r>
+            <a:r>
+              <a:rPr lang="en-US" baseline="0" dirty="0" err="1" smtClean="0"/>
+              <a:t>toán</a:t>
+            </a:r>
+            <a:r>
+              <a:rPr lang="en-US" baseline="0" dirty="0" smtClean="0"/>
+              <a:t>. </a:t>
+            </a:r>
+            <a:r>
+              <a:rPr lang="en-US" baseline="0" dirty="0" err="1" smtClean="0"/>
+              <a:t>Dùng</a:t>
+            </a:r>
+            <a:r>
+              <a:rPr lang="en-US" baseline="0" dirty="0" smtClean="0"/>
+              <a:t> </a:t>
+            </a:r>
+            <a:r>
+              <a:rPr lang="en-US" baseline="0" dirty="0" err="1" smtClean="0"/>
+              <a:t>kmean</a:t>
+            </a:r>
+            <a:r>
+              <a:rPr lang="en-US" baseline="0" dirty="0" smtClean="0"/>
+              <a:t> </a:t>
+            </a:r>
+            <a:r>
+              <a:rPr lang="en-US" baseline="0" dirty="0" err="1" smtClean="0"/>
+              <a:t>phân</a:t>
+            </a:r>
+            <a:r>
+              <a:rPr lang="en-US" baseline="0" dirty="0" smtClean="0"/>
+              <a:t> </a:t>
+            </a:r>
+            <a:r>
+              <a:rPr lang="en-US" baseline="0" dirty="0" err="1" smtClean="0"/>
+              <a:t>nhóm</a:t>
+            </a:r>
+            <a:r>
+              <a:rPr lang="en-US" baseline="0" dirty="0" smtClean="0"/>
+              <a:t> </a:t>
+            </a:r>
+            <a:r>
+              <a:rPr lang="en-US" baseline="0" dirty="0" err="1" smtClean="0"/>
+              <a:t>để</a:t>
+            </a:r>
+            <a:r>
+              <a:rPr lang="en-US" baseline="0" dirty="0" smtClean="0"/>
+              <a:t> </a:t>
+            </a:r>
+            <a:r>
+              <a:rPr lang="en-US" baseline="0" dirty="0" err="1" smtClean="0"/>
+              <a:t>gợi</a:t>
+            </a:r>
+            <a:r>
+              <a:rPr lang="en-US" baseline="0" dirty="0" smtClean="0"/>
+              <a:t> ý </a:t>
+            </a:r>
+            <a:r>
+              <a:rPr lang="en-US" baseline="0" dirty="0" err="1" smtClean="0"/>
+              <a:t>các</a:t>
+            </a:r>
+            <a:r>
+              <a:rPr lang="en-US" baseline="0" dirty="0" smtClean="0"/>
+              <a:t> </a:t>
+            </a:r>
+            <a:r>
+              <a:rPr lang="en-US" baseline="0" dirty="0" err="1" smtClean="0"/>
+              <a:t>yêu</a:t>
+            </a:r>
+            <a:r>
+              <a:rPr lang="en-US" baseline="0" dirty="0" smtClean="0"/>
+              <a:t> </a:t>
+            </a:r>
+            <a:r>
+              <a:rPr lang="en-US" baseline="0" dirty="0" err="1" smtClean="0"/>
+              <a:t>phù</a:t>
+            </a:r>
+            <a:r>
+              <a:rPr lang="en-US" baseline="0" dirty="0" smtClean="0"/>
+              <a:t> </a:t>
+            </a:r>
+            <a:r>
+              <a:rPr lang="en-US" baseline="0" dirty="0" err="1" smtClean="0"/>
+              <a:t>hợp</a:t>
             </a:r>
             <a:r>
               <a:rPr lang="en-US" baseline="0" dirty="0" smtClean="0"/>
               <a:t>.</a:t>
-            </a:r>
-          </a:p>
-          <a:p>
-            <a:r>
-              <a:rPr lang="en-US" baseline="0" dirty="0" err="1" smtClean="0"/>
-              <a:t>Không</a:t>
-            </a:r>
-            <a:r>
-              <a:rPr lang="en-US" baseline="0" dirty="0" smtClean="0"/>
-              <a:t> </a:t>
-            </a:r>
-            <a:r>
-              <a:rPr lang="en-US" baseline="0" dirty="0" err="1" smtClean="0"/>
-              <a:t>gian</a:t>
-            </a:r>
-            <a:r>
-              <a:rPr lang="en-US" baseline="0" dirty="0" smtClean="0"/>
-              <a:t> </a:t>
-            </a:r>
-            <a:r>
-              <a:rPr lang="en-US" baseline="0" dirty="0" err="1" smtClean="0"/>
-              <a:t>thuật</a:t>
-            </a:r>
-            <a:r>
-              <a:rPr lang="en-US" baseline="0" dirty="0" smtClean="0"/>
-              <a:t> </a:t>
-            </a:r>
-            <a:r>
-              <a:rPr lang="en-US" baseline="0" dirty="0" err="1" smtClean="0"/>
-              <a:t>toán</a:t>
             </a:r>
             <a:endParaRPr lang="en-US" baseline="0" dirty="0" smtClean="0"/>
           </a:p>
@@ -21935,17 +22154,8 @@
             </a:pPr>
             <a:r>
               <a:rPr lang="en-US" dirty="0" smtClean="0"/>
-              <a:t>		        The applied maid </a:t>
-            </a:r>
-            <a:r>
-              <a:rPr lang="en-US" dirty="0" smtClean="0"/>
-              <a:t>does not meet the expectations</a:t>
-            </a:r>
-            <a:r>
-              <a:rPr lang="en-US" dirty="0" smtClean="0"/>
-              <a:t>.</a:t>
-            </a:r>
-            <a:endParaRPr lang="en-US" dirty="0" smtClean="0"/>
+              <a:t>		        The applied maid does not meet the expectations.</a:t>
+            </a:r>
           </a:p>
           <a:p>
             <a:pPr lvl="1">
